--- a/ppt/EMPLOYEE MANAGEMENT SYSTEM.pptx
+++ b/ppt/EMPLOYEE MANAGEMENT SYSTEM.pptx
@@ -16,7 +16,17 @@
     <p:sldId id="267" r:id="rId10"/>
     <p:sldId id="264" r:id="rId11"/>
     <p:sldId id="265" r:id="rId12"/>
-    <p:sldId id="266" r:id="rId13"/>
+    <p:sldId id="268" r:id="rId13"/>
+    <p:sldId id="272" r:id="rId14"/>
+    <p:sldId id="269" r:id="rId15"/>
+    <p:sldId id="273" r:id="rId16"/>
+    <p:sldId id="271" r:id="rId17"/>
+    <p:sldId id="274" r:id="rId18"/>
+    <p:sldId id="275" r:id="rId19"/>
+    <p:sldId id="276" r:id="rId20"/>
+    <p:sldId id="277" r:id="rId21"/>
+    <p:sldId id="278" r:id="rId22"/>
+    <p:sldId id="266" r:id="rId23"/>
   </p:sldIdLst>
   <p:sldSz cx="12192000" cy="6858000"/>
   <p:notesSz cx="6858000" cy="9144000"/>
@@ -117,7 +127,18 @@
   </p:defaultTextStyle>
   <p:extLst>
     <p:ext uri="{EFAFB233-063F-42B5-8137-9DF3F51BA10A}">
-      <p15:sldGuideLst xmlns:p15="http://schemas.microsoft.com/office/powerpoint/2012/main" xmlns=""/>
+      <p15:sldGuideLst xmlns:p15="http://schemas.microsoft.com/office/powerpoint/2012/main">
+        <p15:guide id="1" orient="horz" pos="2160">
+          <p15:clr>
+            <a:srgbClr val="A4A3A4"/>
+          </p15:clr>
+        </p15:guide>
+        <p15:guide id="2" pos="3840">
+          <p15:clr>
+            <a:srgbClr val="A4A3A4"/>
+          </p15:clr>
+        </p15:guide>
+      </p15:sldGuideLst>
     </p:ext>
   </p:extLst>
 </p:presentation>
@@ -211,10 +232,9 @@
           </a:lstStyle>
           <a:p>
             <a:r>
-              <a:rPr kumimoji="0" lang="en-US" smtClean="0"/>
+              <a:rPr kumimoji="0" lang="en-US"/>
               <a:t>Click to edit Master title style</a:t>
             </a:r>
-            <a:endParaRPr kumimoji="0" lang="en-US"/>
           </a:p>
         </p:txBody>
       </p:sp>
@@ -272,10 +292,9 @@
           </a:lstStyle>
           <a:p>
             <a:r>
-              <a:rPr kumimoji="0" lang="en-US" smtClean="0"/>
+              <a:rPr kumimoji="0" lang="en-US"/>
               <a:t>Click to edit Master subtitle style</a:t>
             </a:r>
-            <a:endParaRPr kumimoji="0" lang="en-US"/>
           </a:p>
         </p:txBody>
       </p:sp>
@@ -297,7 +316,7 @@
             <a:fld id="{1C6E12D2-DA3A-480B-BCDF-BFB6C7EBE402}" type="datetimeFigureOut">
               <a:rPr lang="en-US" smtClean="0"/>
               <a:pPr/>
-              <a:t>1/26/2021</a:t>
+              <a:t>2/18/2021</a:t>
             </a:fld>
             <a:endParaRPr lang="en-US"/>
           </a:p>
@@ -387,10 +406,9 @@
           <a:lstStyle/>
           <a:p>
             <a:r>
-              <a:rPr kumimoji="0" lang="en-US" smtClean="0"/>
+              <a:rPr kumimoji="0" lang="en-US"/>
               <a:t>Click to edit Master title style</a:t>
             </a:r>
-            <a:endParaRPr kumimoji="0" lang="en-US"/>
           </a:p>
         </p:txBody>
       </p:sp>
@@ -411,35 +429,35 @@
           <a:p>
             <a:pPr lvl="0" eaLnBrk="1" latinLnBrk="0" hangingPunct="1"/>
             <a:r>
-              <a:rPr lang="en-US" smtClean="0"/>
+              <a:rPr lang="en-US"/>
               <a:t>Click to edit Master text styles</a:t>
             </a:r>
           </a:p>
           <a:p>
             <a:pPr lvl="1" eaLnBrk="1" latinLnBrk="0" hangingPunct="1"/>
             <a:r>
-              <a:rPr lang="en-US" smtClean="0"/>
+              <a:rPr lang="en-US"/>
               <a:t>Second level</a:t>
             </a:r>
           </a:p>
           <a:p>
             <a:pPr lvl="2" eaLnBrk="1" latinLnBrk="0" hangingPunct="1"/>
             <a:r>
-              <a:rPr lang="en-US" smtClean="0"/>
+              <a:rPr lang="en-US"/>
               <a:t>Third level</a:t>
             </a:r>
           </a:p>
           <a:p>
             <a:pPr lvl="3" eaLnBrk="1" latinLnBrk="0" hangingPunct="1"/>
             <a:r>
-              <a:rPr lang="en-US" smtClean="0"/>
+              <a:rPr lang="en-US"/>
               <a:t>Fourth level</a:t>
             </a:r>
           </a:p>
           <a:p>
             <a:pPr lvl="4" eaLnBrk="1" latinLnBrk="0" hangingPunct="1"/>
             <a:r>
-              <a:rPr lang="en-US" smtClean="0"/>
+              <a:rPr lang="en-US"/>
               <a:t>Fifth level</a:t>
             </a:r>
             <a:endParaRPr kumimoji="0" lang="en-US"/>
@@ -464,7 +482,7 @@
             <a:fld id="{1C6E12D2-DA3A-480B-BCDF-BFB6C7EBE402}" type="datetimeFigureOut">
               <a:rPr lang="en-US" smtClean="0"/>
               <a:pPr/>
-              <a:t>1/26/2021</a:t>
+              <a:t>2/18/2021</a:t>
             </a:fld>
             <a:endParaRPr lang="en-US"/>
           </a:p>
@@ -559,10 +577,9 @@
           <a:lstStyle/>
           <a:p>
             <a:r>
-              <a:rPr kumimoji="0" lang="en-US" smtClean="0"/>
+              <a:rPr kumimoji="0" lang="en-US"/>
               <a:t>Click to edit Master title style</a:t>
             </a:r>
-            <a:endParaRPr kumimoji="0" lang="en-US"/>
           </a:p>
         </p:txBody>
       </p:sp>
@@ -588,35 +605,35 @@
           <a:p>
             <a:pPr lvl="0" eaLnBrk="1" latinLnBrk="0" hangingPunct="1"/>
             <a:r>
-              <a:rPr lang="en-US" smtClean="0"/>
+              <a:rPr lang="en-US"/>
               <a:t>Click to edit Master text styles</a:t>
             </a:r>
           </a:p>
           <a:p>
             <a:pPr lvl="1" eaLnBrk="1" latinLnBrk="0" hangingPunct="1"/>
             <a:r>
-              <a:rPr lang="en-US" smtClean="0"/>
+              <a:rPr lang="en-US"/>
               <a:t>Second level</a:t>
             </a:r>
           </a:p>
           <a:p>
             <a:pPr lvl="2" eaLnBrk="1" latinLnBrk="0" hangingPunct="1"/>
             <a:r>
-              <a:rPr lang="en-US" smtClean="0"/>
+              <a:rPr lang="en-US"/>
               <a:t>Third level</a:t>
             </a:r>
           </a:p>
           <a:p>
             <a:pPr lvl="3" eaLnBrk="1" latinLnBrk="0" hangingPunct="1"/>
             <a:r>
-              <a:rPr lang="en-US" smtClean="0"/>
+              <a:rPr lang="en-US"/>
               <a:t>Fourth level</a:t>
             </a:r>
           </a:p>
           <a:p>
             <a:pPr lvl="4" eaLnBrk="1" latinLnBrk="0" hangingPunct="1"/>
             <a:r>
-              <a:rPr lang="en-US" smtClean="0"/>
+              <a:rPr lang="en-US"/>
               <a:t>Fifth level</a:t>
             </a:r>
             <a:endParaRPr kumimoji="0" lang="en-US"/>
@@ -641,7 +658,7 @@
             <a:fld id="{1C6E12D2-DA3A-480B-BCDF-BFB6C7EBE402}" type="datetimeFigureOut">
               <a:rPr lang="en-US" smtClean="0"/>
               <a:pPr/>
-              <a:t>1/26/2021</a:t>
+              <a:t>2/18/2021</a:t>
             </a:fld>
             <a:endParaRPr lang="en-US"/>
           </a:p>
@@ -731,10 +748,9 @@
           <a:lstStyle/>
           <a:p>
             <a:r>
-              <a:rPr kumimoji="0" lang="en-US" smtClean="0"/>
+              <a:rPr kumimoji="0" lang="en-US"/>
               <a:t>Click to edit Master title style</a:t>
             </a:r>
-            <a:endParaRPr kumimoji="0" lang="en-US"/>
           </a:p>
         </p:txBody>
       </p:sp>
@@ -755,35 +771,35 @@
           <a:p>
             <a:pPr lvl="0" eaLnBrk="1" latinLnBrk="0" hangingPunct="1"/>
             <a:r>
-              <a:rPr lang="en-US" smtClean="0"/>
+              <a:rPr lang="en-US"/>
               <a:t>Click to edit Master text styles</a:t>
             </a:r>
           </a:p>
           <a:p>
             <a:pPr lvl="1" eaLnBrk="1" latinLnBrk="0" hangingPunct="1"/>
             <a:r>
-              <a:rPr lang="en-US" smtClean="0"/>
+              <a:rPr lang="en-US"/>
               <a:t>Second level</a:t>
             </a:r>
           </a:p>
           <a:p>
             <a:pPr lvl="2" eaLnBrk="1" latinLnBrk="0" hangingPunct="1"/>
             <a:r>
-              <a:rPr lang="en-US" smtClean="0"/>
+              <a:rPr lang="en-US"/>
               <a:t>Third level</a:t>
             </a:r>
           </a:p>
           <a:p>
             <a:pPr lvl="3" eaLnBrk="1" latinLnBrk="0" hangingPunct="1"/>
             <a:r>
-              <a:rPr lang="en-US" smtClean="0"/>
+              <a:rPr lang="en-US"/>
               <a:t>Fourth level</a:t>
             </a:r>
           </a:p>
           <a:p>
             <a:pPr lvl="4" eaLnBrk="1" latinLnBrk="0" hangingPunct="1"/>
             <a:r>
-              <a:rPr lang="en-US" smtClean="0"/>
+              <a:rPr lang="en-US"/>
               <a:t>Fifth level</a:t>
             </a:r>
             <a:endParaRPr kumimoji="0" lang="en-US"/>
@@ -808,7 +824,7 @@
             <a:fld id="{1C6E12D2-DA3A-480B-BCDF-BFB6C7EBE402}" type="datetimeFigureOut">
               <a:rPr lang="en-US" smtClean="0"/>
               <a:pPr/>
-              <a:t>1/26/2021</a:t>
+              <a:t>2/18/2021</a:t>
             </a:fld>
             <a:endParaRPr lang="en-US"/>
           </a:p>
@@ -950,10 +966,9 @@
           </a:lstStyle>
           <a:p>
             <a:r>
-              <a:rPr kumimoji="0" lang="en-US" smtClean="0"/>
+              <a:rPr kumimoji="0" lang="en-US"/>
               <a:t>Click to edit Master title style</a:t>
             </a:r>
-            <a:endParaRPr kumimoji="0" lang="en-US"/>
           </a:p>
         </p:txBody>
       </p:sp>
@@ -1028,7 +1043,7 @@
           <a:p>
             <a:pPr lvl="0" eaLnBrk="1" latinLnBrk="0" hangingPunct="1"/>
             <a:r>
-              <a:rPr kumimoji="0" lang="en-US" smtClean="0"/>
+              <a:rPr kumimoji="0" lang="en-US"/>
               <a:t>Click to edit Master text styles</a:t>
             </a:r>
           </a:p>
@@ -1052,7 +1067,7 @@
             <a:fld id="{1C6E12D2-DA3A-480B-BCDF-BFB6C7EBE402}" type="datetimeFigureOut">
               <a:rPr lang="en-US" smtClean="0"/>
               <a:pPr/>
-              <a:t>1/26/2021</a:t>
+              <a:t>2/18/2021</a:t>
             </a:fld>
             <a:endParaRPr lang="en-US"/>
           </a:p>
@@ -1147,10 +1162,9 @@
           <a:lstStyle/>
           <a:p>
             <a:r>
-              <a:rPr kumimoji="0" lang="en-US" smtClean="0"/>
+              <a:rPr kumimoji="0" lang="en-US"/>
               <a:t>Click to edit Master title style</a:t>
             </a:r>
-            <a:endParaRPr kumimoji="0" lang="en-US"/>
           </a:p>
         </p:txBody>
       </p:sp>
@@ -1192,35 +1206,35 @@
           <a:p>
             <a:pPr lvl="0" eaLnBrk="1" latinLnBrk="0" hangingPunct="1"/>
             <a:r>
-              <a:rPr lang="en-US" smtClean="0"/>
+              <a:rPr lang="en-US"/>
               <a:t>Click to edit Master text styles</a:t>
             </a:r>
           </a:p>
           <a:p>
             <a:pPr lvl="1" eaLnBrk="1" latinLnBrk="0" hangingPunct="1"/>
             <a:r>
-              <a:rPr lang="en-US" smtClean="0"/>
+              <a:rPr lang="en-US"/>
               <a:t>Second level</a:t>
             </a:r>
           </a:p>
           <a:p>
             <a:pPr lvl="2" eaLnBrk="1" latinLnBrk="0" hangingPunct="1"/>
             <a:r>
-              <a:rPr lang="en-US" smtClean="0"/>
+              <a:rPr lang="en-US"/>
               <a:t>Third level</a:t>
             </a:r>
           </a:p>
           <a:p>
             <a:pPr lvl="3" eaLnBrk="1" latinLnBrk="0" hangingPunct="1"/>
             <a:r>
-              <a:rPr lang="en-US" smtClean="0"/>
+              <a:rPr lang="en-US"/>
               <a:t>Fourth level</a:t>
             </a:r>
           </a:p>
           <a:p>
             <a:pPr lvl="4" eaLnBrk="1" latinLnBrk="0" hangingPunct="1"/>
             <a:r>
-              <a:rPr lang="en-US" smtClean="0"/>
+              <a:rPr lang="en-US"/>
               <a:t>Fifth level</a:t>
             </a:r>
             <a:endParaRPr kumimoji="0" lang="en-US"/>
@@ -1265,35 +1279,35 @@
           <a:p>
             <a:pPr lvl="0" eaLnBrk="1" latinLnBrk="0" hangingPunct="1"/>
             <a:r>
-              <a:rPr lang="en-US" smtClean="0"/>
+              <a:rPr lang="en-US"/>
               <a:t>Click to edit Master text styles</a:t>
             </a:r>
           </a:p>
           <a:p>
             <a:pPr lvl="1" eaLnBrk="1" latinLnBrk="0" hangingPunct="1"/>
             <a:r>
-              <a:rPr lang="en-US" smtClean="0"/>
+              <a:rPr lang="en-US"/>
               <a:t>Second level</a:t>
             </a:r>
           </a:p>
           <a:p>
             <a:pPr lvl="2" eaLnBrk="1" latinLnBrk="0" hangingPunct="1"/>
             <a:r>
-              <a:rPr lang="en-US" smtClean="0"/>
+              <a:rPr lang="en-US"/>
               <a:t>Third level</a:t>
             </a:r>
           </a:p>
           <a:p>
             <a:pPr lvl="3" eaLnBrk="1" latinLnBrk="0" hangingPunct="1"/>
             <a:r>
-              <a:rPr lang="en-US" smtClean="0"/>
+              <a:rPr lang="en-US"/>
               <a:t>Fourth level</a:t>
             </a:r>
           </a:p>
           <a:p>
             <a:pPr lvl="4" eaLnBrk="1" latinLnBrk="0" hangingPunct="1"/>
             <a:r>
-              <a:rPr lang="en-US" smtClean="0"/>
+              <a:rPr lang="en-US"/>
               <a:t>Fifth level</a:t>
             </a:r>
             <a:endParaRPr kumimoji="0" lang="en-US"/>
@@ -1318,7 +1332,7 @@
             <a:fld id="{1C6E12D2-DA3A-480B-BCDF-BFB6C7EBE402}" type="datetimeFigureOut">
               <a:rPr lang="en-US" smtClean="0"/>
               <a:pPr/>
-              <a:t>1/26/2021</a:t>
+              <a:t>2/18/2021</a:t>
             </a:fld>
             <a:endParaRPr lang="en-US"/>
           </a:p>
@@ -1417,10 +1431,9 @@
           </a:lstStyle>
           <a:p>
             <a:r>
-              <a:rPr kumimoji="0" lang="en-US" smtClean="0"/>
+              <a:rPr kumimoji="0" lang="en-US"/>
               <a:t>Click to edit Master title style</a:t>
             </a:r>
-            <a:endParaRPr kumimoji="0" lang="en-US"/>
           </a:p>
         </p:txBody>
       </p:sp>
@@ -1474,7 +1487,7 @@
           <a:p>
             <a:pPr lvl="0" eaLnBrk="1" latinLnBrk="0" hangingPunct="1"/>
             <a:r>
-              <a:rPr kumimoji="0" lang="en-US" smtClean="0"/>
+              <a:rPr kumimoji="0" lang="en-US"/>
               <a:t>Click to edit Master text styles</a:t>
             </a:r>
           </a:p>
@@ -1528,7 +1541,7 @@
           <a:p>
             <a:pPr lvl="0" eaLnBrk="1" latinLnBrk="0" hangingPunct="1"/>
             <a:r>
-              <a:rPr kumimoji="0" lang="en-US" smtClean="0"/>
+              <a:rPr kumimoji="0" lang="en-US"/>
               <a:t>Click to edit Master text styles</a:t>
             </a:r>
           </a:p>
@@ -1572,35 +1585,35 @@
           <a:p>
             <a:pPr lvl="0" eaLnBrk="1" latinLnBrk="0" hangingPunct="1"/>
             <a:r>
-              <a:rPr lang="en-US" smtClean="0"/>
+              <a:rPr lang="en-US"/>
               <a:t>Click to edit Master text styles</a:t>
             </a:r>
           </a:p>
           <a:p>
             <a:pPr lvl="1" eaLnBrk="1" latinLnBrk="0" hangingPunct="1"/>
             <a:r>
-              <a:rPr lang="en-US" smtClean="0"/>
+              <a:rPr lang="en-US"/>
               <a:t>Second level</a:t>
             </a:r>
           </a:p>
           <a:p>
             <a:pPr lvl="2" eaLnBrk="1" latinLnBrk="0" hangingPunct="1"/>
             <a:r>
-              <a:rPr lang="en-US" smtClean="0"/>
+              <a:rPr lang="en-US"/>
               <a:t>Third level</a:t>
             </a:r>
           </a:p>
           <a:p>
             <a:pPr lvl="3" eaLnBrk="1" latinLnBrk="0" hangingPunct="1"/>
             <a:r>
-              <a:rPr lang="en-US" smtClean="0"/>
+              <a:rPr lang="en-US"/>
               <a:t>Fourth level</a:t>
             </a:r>
           </a:p>
           <a:p>
             <a:pPr lvl="4" eaLnBrk="1" latinLnBrk="0" hangingPunct="1"/>
             <a:r>
-              <a:rPr lang="en-US" smtClean="0"/>
+              <a:rPr lang="en-US"/>
               <a:t>Fifth level</a:t>
             </a:r>
             <a:endParaRPr kumimoji="0" lang="en-US"/>
@@ -1645,35 +1658,35 @@
           <a:p>
             <a:pPr lvl="0" eaLnBrk="1" latinLnBrk="0" hangingPunct="1"/>
             <a:r>
-              <a:rPr lang="en-US" smtClean="0"/>
+              <a:rPr lang="en-US"/>
               <a:t>Click to edit Master text styles</a:t>
             </a:r>
           </a:p>
           <a:p>
             <a:pPr lvl="1" eaLnBrk="1" latinLnBrk="0" hangingPunct="1"/>
             <a:r>
-              <a:rPr lang="en-US" smtClean="0"/>
+              <a:rPr lang="en-US"/>
               <a:t>Second level</a:t>
             </a:r>
           </a:p>
           <a:p>
             <a:pPr lvl="2" eaLnBrk="1" latinLnBrk="0" hangingPunct="1"/>
             <a:r>
-              <a:rPr lang="en-US" smtClean="0"/>
+              <a:rPr lang="en-US"/>
               <a:t>Third level</a:t>
             </a:r>
           </a:p>
           <a:p>
             <a:pPr lvl="3" eaLnBrk="1" latinLnBrk="0" hangingPunct="1"/>
             <a:r>
-              <a:rPr lang="en-US" smtClean="0"/>
+              <a:rPr lang="en-US"/>
               <a:t>Fourth level</a:t>
             </a:r>
           </a:p>
           <a:p>
             <a:pPr lvl="4" eaLnBrk="1" latinLnBrk="0" hangingPunct="1"/>
             <a:r>
-              <a:rPr lang="en-US" smtClean="0"/>
+              <a:rPr lang="en-US"/>
               <a:t>Fifth level</a:t>
             </a:r>
             <a:endParaRPr kumimoji="0" lang="en-US"/>
@@ -1698,7 +1711,7 @@
             <a:fld id="{1C6E12D2-DA3A-480B-BCDF-BFB6C7EBE402}" type="datetimeFigureOut">
               <a:rPr lang="en-US" smtClean="0"/>
               <a:pPr/>
-              <a:t>1/26/2021</a:t>
+              <a:t>2/18/2021</a:t>
             </a:fld>
             <a:endParaRPr lang="en-US"/>
           </a:p>
@@ -1825,10 +1838,9 @@
           </a:lstStyle>
           <a:p>
             <a:r>
-              <a:rPr kumimoji="0" lang="en-US" smtClean="0"/>
+              <a:rPr kumimoji="0" lang="en-US"/>
               <a:t>Click to edit Master title style</a:t>
             </a:r>
-            <a:endParaRPr kumimoji="0" lang="en-US"/>
           </a:p>
         </p:txBody>
       </p:sp>
@@ -1850,7 +1862,7 @@
             <a:fld id="{1C6E12D2-DA3A-480B-BCDF-BFB6C7EBE402}" type="datetimeFigureOut">
               <a:rPr lang="en-US" smtClean="0"/>
               <a:pPr/>
-              <a:t>1/26/2021</a:t>
+              <a:t>2/18/2021</a:t>
             </a:fld>
             <a:endParaRPr lang="en-US"/>
           </a:p>
@@ -1942,7 +1954,7 @@
             <a:fld id="{1C6E12D2-DA3A-480B-BCDF-BFB6C7EBE402}" type="datetimeFigureOut">
               <a:rPr lang="en-US" smtClean="0"/>
               <a:pPr/>
-              <a:t>1/26/2021</a:t>
+              <a:t>2/18/2021</a:t>
             </a:fld>
             <a:endParaRPr lang="en-US"/>
           </a:p>
@@ -2058,10 +2070,9 @@
           </a:lstStyle>
           <a:p>
             <a:r>
-              <a:rPr kumimoji="0" lang="en-US" smtClean="0"/>
+              <a:rPr kumimoji="0" lang="en-US"/>
               <a:t>Click to edit Master title style</a:t>
             </a:r>
-            <a:endParaRPr kumimoji="0" lang="en-US"/>
           </a:p>
         </p:txBody>
       </p:sp>
@@ -2108,7 +2119,7 @@
           <a:p>
             <a:pPr lvl="0" eaLnBrk="1" latinLnBrk="0" hangingPunct="1"/>
             <a:r>
-              <a:rPr kumimoji="0" lang="en-US" smtClean="0"/>
+              <a:rPr kumimoji="0" lang="en-US"/>
               <a:t>Click to edit Master text styles</a:t>
             </a:r>
           </a:p>
@@ -2152,35 +2163,35 @@
           <a:p>
             <a:pPr lvl="0" eaLnBrk="1" latinLnBrk="0" hangingPunct="1"/>
             <a:r>
-              <a:rPr lang="en-US" smtClean="0"/>
+              <a:rPr lang="en-US"/>
               <a:t>Click to edit Master text styles</a:t>
             </a:r>
           </a:p>
           <a:p>
             <a:pPr lvl="1" eaLnBrk="1" latinLnBrk="0" hangingPunct="1"/>
             <a:r>
-              <a:rPr lang="en-US" smtClean="0"/>
+              <a:rPr lang="en-US"/>
               <a:t>Second level</a:t>
             </a:r>
           </a:p>
           <a:p>
             <a:pPr lvl="2" eaLnBrk="1" latinLnBrk="0" hangingPunct="1"/>
             <a:r>
-              <a:rPr lang="en-US" smtClean="0"/>
+              <a:rPr lang="en-US"/>
               <a:t>Third level</a:t>
             </a:r>
           </a:p>
           <a:p>
             <a:pPr lvl="3" eaLnBrk="1" latinLnBrk="0" hangingPunct="1"/>
             <a:r>
-              <a:rPr lang="en-US" smtClean="0"/>
+              <a:rPr lang="en-US"/>
               <a:t>Fourth level</a:t>
             </a:r>
           </a:p>
           <a:p>
             <a:pPr lvl="4" eaLnBrk="1" latinLnBrk="0" hangingPunct="1"/>
             <a:r>
-              <a:rPr lang="en-US" smtClean="0"/>
+              <a:rPr lang="en-US"/>
               <a:t>Fifth level</a:t>
             </a:r>
             <a:endParaRPr kumimoji="0" lang="en-US"/>
@@ -2205,7 +2216,7 @@
             <a:fld id="{1C6E12D2-DA3A-480B-BCDF-BFB6C7EBE402}" type="datetimeFigureOut">
               <a:rPr lang="en-US" smtClean="0"/>
               <a:pPr/>
-              <a:t>1/26/2021</a:t>
+              <a:t>2/18/2021</a:t>
             </a:fld>
             <a:endParaRPr lang="en-US"/>
           </a:p>
@@ -2421,10 +2432,9 @@
           </a:lstStyle>
           <a:p>
             <a:r>
-              <a:rPr kumimoji="0" lang="en-US" smtClean="0"/>
+              <a:rPr kumimoji="0" lang="en-US"/>
               <a:t>Click to edit Master title style</a:t>
             </a:r>
-            <a:endParaRPr kumimoji="0" lang="en-US"/>
           </a:p>
         </p:txBody>
       </p:sp>
@@ -2471,7 +2481,7 @@
           <a:p>
             <a:pPr lvl="0" eaLnBrk="1" latinLnBrk="0" hangingPunct="1"/>
             <a:r>
-              <a:rPr kumimoji="0" lang="en-US" smtClean="0"/>
+              <a:rPr kumimoji="0" lang="en-US"/>
               <a:t>Click to edit Master text styles</a:t>
             </a:r>
           </a:p>
@@ -2495,7 +2505,7 @@
             <a:fld id="{1C6E12D2-DA3A-480B-BCDF-BFB6C7EBE402}" type="datetimeFigureOut">
               <a:rPr lang="en-US" smtClean="0"/>
               <a:pPr/>
-              <a:t>1/26/2021</a:t>
+              <a:t>2/18/2021</a:t>
             </a:fld>
             <a:endParaRPr lang="en-US"/>
           </a:p>
@@ -2588,7 +2598,7 @@
           </a:lstStyle>
           <a:p>
             <a:r>
-              <a:rPr kumimoji="0" lang="en-US" smtClean="0"/>
+              <a:rPr kumimoji="0" lang="en-US"/>
               <a:t>Click icon to add picture</a:t>
             </a:r>
             <a:endParaRPr kumimoji="0" lang="en-US" dirty="0"/>
@@ -3163,10 +3173,9 @@
           <a:lstStyle/>
           <a:p>
             <a:r>
-              <a:rPr kumimoji="0" lang="en-US" smtClean="0"/>
+              <a:rPr kumimoji="0" lang="en-US"/>
               <a:t>Click to edit Master title style</a:t>
             </a:r>
-            <a:endParaRPr kumimoji="0" lang="en-US"/>
           </a:p>
         </p:txBody>
       </p:sp>
@@ -3197,38 +3206,37 @@
           <a:p>
             <a:pPr lvl="0" eaLnBrk="1" latinLnBrk="0" hangingPunct="1"/>
             <a:r>
-              <a:rPr kumimoji="0" lang="en-US" smtClean="0"/>
+              <a:rPr kumimoji="0" lang="en-US"/>
               <a:t>Click to edit Master text styles</a:t>
             </a:r>
           </a:p>
           <a:p>
             <a:pPr lvl="1" eaLnBrk="1" latinLnBrk="0" hangingPunct="1"/>
             <a:r>
-              <a:rPr kumimoji="0" lang="en-US" smtClean="0"/>
+              <a:rPr kumimoji="0" lang="en-US"/>
               <a:t>Second level</a:t>
             </a:r>
           </a:p>
           <a:p>
             <a:pPr lvl="2" eaLnBrk="1" latinLnBrk="0" hangingPunct="1"/>
             <a:r>
-              <a:rPr kumimoji="0" lang="en-US" smtClean="0"/>
+              <a:rPr kumimoji="0" lang="en-US"/>
               <a:t>Third level</a:t>
             </a:r>
           </a:p>
           <a:p>
             <a:pPr lvl="3" eaLnBrk="1" latinLnBrk="0" hangingPunct="1"/>
             <a:r>
-              <a:rPr kumimoji="0" lang="en-US" smtClean="0"/>
+              <a:rPr kumimoji="0" lang="en-US"/>
               <a:t>Fourth level</a:t>
             </a:r>
           </a:p>
           <a:p>
             <a:pPr lvl="4" eaLnBrk="1" latinLnBrk="0" hangingPunct="1"/>
             <a:r>
-              <a:rPr kumimoji="0" lang="en-US" smtClean="0"/>
+              <a:rPr kumimoji="0" lang="en-US"/>
               <a:t>Fifth level</a:t>
             </a:r>
-            <a:endParaRPr kumimoji="0" lang="en-US"/>
           </a:p>
         </p:txBody>
       </p:sp>
@@ -3268,7 +3276,7 @@
             <a:fld id="{1C6E12D2-DA3A-480B-BCDF-BFB6C7EBE402}" type="datetimeFigureOut">
               <a:rPr lang="en-US" smtClean="0"/>
               <a:pPr/>
-              <a:t>1/26/2021</a:t>
+              <a:t>2/18/2021</a:t>
             </a:fld>
             <a:endParaRPr lang="en-US"/>
           </a:p>
@@ -3892,7 +3900,7 @@
           <p:cNvPr id="2" name="Title 1">
             <a:extLst>
               <a:ext uri="{FF2B5EF4-FFF2-40B4-BE49-F238E27FC236}">
-                <a16:creationId xmlns:a16="http://schemas.microsoft.com/office/drawing/2014/main" xmlns="" id="{5FE7D079-2B1B-40AF-AEBC-3D4705E15124}"/>
+                <a16:creationId xmlns:a16="http://schemas.microsoft.com/office/drawing/2014/main" id="{5FE7D079-2B1B-40AF-AEBC-3D4705E15124}"/>
               </a:ext>
             </a:extLst>
           </p:cNvPr>
@@ -3916,16 +3924,8 @@
           <a:lstStyle/>
           <a:p>
             <a:r>
-              <a:rPr lang="en-US" dirty="0" smtClean="0"/>
-              <a:t>EMPLOYEE </a:t>
-            </a:r>
-            <a:r>
-              <a:rPr lang="en-US" dirty="0" smtClean="0"/>
-              <a:t>MANAGEMENT </a:t>
-            </a:r>
-            <a:r>
               <a:rPr lang="en-US" dirty="0"/>
-              <a:t>SYSTEM</a:t>
+              <a:t>EMPLOYEE MANAGEMENT SYSTEM</a:t>
             </a:r>
           </a:p>
         </p:txBody>
@@ -3935,7 +3935,7 @@
           <p:cNvPr id="3" name="Subtitle 2">
             <a:extLst>
               <a:ext uri="{FF2B5EF4-FFF2-40B4-BE49-F238E27FC236}">
-                <a16:creationId xmlns:a16="http://schemas.microsoft.com/office/drawing/2014/main" xmlns="" id="{B9534E64-7AE3-404E-B86A-B8C0536DD8AE}"/>
+                <a16:creationId xmlns:a16="http://schemas.microsoft.com/office/drawing/2014/main" id="{B9534E64-7AE3-404E-B86A-B8C0536DD8AE}"/>
               </a:ext>
             </a:extLst>
           </p:cNvPr>
@@ -3963,7 +3963,7 @@
     </p:spTree>
     <p:extLst>
       <p:ext uri="{BB962C8B-B14F-4D97-AF65-F5344CB8AC3E}">
-        <p14:creationId xmlns:p14="http://schemas.microsoft.com/office/powerpoint/2010/main" xmlns="" val="1547292264"/>
+        <p14:creationId xmlns:p14="http://schemas.microsoft.com/office/powerpoint/2010/main" val="1547292264"/>
       </p:ext>
     </p:extLst>
   </p:cSld>
@@ -3995,7 +3995,7 @@
           <p:cNvPr id="2" name="Title 1">
             <a:extLst>
               <a:ext uri="{FF2B5EF4-FFF2-40B4-BE49-F238E27FC236}">
-                <a16:creationId xmlns:a16="http://schemas.microsoft.com/office/drawing/2014/main" xmlns="" id="{A810D388-6C07-4546-918A-2B5A67408456}"/>
+                <a16:creationId xmlns:a16="http://schemas.microsoft.com/office/drawing/2014/main" id="{A810D388-6C07-4546-918A-2B5A67408456}"/>
               </a:ext>
             </a:extLst>
           </p:cNvPr>
@@ -4023,7 +4023,7 @@
           <p:cNvPr id="3" name="Content Placeholder 2">
             <a:extLst>
               <a:ext uri="{FF2B5EF4-FFF2-40B4-BE49-F238E27FC236}">
-                <a16:creationId xmlns:a16="http://schemas.microsoft.com/office/drawing/2014/main" xmlns="" id="{4302C280-D2B7-46AA-9A87-E36DB7A0CB3D}"/>
+                <a16:creationId xmlns:a16="http://schemas.microsoft.com/office/drawing/2014/main" id="{4302C280-D2B7-46AA-9A87-E36DB7A0CB3D}"/>
               </a:ext>
             </a:extLst>
           </p:cNvPr>
@@ -4048,27 +4048,8 @@
                 <a:ea typeface="+mj-ea"/>
                 <a:cs typeface="+mj-cs"/>
               </a:rPr>
-              <a:t>Level </a:t>
-            </a:r>
-            <a:r>
-              <a:rPr lang="en-US" sz="3600" dirty="0" smtClean="0">
-                <a:solidFill>
-                  <a:schemeClr val="tx2"/>
-                </a:solidFill>
-                <a:latin typeface="+mj-lt"/>
-                <a:ea typeface="+mj-ea"/>
-                <a:cs typeface="+mj-cs"/>
-              </a:rPr>
-              <a:t>0:</a:t>
-            </a:r>
-            <a:endParaRPr lang="en-US" sz="3600" dirty="0">
-              <a:solidFill>
-                <a:schemeClr val="tx2"/>
-              </a:solidFill>
-              <a:latin typeface="+mj-lt"/>
-              <a:ea typeface="+mj-ea"/>
-              <a:cs typeface="+mj-cs"/>
-            </a:endParaRPr>
+              <a:t>Level 0:</a:t>
+            </a:r>
           </a:p>
           <a:p>
             <a:pPr marL="0" indent="0">
@@ -4093,7 +4074,13 @@
       </p:sp>
       <p:pic>
         <p:nvPicPr>
-          <p:cNvPr id="6" name="Picture 5"/>
+          <p:cNvPr id="5" name="Picture 4">
+            <a:extLst>
+              <a:ext uri="{FF2B5EF4-FFF2-40B4-BE49-F238E27FC236}">
+                <a16:creationId xmlns:a16="http://schemas.microsoft.com/office/drawing/2014/main" id="{17C38BF2-34ED-4DC8-8475-AF9EB3711AD2}"/>
+              </a:ext>
+            </a:extLst>
+          </p:cNvPr>
           <p:cNvPicPr/>
           <p:nvPr/>
         </p:nvPicPr>
@@ -4101,7 +4088,7 @@
           <a:blip r:embed="rId2">
             <a:extLst>
               <a:ext uri="{28A0092B-C50C-407E-A947-70E740481C1C}">
-                <a14:useLocalDpi xmlns="" xmlns:wpc="http://schemas.microsoft.com/office/word/2010/wordprocessingCanvas" xmlns:cx="http://schemas.microsoft.com/office/drawing/2014/chartex" xmlns:cx1="http://schemas.microsoft.com/office/drawing/2015/9/8/chartex" xmlns:cx2="http://schemas.microsoft.com/office/drawing/2015/10/21/chartex" xmlns:cx3="http://schemas.microsoft.com/office/drawing/2016/5/9/chartex" xmlns:cx4="http://schemas.microsoft.com/office/drawing/2016/5/10/chartex" xmlns:cx5="http://schemas.microsoft.com/office/drawing/2016/5/11/chartex" xmlns:cx6="http://schemas.microsoft.com/office/drawing/2016/5/12/chartex" xmlns:cx7="http://schemas.microsoft.com/office/drawing/2016/5/13/chartex" xmlns:cx8="http://schemas.microsoft.com/office/drawing/2016/5/14/chartex" xmlns:mc="http://schemas.openxmlformats.org/markup-compatibility/2006" xmlns:aink="http://schemas.microsoft.com/office/drawing/2016/ink" xmlns:am3d="http://schemas.microsoft.com/office/drawing/2017/model3d" xmlns:o="urn:schemas-microsoft-com:office:office" xmlns:m="http://schemas.openxmlformats.org/officeDocument/2006/math" xmlns:v="urn:schemas-microsoft-com:vml" xmlns:wp14="http://schemas.microsoft.com/office/word/2010/wordprocessingDrawing" xmlns:wp="http://schemas.openxmlformats.org/drawingml/2006/wordprocessingDrawing" xmlns:w10="urn:schemas-microsoft-com:office:word" xmlns:w="http://schemas.openxmlformats.org/wordprocessingml/2006/main" xmlns:w14="http://schemas.microsoft.com/office/word/2010/wordml" xmlns:w15="http://schemas.microsoft.com/office/word/2012/wordml" xmlns:w16cex="http://schemas.microsoft.com/office/word/2018/wordml/cex" xmlns:w16cid="http://schemas.microsoft.com/office/word/2016/wordml/cid" xmlns:w16="http://schemas.microsoft.com/office/word/2018/wordml" xmlns:w16se="http://schemas.microsoft.com/office/word/2015/wordml/symex" xmlns:wpg="http://schemas.microsoft.com/office/word/2010/wordprocessingGroup" xmlns:wpi="http://schemas.microsoft.com/office/word/2010/wordprocessingInk" xmlns:wne="http://schemas.microsoft.com/office/word/2006/wordml" xmlns:wps="http://schemas.microsoft.com/office/word/2010/wordprocessingShape" xmlns:a14="http://schemas.microsoft.com/office/drawing/2010/main" xmlns:pic="http://schemas.openxmlformats.org/drawingml/2006/picture" xmlns:lc="http://schemas.openxmlformats.org/drawingml/2006/lockedCanvas" val="0"/>
+                <a14:useLocalDpi xmlns:a14="http://schemas.microsoft.com/office/drawing/2010/main" val="0"/>
               </a:ext>
             </a:extLst>
           </a:blip>
@@ -4112,8 +4099,8 @@
         </p:blipFill>
         <p:spPr bwMode="auto">
           <a:xfrm>
-            <a:off x="2990850" y="3015615"/>
-            <a:ext cx="5381307" cy="1661160"/>
+            <a:off x="3819842" y="3015615"/>
+            <a:ext cx="4552315" cy="826770"/>
           </a:xfrm>
           <a:prstGeom prst="rect">
             <a:avLst/>
@@ -4127,7 +4114,7 @@
     </p:spTree>
     <p:extLst>
       <p:ext uri="{BB962C8B-B14F-4D97-AF65-F5344CB8AC3E}">
-        <p14:creationId xmlns:p14="http://schemas.microsoft.com/office/powerpoint/2010/main" xmlns="" val="359068958"/>
+        <p14:creationId xmlns:p14="http://schemas.microsoft.com/office/powerpoint/2010/main" val="359068958"/>
       </p:ext>
     </p:extLst>
   </p:cSld>
@@ -4159,7 +4146,7 @@
           <p:cNvPr id="2" name="Title 1">
             <a:extLst>
               <a:ext uri="{FF2B5EF4-FFF2-40B4-BE49-F238E27FC236}">
-                <a16:creationId xmlns:a16="http://schemas.microsoft.com/office/drawing/2014/main" xmlns="" id="{BDC1EEFF-B3ED-40E0-9C29-20B24F396040}"/>
+                <a16:creationId xmlns:a16="http://schemas.microsoft.com/office/drawing/2014/main" id="{BDC1EEFF-B3ED-40E0-9C29-20B24F396040}"/>
               </a:ext>
             </a:extLst>
           </p:cNvPr>
@@ -4204,7 +4191,13 @@
       </p:sp>
       <p:pic>
         <p:nvPicPr>
-          <p:cNvPr id="5" name="Picture 4"/>
+          <p:cNvPr id="6" name="Picture 5">
+            <a:extLst>
+              <a:ext uri="{FF2B5EF4-FFF2-40B4-BE49-F238E27FC236}">
+                <a16:creationId xmlns:a16="http://schemas.microsoft.com/office/drawing/2014/main" id="{74733B49-DA02-45FC-9D0E-0C11214BDAA2}"/>
+              </a:ext>
+            </a:extLst>
+          </p:cNvPr>
           <p:cNvPicPr/>
           <p:nvPr/>
         </p:nvPicPr>
@@ -4212,7 +4205,7 @@
           <a:blip r:embed="rId2">
             <a:extLst>
               <a:ext uri="{28A0092B-C50C-407E-A947-70E740481C1C}">
-                <a14:useLocalDpi xmlns="" xmlns:wpc="http://schemas.microsoft.com/office/word/2010/wordprocessingCanvas" xmlns:cx="http://schemas.microsoft.com/office/drawing/2014/chartex" xmlns:cx1="http://schemas.microsoft.com/office/drawing/2015/9/8/chartex" xmlns:cx2="http://schemas.microsoft.com/office/drawing/2015/10/21/chartex" xmlns:cx3="http://schemas.microsoft.com/office/drawing/2016/5/9/chartex" xmlns:cx4="http://schemas.microsoft.com/office/drawing/2016/5/10/chartex" xmlns:cx5="http://schemas.microsoft.com/office/drawing/2016/5/11/chartex" xmlns:cx6="http://schemas.microsoft.com/office/drawing/2016/5/12/chartex" xmlns:cx7="http://schemas.microsoft.com/office/drawing/2016/5/13/chartex" xmlns:cx8="http://schemas.microsoft.com/office/drawing/2016/5/14/chartex" xmlns:mc="http://schemas.openxmlformats.org/markup-compatibility/2006" xmlns:aink="http://schemas.microsoft.com/office/drawing/2016/ink" xmlns:am3d="http://schemas.microsoft.com/office/drawing/2017/model3d" xmlns:o="urn:schemas-microsoft-com:office:office" xmlns:m="http://schemas.openxmlformats.org/officeDocument/2006/math" xmlns:v="urn:schemas-microsoft-com:vml" xmlns:wp14="http://schemas.microsoft.com/office/word/2010/wordprocessingDrawing" xmlns:wp="http://schemas.openxmlformats.org/drawingml/2006/wordprocessingDrawing" xmlns:w10="urn:schemas-microsoft-com:office:word" xmlns:w="http://schemas.openxmlformats.org/wordprocessingml/2006/main" xmlns:w14="http://schemas.microsoft.com/office/word/2010/wordml" xmlns:w15="http://schemas.microsoft.com/office/word/2012/wordml" xmlns:w16cex="http://schemas.microsoft.com/office/word/2018/wordml/cex" xmlns:w16cid="http://schemas.microsoft.com/office/word/2016/wordml/cid" xmlns:w16="http://schemas.microsoft.com/office/word/2018/wordml" xmlns:w16se="http://schemas.microsoft.com/office/word/2015/wordml/symex" xmlns:wpg="http://schemas.microsoft.com/office/word/2010/wordprocessingGroup" xmlns:wpi="http://schemas.microsoft.com/office/word/2010/wordprocessingInk" xmlns:wne="http://schemas.microsoft.com/office/word/2006/wordml" xmlns:wps="http://schemas.microsoft.com/office/word/2010/wordprocessingShape" xmlns:a14="http://schemas.microsoft.com/office/drawing/2010/main" xmlns:pic="http://schemas.openxmlformats.org/drawingml/2006/picture" xmlns:lc="http://schemas.openxmlformats.org/drawingml/2006/lockedCanvas" val="0"/>
+                <a14:useLocalDpi xmlns:a14="http://schemas.microsoft.com/office/drawing/2010/main" val="0"/>
               </a:ext>
             </a:extLst>
           </a:blip>
@@ -4223,8 +4216,8 @@
         </p:blipFill>
         <p:spPr bwMode="auto">
           <a:xfrm>
-            <a:off x="2980372" y="2003107"/>
-            <a:ext cx="5583555" cy="4299585"/>
+            <a:off x="3304857" y="1281112"/>
+            <a:ext cx="5945160" cy="4536592"/>
           </a:xfrm>
           <a:prstGeom prst="rect">
             <a:avLst/>
@@ -4238,7 +4231,7 @@
     </p:spTree>
     <p:extLst>
       <p:ext uri="{BB962C8B-B14F-4D97-AF65-F5344CB8AC3E}">
-        <p14:creationId xmlns:p14="http://schemas.microsoft.com/office/powerpoint/2010/main" xmlns="" val="1535404839"/>
+        <p14:creationId xmlns:p14="http://schemas.microsoft.com/office/powerpoint/2010/main" val="1535404839"/>
       </p:ext>
     </p:extLst>
   </p:cSld>
@@ -4270,7 +4263,7 @@
           <p:cNvPr id="2" name="Title 1">
             <a:extLst>
               <a:ext uri="{FF2B5EF4-FFF2-40B4-BE49-F238E27FC236}">
-                <a16:creationId xmlns:a16="http://schemas.microsoft.com/office/drawing/2014/main" xmlns="" id="{3D27B6BD-6029-4719-B606-0057CD8A37CB}"/>
+                <a16:creationId xmlns:a16="http://schemas.microsoft.com/office/drawing/2014/main" id="{076A2C25-BB55-49DF-B712-B6EFCA86996D}"/>
               </a:ext>
             </a:extLst>
           </p:cNvPr>
@@ -4287,18 +4280,667 @@
           <a:lstStyle/>
           <a:p>
             <a:r>
-              <a:rPr lang="en-US" dirty="0"/>
-              <a:t>Thank You</a:t>
-            </a:r>
+              <a:rPr lang="en-US" sz="1800" b="1" dirty="0">
+                <a:effectLst/>
+                <a:latin typeface="Times New Roman" panose="02020603050405020304" pitchFamily="18" charset="0"/>
+                <a:ea typeface="Calibri" panose="020F0502020204030204" pitchFamily="34" charset="0"/>
+                <a:cs typeface="Times New Roman" panose="02020603050405020304" pitchFamily="18" charset="0"/>
+              </a:rPr>
+              <a:t>TABLE NAME: MANAGER</a:t>
+            </a:r>
+            <a:br>
+              <a:rPr lang="en-US" sz="1800" dirty="0">
+                <a:effectLst/>
+                <a:latin typeface="Calibri" panose="020F0502020204030204" pitchFamily="34" charset="0"/>
+                <a:ea typeface="Calibri" panose="020F0502020204030204" pitchFamily="34" charset="0"/>
+                <a:cs typeface="Times New Roman" panose="02020603050405020304" pitchFamily="18" charset="0"/>
+              </a:rPr>
+            </a:br>
+            <a:endParaRPr lang="en-US" dirty="0"/>
           </a:p>
         </p:txBody>
       </p:sp>
+      <p:graphicFrame>
+        <p:nvGraphicFramePr>
+          <p:cNvPr id="8" name="Content Placeholder 7">
+            <a:extLst>
+              <a:ext uri="{FF2B5EF4-FFF2-40B4-BE49-F238E27FC236}">
+                <a16:creationId xmlns:a16="http://schemas.microsoft.com/office/drawing/2014/main" id="{E10BC3F3-9133-48D6-9ADC-95202BB265BC}"/>
+              </a:ext>
+            </a:extLst>
+          </p:cNvPr>
+          <p:cNvGraphicFramePr>
+            <a:graphicFrameLocks noGrp="1"/>
+          </p:cNvGraphicFramePr>
+          <p:nvPr>
+            <p:ph idx="1"/>
+            <p:extLst>
+              <p:ext uri="{D42A27DB-BD31-4B8C-83A1-F6EECF244321}">
+                <p14:modId xmlns:p14="http://schemas.microsoft.com/office/powerpoint/2010/main" val="3502017115"/>
+              </p:ext>
+            </p:extLst>
+          </p:nvPr>
+        </p:nvGraphicFramePr>
+        <p:xfrm>
+          <a:off x="2226365" y="2438400"/>
+          <a:ext cx="6803334" cy="2185384"/>
+        </p:xfrm>
+        <a:graphic>
+          <a:graphicData uri="http://schemas.openxmlformats.org/drawingml/2006/table">
+            <a:tbl>
+              <a:tblPr firstRow="1" firstCol="1" bandRow="1">
+                <a:tableStyleId>{5C22544A-7EE6-4342-B048-85BDC9FD1C3A}</a:tableStyleId>
+              </a:tblPr>
+              <a:tblGrid>
+                <a:gridCol w="1700466">
+                  <a:extLst>
+                    <a:ext uri="{9D8B030D-6E8A-4147-A177-3AD203B41FA5}">
+                      <a16:colId xmlns:a16="http://schemas.microsoft.com/office/drawing/2014/main" val="2434640122"/>
+                    </a:ext>
+                  </a:extLst>
+                </a:gridCol>
+                <a:gridCol w="1700466">
+                  <a:extLst>
+                    <a:ext uri="{9D8B030D-6E8A-4147-A177-3AD203B41FA5}">
+                      <a16:colId xmlns:a16="http://schemas.microsoft.com/office/drawing/2014/main" val="1981477330"/>
+                    </a:ext>
+                  </a:extLst>
+                </a:gridCol>
+                <a:gridCol w="1701201">
+                  <a:extLst>
+                    <a:ext uri="{9D8B030D-6E8A-4147-A177-3AD203B41FA5}">
+                      <a16:colId xmlns:a16="http://schemas.microsoft.com/office/drawing/2014/main" val="2038869405"/>
+                    </a:ext>
+                  </a:extLst>
+                </a:gridCol>
+                <a:gridCol w="1701201">
+                  <a:extLst>
+                    <a:ext uri="{9D8B030D-6E8A-4147-A177-3AD203B41FA5}">
+                      <a16:colId xmlns:a16="http://schemas.microsoft.com/office/drawing/2014/main" val="1490714716"/>
+                    </a:ext>
+                  </a:extLst>
+                </a:gridCol>
+              </a:tblGrid>
+              <a:tr h="546346">
+                <a:tc>
+                  <a:txBody>
+                    <a:bodyPr/>
+                    <a:lstStyle/>
+                    <a:p>
+                      <a:pPr marL="0" marR="0">
+                        <a:lnSpc>
+                          <a:spcPct val="150000"/>
+                        </a:lnSpc>
+                        <a:spcBef>
+                          <a:spcPts val="0"/>
+                        </a:spcBef>
+                        <a:spcAft>
+                          <a:spcPts val="0"/>
+                        </a:spcAft>
+                      </a:pPr>
+                      <a:r>
+                        <a:rPr lang="en-US" sz="1200">
+                          <a:effectLst/>
+                        </a:rPr>
+                        <a:t>FIELD </a:t>
+                      </a:r>
+                      <a:endParaRPr lang="en-US" sz="1100">
+                        <a:effectLst/>
+                        <a:latin typeface="Calibri" panose="020F0502020204030204" pitchFamily="34" charset="0"/>
+                        <a:ea typeface="Calibri" panose="020F0502020204030204" pitchFamily="34" charset="0"/>
+                        <a:cs typeface="Times New Roman" panose="02020603050405020304" pitchFamily="18" charset="0"/>
+                      </a:endParaRPr>
+                    </a:p>
+                  </a:txBody>
+                  <a:tcPr marL="68580" marR="68580" marT="0" marB="0"/>
+                </a:tc>
+                <a:tc>
+                  <a:txBody>
+                    <a:bodyPr/>
+                    <a:lstStyle/>
+                    <a:p>
+                      <a:pPr marL="0" marR="0">
+                        <a:lnSpc>
+                          <a:spcPct val="150000"/>
+                        </a:lnSpc>
+                        <a:spcBef>
+                          <a:spcPts val="0"/>
+                        </a:spcBef>
+                        <a:spcAft>
+                          <a:spcPts val="0"/>
+                        </a:spcAft>
+                      </a:pPr>
+                      <a:r>
+                        <a:rPr lang="en-US" sz="1200">
+                          <a:effectLst/>
+                        </a:rPr>
+                        <a:t>DATA TYPE</a:t>
+                      </a:r>
+                      <a:endParaRPr lang="en-US" sz="1100">
+                        <a:effectLst/>
+                        <a:latin typeface="Calibri" panose="020F0502020204030204" pitchFamily="34" charset="0"/>
+                        <a:ea typeface="Calibri" panose="020F0502020204030204" pitchFamily="34" charset="0"/>
+                        <a:cs typeface="Times New Roman" panose="02020603050405020304" pitchFamily="18" charset="0"/>
+                      </a:endParaRPr>
+                    </a:p>
+                  </a:txBody>
+                  <a:tcPr marL="68580" marR="68580" marT="0" marB="0"/>
+                </a:tc>
+                <a:tc>
+                  <a:txBody>
+                    <a:bodyPr/>
+                    <a:lstStyle/>
+                    <a:p>
+                      <a:pPr marL="0" marR="0">
+                        <a:lnSpc>
+                          <a:spcPct val="150000"/>
+                        </a:lnSpc>
+                        <a:spcBef>
+                          <a:spcPts val="0"/>
+                        </a:spcBef>
+                        <a:spcAft>
+                          <a:spcPts val="0"/>
+                        </a:spcAft>
+                      </a:pPr>
+                      <a:r>
+                        <a:rPr lang="en-US" sz="1200">
+                          <a:effectLst/>
+                        </a:rPr>
+                        <a:t>SIZE</a:t>
+                      </a:r>
+                      <a:endParaRPr lang="en-US" sz="1100">
+                        <a:effectLst/>
+                        <a:latin typeface="Calibri" panose="020F0502020204030204" pitchFamily="34" charset="0"/>
+                        <a:ea typeface="Calibri" panose="020F0502020204030204" pitchFamily="34" charset="0"/>
+                        <a:cs typeface="Times New Roman" panose="02020603050405020304" pitchFamily="18" charset="0"/>
+                      </a:endParaRPr>
+                    </a:p>
+                  </a:txBody>
+                  <a:tcPr marL="68580" marR="68580" marT="0" marB="0"/>
+                </a:tc>
+                <a:tc>
+                  <a:txBody>
+                    <a:bodyPr/>
+                    <a:lstStyle/>
+                    <a:p>
+                      <a:pPr marL="0" marR="0">
+                        <a:lnSpc>
+                          <a:spcPct val="150000"/>
+                        </a:lnSpc>
+                        <a:spcBef>
+                          <a:spcPts val="0"/>
+                        </a:spcBef>
+                        <a:spcAft>
+                          <a:spcPts val="0"/>
+                        </a:spcAft>
+                      </a:pPr>
+                      <a:r>
+                        <a:rPr lang="en-US" sz="1200">
+                          <a:effectLst/>
+                        </a:rPr>
+                        <a:t>CONSTRAINT</a:t>
+                      </a:r>
+                      <a:endParaRPr lang="en-US" sz="1100">
+                        <a:effectLst/>
+                        <a:latin typeface="Calibri" panose="020F0502020204030204" pitchFamily="34" charset="0"/>
+                        <a:ea typeface="Calibri" panose="020F0502020204030204" pitchFamily="34" charset="0"/>
+                        <a:cs typeface="Times New Roman" panose="02020603050405020304" pitchFamily="18" charset="0"/>
+                      </a:endParaRPr>
+                    </a:p>
+                  </a:txBody>
+                  <a:tcPr marL="68580" marR="68580" marT="0" marB="0"/>
+                </a:tc>
+                <a:extLst>
+                  <a:ext uri="{0D108BD9-81ED-4DB2-BD59-A6C34878D82A}">
+                    <a16:rowId xmlns:a16="http://schemas.microsoft.com/office/drawing/2014/main" val="645441767"/>
+                  </a:ext>
+                </a:extLst>
+              </a:tr>
+              <a:tr h="546346">
+                <a:tc>
+                  <a:txBody>
+                    <a:bodyPr/>
+                    <a:lstStyle/>
+                    <a:p>
+                      <a:pPr marL="0" marR="0">
+                        <a:lnSpc>
+                          <a:spcPct val="150000"/>
+                        </a:lnSpc>
+                        <a:spcBef>
+                          <a:spcPts val="0"/>
+                        </a:spcBef>
+                        <a:spcAft>
+                          <a:spcPts val="0"/>
+                        </a:spcAft>
+                      </a:pPr>
+                      <a:r>
+                        <a:rPr lang="en-US" sz="1200">
+                          <a:effectLst/>
+                        </a:rPr>
+                        <a:t>Manager id</a:t>
+                      </a:r>
+                      <a:endParaRPr lang="en-US" sz="1100">
+                        <a:effectLst/>
+                        <a:latin typeface="Calibri" panose="020F0502020204030204" pitchFamily="34" charset="0"/>
+                        <a:ea typeface="Calibri" panose="020F0502020204030204" pitchFamily="34" charset="0"/>
+                        <a:cs typeface="Times New Roman" panose="02020603050405020304" pitchFamily="18" charset="0"/>
+                      </a:endParaRPr>
+                    </a:p>
+                  </a:txBody>
+                  <a:tcPr marL="68580" marR="68580" marT="0" marB="0"/>
+                </a:tc>
+                <a:tc>
+                  <a:txBody>
+                    <a:bodyPr/>
+                    <a:lstStyle/>
+                    <a:p>
+                      <a:pPr marL="0" marR="0">
+                        <a:lnSpc>
+                          <a:spcPct val="150000"/>
+                        </a:lnSpc>
+                        <a:spcBef>
+                          <a:spcPts val="0"/>
+                        </a:spcBef>
+                        <a:spcAft>
+                          <a:spcPts val="0"/>
+                        </a:spcAft>
+                      </a:pPr>
+                      <a:r>
+                        <a:rPr lang="en-US" sz="1200">
+                          <a:effectLst/>
+                        </a:rPr>
+                        <a:t>Int</a:t>
+                      </a:r>
+                      <a:endParaRPr lang="en-US" sz="1100">
+                        <a:effectLst/>
+                        <a:latin typeface="Calibri" panose="020F0502020204030204" pitchFamily="34" charset="0"/>
+                        <a:ea typeface="Calibri" panose="020F0502020204030204" pitchFamily="34" charset="0"/>
+                        <a:cs typeface="Times New Roman" panose="02020603050405020304" pitchFamily="18" charset="0"/>
+                      </a:endParaRPr>
+                    </a:p>
+                  </a:txBody>
+                  <a:tcPr marL="68580" marR="68580" marT="0" marB="0"/>
+                </a:tc>
+                <a:tc>
+                  <a:txBody>
+                    <a:bodyPr/>
+                    <a:lstStyle/>
+                    <a:p>
+                      <a:pPr marL="0" marR="0">
+                        <a:lnSpc>
+                          <a:spcPct val="150000"/>
+                        </a:lnSpc>
+                        <a:spcBef>
+                          <a:spcPts val="0"/>
+                        </a:spcBef>
+                        <a:spcAft>
+                          <a:spcPts val="0"/>
+                        </a:spcAft>
+                      </a:pPr>
+                      <a:r>
+                        <a:rPr lang="en-US" sz="1200">
+                          <a:effectLst/>
+                        </a:rPr>
+                        <a:t>10</a:t>
+                      </a:r>
+                      <a:endParaRPr lang="en-US" sz="1100">
+                        <a:effectLst/>
+                        <a:latin typeface="Calibri" panose="020F0502020204030204" pitchFamily="34" charset="0"/>
+                        <a:ea typeface="Calibri" panose="020F0502020204030204" pitchFamily="34" charset="0"/>
+                        <a:cs typeface="Times New Roman" panose="02020603050405020304" pitchFamily="18" charset="0"/>
+                      </a:endParaRPr>
+                    </a:p>
+                  </a:txBody>
+                  <a:tcPr marL="68580" marR="68580" marT="0" marB="0"/>
+                </a:tc>
+                <a:tc>
+                  <a:txBody>
+                    <a:bodyPr/>
+                    <a:lstStyle/>
+                    <a:p>
+                      <a:pPr marL="0" marR="0">
+                        <a:lnSpc>
+                          <a:spcPct val="150000"/>
+                        </a:lnSpc>
+                        <a:spcBef>
+                          <a:spcPts val="0"/>
+                        </a:spcBef>
+                        <a:spcAft>
+                          <a:spcPts val="0"/>
+                        </a:spcAft>
+                      </a:pPr>
+                      <a:r>
+                        <a:rPr lang="en-US" sz="1200">
+                          <a:effectLst/>
+                        </a:rPr>
+                        <a:t>Primary key</a:t>
+                      </a:r>
+                      <a:endParaRPr lang="en-US" sz="1100">
+                        <a:effectLst/>
+                        <a:latin typeface="Calibri" panose="020F0502020204030204" pitchFamily="34" charset="0"/>
+                        <a:ea typeface="Calibri" panose="020F0502020204030204" pitchFamily="34" charset="0"/>
+                        <a:cs typeface="Times New Roman" panose="02020603050405020304" pitchFamily="18" charset="0"/>
+                      </a:endParaRPr>
+                    </a:p>
+                  </a:txBody>
+                  <a:tcPr marL="68580" marR="68580" marT="0" marB="0"/>
+                </a:tc>
+                <a:extLst>
+                  <a:ext uri="{0D108BD9-81ED-4DB2-BD59-A6C34878D82A}">
+                    <a16:rowId xmlns:a16="http://schemas.microsoft.com/office/drawing/2014/main" val="2854552601"/>
+                  </a:ext>
+                </a:extLst>
+              </a:tr>
+              <a:tr h="546346">
+                <a:tc>
+                  <a:txBody>
+                    <a:bodyPr/>
+                    <a:lstStyle/>
+                    <a:p>
+                      <a:pPr marL="0" marR="0">
+                        <a:lnSpc>
+                          <a:spcPct val="150000"/>
+                        </a:lnSpc>
+                        <a:spcBef>
+                          <a:spcPts val="0"/>
+                        </a:spcBef>
+                        <a:spcAft>
+                          <a:spcPts val="0"/>
+                        </a:spcAft>
+                      </a:pPr>
+                      <a:r>
+                        <a:rPr lang="en-US" sz="1200">
+                          <a:effectLst/>
+                        </a:rPr>
+                        <a:t>Username</a:t>
+                      </a:r>
+                      <a:endParaRPr lang="en-US" sz="1100">
+                        <a:effectLst/>
+                        <a:latin typeface="Calibri" panose="020F0502020204030204" pitchFamily="34" charset="0"/>
+                        <a:ea typeface="Calibri" panose="020F0502020204030204" pitchFamily="34" charset="0"/>
+                        <a:cs typeface="Times New Roman" panose="02020603050405020304" pitchFamily="18" charset="0"/>
+                      </a:endParaRPr>
+                    </a:p>
+                  </a:txBody>
+                  <a:tcPr marL="68580" marR="68580" marT="0" marB="0"/>
+                </a:tc>
+                <a:tc>
+                  <a:txBody>
+                    <a:bodyPr/>
+                    <a:lstStyle/>
+                    <a:p>
+                      <a:pPr marL="0" marR="0">
+                        <a:lnSpc>
+                          <a:spcPct val="150000"/>
+                        </a:lnSpc>
+                        <a:spcBef>
+                          <a:spcPts val="0"/>
+                        </a:spcBef>
+                        <a:spcAft>
+                          <a:spcPts val="0"/>
+                        </a:spcAft>
+                      </a:pPr>
+                      <a:r>
+                        <a:rPr lang="en-US" sz="1200">
+                          <a:effectLst/>
+                        </a:rPr>
+                        <a:t>Varchar </a:t>
+                      </a:r>
+                      <a:endParaRPr lang="en-US" sz="1100">
+                        <a:effectLst/>
+                        <a:latin typeface="Calibri" panose="020F0502020204030204" pitchFamily="34" charset="0"/>
+                        <a:ea typeface="Calibri" panose="020F0502020204030204" pitchFamily="34" charset="0"/>
+                        <a:cs typeface="Times New Roman" panose="02020603050405020304" pitchFamily="18" charset="0"/>
+                      </a:endParaRPr>
+                    </a:p>
+                  </a:txBody>
+                  <a:tcPr marL="68580" marR="68580" marT="0" marB="0"/>
+                </a:tc>
+                <a:tc>
+                  <a:txBody>
+                    <a:bodyPr/>
+                    <a:lstStyle/>
+                    <a:p>
+                      <a:pPr marL="0" marR="0">
+                        <a:lnSpc>
+                          <a:spcPct val="150000"/>
+                        </a:lnSpc>
+                        <a:spcBef>
+                          <a:spcPts val="0"/>
+                        </a:spcBef>
+                        <a:spcAft>
+                          <a:spcPts val="0"/>
+                        </a:spcAft>
+                      </a:pPr>
+                      <a:r>
+                        <a:rPr lang="en-US" sz="1200">
+                          <a:effectLst/>
+                        </a:rPr>
+                        <a:t>20</a:t>
+                      </a:r>
+                      <a:endParaRPr lang="en-US" sz="1100">
+                        <a:effectLst/>
+                        <a:latin typeface="Calibri" panose="020F0502020204030204" pitchFamily="34" charset="0"/>
+                        <a:ea typeface="Calibri" panose="020F0502020204030204" pitchFamily="34" charset="0"/>
+                        <a:cs typeface="Times New Roman" panose="02020603050405020304" pitchFamily="18" charset="0"/>
+                      </a:endParaRPr>
+                    </a:p>
+                  </a:txBody>
+                  <a:tcPr marL="68580" marR="68580" marT="0" marB="0"/>
+                </a:tc>
+                <a:tc>
+                  <a:txBody>
+                    <a:bodyPr/>
+                    <a:lstStyle/>
+                    <a:p>
+                      <a:pPr marL="0" marR="0">
+                        <a:lnSpc>
+                          <a:spcPct val="150000"/>
+                        </a:lnSpc>
+                        <a:spcBef>
+                          <a:spcPts val="0"/>
+                        </a:spcBef>
+                        <a:spcAft>
+                          <a:spcPts val="0"/>
+                        </a:spcAft>
+                      </a:pPr>
+                      <a:r>
+                        <a:rPr lang="en-US" sz="1200">
+                          <a:effectLst/>
+                        </a:rPr>
+                        <a:t>Not null</a:t>
+                      </a:r>
+                      <a:endParaRPr lang="en-US" sz="1100">
+                        <a:effectLst/>
+                        <a:latin typeface="Calibri" panose="020F0502020204030204" pitchFamily="34" charset="0"/>
+                        <a:ea typeface="Calibri" panose="020F0502020204030204" pitchFamily="34" charset="0"/>
+                        <a:cs typeface="Times New Roman" panose="02020603050405020304" pitchFamily="18" charset="0"/>
+                      </a:endParaRPr>
+                    </a:p>
+                  </a:txBody>
+                  <a:tcPr marL="68580" marR="68580" marT="0" marB="0"/>
+                </a:tc>
+                <a:extLst>
+                  <a:ext uri="{0D108BD9-81ED-4DB2-BD59-A6C34878D82A}">
+                    <a16:rowId xmlns:a16="http://schemas.microsoft.com/office/drawing/2014/main" val="3643614912"/>
+                  </a:ext>
+                </a:extLst>
+              </a:tr>
+              <a:tr h="546346">
+                <a:tc>
+                  <a:txBody>
+                    <a:bodyPr/>
+                    <a:lstStyle/>
+                    <a:p>
+                      <a:pPr marL="0" marR="0">
+                        <a:lnSpc>
+                          <a:spcPct val="150000"/>
+                        </a:lnSpc>
+                        <a:spcBef>
+                          <a:spcPts val="0"/>
+                        </a:spcBef>
+                        <a:spcAft>
+                          <a:spcPts val="0"/>
+                        </a:spcAft>
+                      </a:pPr>
+                      <a:r>
+                        <a:rPr lang="en-US" sz="1200">
+                          <a:effectLst/>
+                        </a:rPr>
+                        <a:t>password</a:t>
+                      </a:r>
+                      <a:endParaRPr lang="en-US" sz="1100">
+                        <a:effectLst/>
+                        <a:latin typeface="Calibri" panose="020F0502020204030204" pitchFamily="34" charset="0"/>
+                        <a:ea typeface="Calibri" panose="020F0502020204030204" pitchFamily="34" charset="0"/>
+                        <a:cs typeface="Times New Roman" panose="02020603050405020304" pitchFamily="18" charset="0"/>
+                      </a:endParaRPr>
+                    </a:p>
+                  </a:txBody>
+                  <a:tcPr marL="68580" marR="68580" marT="0" marB="0"/>
+                </a:tc>
+                <a:tc>
+                  <a:txBody>
+                    <a:bodyPr/>
+                    <a:lstStyle/>
+                    <a:p>
+                      <a:pPr marL="0" marR="0">
+                        <a:lnSpc>
+                          <a:spcPct val="150000"/>
+                        </a:lnSpc>
+                        <a:spcBef>
+                          <a:spcPts val="0"/>
+                        </a:spcBef>
+                        <a:spcAft>
+                          <a:spcPts val="0"/>
+                        </a:spcAft>
+                      </a:pPr>
+                      <a:r>
+                        <a:rPr lang="en-US" sz="1200">
+                          <a:effectLst/>
+                        </a:rPr>
+                        <a:t>Varchar </a:t>
+                      </a:r>
+                      <a:endParaRPr lang="en-US" sz="1100">
+                        <a:effectLst/>
+                        <a:latin typeface="Calibri" panose="020F0502020204030204" pitchFamily="34" charset="0"/>
+                        <a:ea typeface="Calibri" panose="020F0502020204030204" pitchFamily="34" charset="0"/>
+                        <a:cs typeface="Times New Roman" panose="02020603050405020304" pitchFamily="18" charset="0"/>
+                      </a:endParaRPr>
+                    </a:p>
+                  </a:txBody>
+                  <a:tcPr marL="68580" marR="68580" marT="0" marB="0"/>
+                </a:tc>
+                <a:tc>
+                  <a:txBody>
+                    <a:bodyPr/>
+                    <a:lstStyle/>
+                    <a:p>
+                      <a:pPr marL="0" marR="0">
+                        <a:lnSpc>
+                          <a:spcPct val="150000"/>
+                        </a:lnSpc>
+                        <a:spcBef>
+                          <a:spcPts val="0"/>
+                        </a:spcBef>
+                        <a:spcAft>
+                          <a:spcPts val="0"/>
+                        </a:spcAft>
+                      </a:pPr>
+                      <a:r>
+                        <a:rPr lang="en-US" sz="1200">
+                          <a:effectLst/>
+                        </a:rPr>
+                        <a:t>20</a:t>
+                      </a:r>
+                      <a:endParaRPr lang="en-US" sz="1100">
+                        <a:effectLst/>
+                        <a:latin typeface="Calibri" panose="020F0502020204030204" pitchFamily="34" charset="0"/>
+                        <a:ea typeface="Calibri" panose="020F0502020204030204" pitchFamily="34" charset="0"/>
+                        <a:cs typeface="Times New Roman" panose="02020603050405020304" pitchFamily="18" charset="0"/>
+                      </a:endParaRPr>
+                    </a:p>
+                  </a:txBody>
+                  <a:tcPr marL="68580" marR="68580" marT="0" marB="0"/>
+                </a:tc>
+                <a:tc>
+                  <a:txBody>
+                    <a:bodyPr/>
+                    <a:lstStyle/>
+                    <a:p>
+                      <a:pPr marL="0" marR="0">
+                        <a:lnSpc>
+                          <a:spcPct val="150000"/>
+                        </a:lnSpc>
+                        <a:spcBef>
+                          <a:spcPts val="0"/>
+                        </a:spcBef>
+                        <a:spcAft>
+                          <a:spcPts val="0"/>
+                        </a:spcAft>
+                      </a:pPr>
+                      <a:r>
+                        <a:rPr lang="en-US" sz="1200" dirty="0">
+                          <a:effectLst/>
+                        </a:rPr>
+                        <a:t>Not null</a:t>
+                      </a:r>
+                      <a:endParaRPr lang="en-US" sz="1100" dirty="0">
+                        <a:effectLst/>
+                        <a:latin typeface="Calibri" panose="020F0502020204030204" pitchFamily="34" charset="0"/>
+                        <a:ea typeface="Calibri" panose="020F0502020204030204" pitchFamily="34" charset="0"/>
+                        <a:cs typeface="Times New Roman" panose="02020603050405020304" pitchFamily="18" charset="0"/>
+                      </a:endParaRPr>
+                    </a:p>
+                  </a:txBody>
+                  <a:tcPr marL="68580" marR="68580" marT="0" marB="0"/>
+                </a:tc>
+                <a:extLst>
+                  <a:ext uri="{0D108BD9-81ED-4DB2-BD59-A6C34878D82A}">
+                    <a16:rowId xmlns:a16="http://schemas.microsoft.com/office/drawing/2014/main" val="3806428226"/>
+                  </a:ext>
+                </a:extLst>
+              </a:tr>
+            </a:tbl>
+          </a:graphicData>
+        </a:graphic>
+      </p:graphicFrame>
+    </p:spTree>
+    <p:extLst>
+      <p:ext uri="{BB962C8B-B14F-4D97-AF65-F5344CB8AC3E}">
+        <p14:creationId xmlns:p14="http://schemas.microsoft.com/office/powerpoint/2010/main" val="2058210709"/>
+      </p:ext>
+    </p:extLst>
+  </p:cSld>
+  <p:clrMapOvr>
+    <a:masterClrMapping/>
+  </p:clrMapOvr>
+</p:sld>
+</file>
+
+<file path=ppt/slides/slide13.xml><?xml version="1.0" encoding="utf-8"?>
+<p:sld xmlns:a="http://schemas.openxmlformats.org/drawingml/2006/main" xmlns:r="http://schemas.openxmlformats.org/officeDocument/2006/relationships" xmlns:p="http://schemas.openxmlformats.org/presentationml/2006/main">
+  <p:cSld>
+    <p:spTree>
+      <p:nvGrpSpPr>
+        <p:cNvPr id="1" name=""/>
+        <p:cNvGrpSpPr/>
+        <p:nvPr/>
+      </p:nvGrpSpPr>
+      <p:grpSpPr>
+        <a:xfrm>
+          <a:off x="0" y="0"/>
+          <a:ext cx="0" cy="0"/>
+          <a:chOff x="0" y="0"/>
+          <a:chExt cx="0" cy="0"/>
+        </a:xfrm>
+      </p:grpSpPr>
       <p:sp>
         <p:nvSpPr>
-          <p:cNvPr id="3" name="Content Placeholder 2">
+          <p:cNvPr id="2" name="Title 1">
             <a:extLst>
               <a:ext uri="{FF2B5EF4-FFF2-40B4-BE49-F238E27FC236}">
-                <a16:creationId xmlns:a16="http://schemas.microsoft.com/office/drawing/2014/main" xmlns="" id="{B7A32F1A-EEE9-4FAF-8505-D230D3A96A68}"/>
+                <a16:creationId xmlns:a16="http://schemas.microsoft.com/office/drawing/2014/main" id="{F90D4C74-7712-4D63-B10D-DECF6B52E7E6}"/>
               </a:ext>
             </a:extLst>
           </p:cNvPr>
@@ -4306,7 +4948,7 @@
             <a:spLocks noGrp="1"/>
           </p:cNvSpPr>
           <p:nvPr>
-            <p:ph idx="1"/>
+            <p:ph type="title"/>
           </p:nvPr>
         </p:nvSpPr>
         <p:spPr/>
@@ -4314,14 +4956,4430 @@
           <a:bodyPr/>
           <a:lstStyle/>
           <a:p>
+            <a:r>
+              <a:rPr lang="en-US" sz="1800" b="1" dirty="0">
+                <a:effectLst/>
+                <a:latin typeface="Times New Roman" panose="02020603050405020304" pitchFamily="18" charset="0"/>
+                <a:ea typeface="Calibri" panose="020F0502020204030204" pitchFamily="34" charset="0"/>
+                <a:cs typeface="Times New Roman" panose="02020603050405020304" pitchFamily="18" charset="0"/>
+              </a:rPr>
+              <a:t>TABLE NAME: EMPLOYEES</a:t>
+            </a:r>
+            <a:br>
+              <a:rPr lang="en-US" sz="1800" dirty="0">
+                <a:effectLst/>
+                <a:latin typeface="Calibri" panose="020F0502020204030204" pitchFamily="34" charset="0"/>
+                <a:ea typeface="Calibri" panose="020F0502020204030204" pitchFamily="34" charset="0"/>
+                <a:cs typeface="Times New Roman" panose="02020603050405020304" pitchFamily="18" charset="0"/>
+              </a:rPr>
+            </a:br>
             <a:endParaRPr lang="en-US" dirty="0"/>
           </a:p>
         </p:txBody>
       </p:sp>
+      <p:graphicFrame>
+        <p:nvGraphicFramePr>
+          <p:cNvPr id="4" name="Content Placeholder 3">
+            <a:extLst>
+              <a:ext uri="{FF2B5EF4-FFF2-40B4-BE49-F238E27FC236}">
+                <a16:creationId xmlns:a16="http://schemas.microsoft.com/office/drawing/2014/main" id="{334A03E2-0F59-4433-81A9-A0E8407C25E7}"/>
+              </a:ext>
+            </a:extLst>
+          </p:cNvPr>
+          <p:cNvGraphicFramePr>
+            <a:graphicFrameLocks noGrp="1"/>
+          </p:cNvGraphicFramePr>
+          <p:nvPr>
+            <p:ph idx="1"/>
+            <p:extLst>
+              <p:ext uri="{D42A27DB-BD31-4B8C-83A1-F6EECF244321}">
+                <p14:modId xmlns:p14="http://schemas.microsoft.com/office/powerpoint/2010/main" val="1871156098"/>
+              </p:ext>
+            </p:extLst>
+          </p:nvPr>
+        </p:nvGraphicFramePr>
+        <p:xfrm>
+          <a:off x="2107095" y="1643271"/>
+          <a:ext cx="7739268" cy="4200933"/>
+        </p:xfrm>
+        <a:graphic>
+          <a:graphicData uri="http://schemas.openxmlformats.org/drawingml/2006/table">
+            <a:tbl>
+              <a:tblPr firstRow="1" firstCol="1" bandRow="1">
+                <a:tableStyleId>{5C22544A-7EE6-4342-B048-85BDC9FD1C3A}</a:tableStyleId>
+              </a:tblPr>
+              <a:tblGrid>
+                <a:gridCol w="1934399">
+                  <a:extLst>
+                    <a:ext uri="{9D8B030D-6E8A-4147-A177-3AD203B41FA5}">
+                      <a16:colId xmlns:a16="http://schemas.microsoft.com/office/drawing/2014/main" val="4145594946"/>
+                    </a:ext>
+                  </a:extLst>
+                </a:gridCol>
+                <a:gridCol w="1934399">
+                  <a:extLst>
+                    <a:ext uri="{9D8B030D-6E8A-4147-A177-3AD203B41FA5}">
+                      <a16:colId xmlns:a16="http://schemas.microsoft.com/office/drawing/2014/main" val="408023587"/>
+                    </a:ext>
+                  </a:extLst>
+                </a:gridCol>
+                <a:gridCol w="1935235">
+                  <a:extLst>
+                    <a:ext uri="{9D8B030D-6E8A-4147-A177-3AD203B41FA5}">
+                      <a16:colId xmlns:a16="http://schemas.microsoft.com/office/drawing/2014/main" val="299953754"/>
+                    </a:ext>
+                  </a:extLst>
+                </a:gridCol>
+                <a:gridCol w="1935235">
+                  <a:extLst>
+                    <a:ext uri="{9D8B030D-6E8A-4147-A177-3AD203B41FA5}">
+                      <a16:colId xmlns:a16="http://schemas.microsoft.com/office/drawing/2014/main" val="1145213899"/>
+                    </a:ext>
+                  </a:extLst>
+                </a:gridCol>
+              </a:tblGrid>
+              <a:tr h="381903">
+                <a:tc>
+                  <a:txBody>
+                    <a:bodyPr/>
+                    <a:lstStyle/>
+                    <a:p>
+                      <a:pPr marL="0" marR="0">
+                        <a:lnSpc>
+                          <a:spcPct val="150000"/>
+                        </a:lnSpc>
+                        <a:spcBef>
+                          <a:spcPts val="0"/>
+                        </a:spcBef>
+                        <a:spcAft>
+                          <a:spcPts val="0"/>
+                        </a:spcAft>
+                      </a:pPr>
+                      <a:r>
+                        <a:rPr lang="en-US" sz="1200">
+                          <a:effectLst/>
+                        </a:rPr>
+                        <a:t>FIELD </a:t>
+                      </a:r>
+                      <a:endParaRPr lang="en-US" sz="1100">
+                        <a:effectLst/>
+                        <a:latin typeface="Calibri" panose="020F0502020204030204" pitchFamily="34" charset="0"/>
+                        <a:ea typeface="Calibri" panose="020F0502020204030204" pitchFamily="34" charset="0"/>
+                        <a:cs typeface="Times New Roman" panose="02020603050405020304" pitchFamily="18" charset="0"/>
+                      </a:endParaRPr>
+                    </a:p>
+                  </a:txBody>
+                  <a:tcPr marL="68580" marR="68580" marT="0" marB="0"/>
+                </a:tc>
+                <a:tc>
+                  <a:txBody>
+                    <a:bodyPr/>
+                    <a:lstStyle/>
+                    <a:p>
+                      <a:pPr marL="0" marR="0">
+                        <a:lnSpc>
+                          <a:spcPct val="150000"/>
+                        </a:lnSpc>
+                        <a:spcBef>
+                          <a:spcPts val="0"/>
+                        </a:spcBef>
+                        <a:spcAft>
+                          <a:spcPts val="0"/>
+                        </a:spcAft>
+                      </a:pPr>
+                      <a:r>
+                        <a:rPr lang="en-US" sz="1200">
+                          <a:effectLst/>
+                        </a:rPr>
+                        <a:t>DATA TYPE</a:t>
+                      </a:r>
+                      <a:endParaRPr lang="en-US" sz="1100">
+                        <a:effectLst/>
+                        <a:latin typeface="Calibri" panose="020F0502020204030204" pitchFamily="34" charset="0"/>
+                        <a:ea typeface="Calibri" panose="020F0502020204030204" pitchFamily="34" charset="0"/>
+                        <a:cs typeface="Times New Roman" panose="02020603050405020304" pitchFamily="18" charset="0"/>
+                      </a:endParaRPr>
+                    </a:p>
+                  </a:txBody>
+                  <a:tcPr marL="68580" marR="68580" marT="0" marB="0"/>
+                </a:tc>
+                <a:tc>
+                  <a:txBody>
+                    <a:bodyPr/>
+                    <a:lstStyle/>
+                    <a:p>
+                      <a:pPr marL="0" marR="0">
+                        <a:lnSpc>
+                          <a:spcPct val="150000"/>
+                        </a:lnSpc>
+                        <a:spcBef>
+                          <a:spcPts val="0"/>
+                        </a:spcBef>
+                        <a:spcAft>
+                          <a:spcPts val="0"/>
+                        </a:spcAft>
+                      </a:pPr>
+                      <a:r>
+                        <a:rPr lang="en-US" sz="1200">
+                          <a:effectLst/>
+                        </a:rPr>
+                        <a:t>SIZE</a:t>
+                      </a:r>
+                      <a:endParaRPr lang="en-US" sz="1100">
+                        <a:effectLst/>
+                        <a:latin typeface="Calibri" panose="020F0502020204030204" pitchFamily="34" charset="0"/>
+                        <a:ea typeface="Calibri" panose="020F0502020204030204" pitchFamily="34" charset="0"/>
+                        <a:cs typeface="Times New Roman" panose="02020603050405020304" pitchFamily="18" charset="0"/>
+                      </a:endParaRPr>
+                    </a:p>
+                  </a:txBody>
+                  <a:tcPr marL="68580" marR="68580" marT="0" marB="0"/>
+                </a:tc>
+                <a:tc>
+                  <a:txBody>
+                    <a:bodyPr/>
+                    <a:lstStyle/>
+                    <a:p>
+                      <a:pPr marL="0" marR="0">
+                        <a:lnSpc>
+                          <a:spcPct val="150000"/>
+                        </a:lnSpc>
+                        <a:spcBef>
+                          <a:spcPts val="0"/>
+                        </a:spcBef>
+                        <a:spcAft>
+                          <a:spcPts val="0"/>
+                        </a:spcAft>
+                      </a:pPr>
+                      <a:r>
+                        <a:rPr lang="en-US" sz="1200">
+                          <a:effectLst/>
+                        </a:rPr>
+                        <a:t>CONSTRAINT</a:t>
+                      </a:r>
+                      <a:endParaRPr lang="en-US" sz="1100">
+                        <a:effectLst/>
+                        <a:latin typeface="Calibri" panose="020F0502020204030204" pitchFamily="34" charset="0"/>
+                        <a:ea typeface="Calibri" panose="020F0502020204030204" pitchFamily="34" charset="0"/>
+                        <a:cs typeface="Times New Roman" panose="02020603050405020304" pitchFamily="18" charset="0"/>
+                      </a:endParaRPr>
+                    </a:p>
+                  </a:txBody>
+                  <a:tcPr marL="68580" marR="68580" marT="0" marB="0"/>
+                </a:tc>
+                <a:extLst>
+                  <a:ext uri="{0D108BD9-81ED-4DB2-BD59-A6C34878D82A}">
+                    <a16:rowId xmlns:a16="http://schemas.microsoft.com/office/drawing/2014/main" val="2488801202"/>
+                  </a:ext>
+                </a:extLst>
+              </a:tr>
+              <a:tr h="381903">
+                <a:tc>
+                  <a:txBody>
+                    <a:bodyPr/>
+                    <a:lstStyle/>
+                    <a:p>
+                      <a:pPr marL="0" marR="0">
+                        <a:lnSpc>
+                          <a:spcPct val="150000"/>
+                        </a:lnSpc>
+                        <a:spcBef>
+                          <a:spcPts val="0"/>
+                        </a:spcBef>
+                        <a:spcAft>
+                          <a:spcPts val="0"/>
+                        </a:spcAft>
+                      </a:pPr>
+                      <a:r>
+                        <a:rPr lang="en-US" sz="1200">
+                          <a:effectLst/>
+                        </a:rPr>
+                        <a:t>Employee id</a:t>
+                      </a:r>
+                      <a:endParaRPr lang="en-US" sz="1100">
+                        <a:effectLst/>
+                        <a:latin typeface="Calibri" panose="020F0502020204030204" pitchFamily="34" charset="0"/>
+                        <a:ea typeface="Calibri" panose="020F0502020204030204" pitchFamily="34" charset="0"/>
+                        <a:cs typeface="Times New Roman" panose="02020603050405020304" pitchFamily="18" charset="0"/>
+                      </a:endParaRPr>
+                    </a:p>
+                  </a:txBody>
+                  <a:tcPr marL="68580" marR="68580" marT="0" marB="0"/>
+                </a:tc>
+                <a:tc>
+                  <a:txBody>
+                    <a:bodyPr/>
+                    <a:lstStyle/>
+                    <a:p>
+                      <a:pPr marL="0" marR="0">
+                        <a:lnSpc>
+                          <a:spcPct val="150000"/>
+                        </a:lnSpc>
+                        <a:spcBef>
+                          <a:spcPts val="0"/>
+                        </a:spcBef>
+                        <a:spcAft>
+                          <a:spcPts val="0"/>
+                        </a:spcAft>
+                      </a:pPr>
+                      <a:r>
+                        <a:rPr lang="en-US" sz="1200">
+                          <a:effectLst/>
+                        </a:rPr>
+                        <a:t>Int</a:t>
+                      </a:r>
+                      <a:endParaRPr lang="en-US" sz="1100">
+                        <a:effectLst/>
+                        <a:latin typeface="Calibri" panose="020F0502020204030204" pitchFamily="34" charset="0"/>
+                        <a:ea typeface="Calibri" panose="020F0502020204030204" pitchFamily="34" charset="0"/>
+                        <a:cs typeface="Times New Roman" panose="02020603050405020304" pitchFamily="18" charset="0"/>
+                      </a:endParaRPr>
+                    </a:p>
+                  </a:txBody>
+                  <a:tcPr marL="68580" marR="68580" marT="0" marB="0"/>
+                </a:tc>
+                <a:tc>
+                  <a:txBody>
+                    <a:bodyPr/>
+                    <a:lstStyle/>
+                    <a:p>
+                      <a:pPr marL="0" marR="0">
+                        <a:lnSpc>
+                          <a:spcPct val="150000"/>
+                        </a:lnSpc>
+                        <a:spcBef>
+                          <a:spcPts val="0"/>
+                        </a:spcBef>
+                        <a:spcAft>
+                          <a:spcPts val="0"/>
+                        </a:spcAft>
+                      </a:pPr>
+                      <a:r>
+                        <a:rPr lang="en-US" sz="1200">
+                          <a:effectLst/>
+                        </a:rPr>
+                        <a:t>10</a:t>
+                      </a:r>
+                      <a:endParaRPr lang="en-US" sz="1100">
+                        <a:effectLst/>
+                        <a:latin typeface="Calibri" panose="020F0502020204030204" pitchFamily="34" charset="0"/>
+                        <a:ea typeface="Calibri" panose="020F0502020204030204" pitchFamily="34" charset="0"/>
+                        <a:cs typeface="Times New Roman" panose="02020603050405020304" pitchFamily="18" charset="0"/>
+                      </a:endParaRPr>
+                    </a:p>
+                  </a:txBody>
+                  <a:tcPr marL="68580" marR="68580" marT="0" marB="0"/>
+                </a:tc>
+                <a:tc>
+                  <a:txBody>
+                    <a:bodyPr/>
+                    <a:lstStyle/>
+                    <a:p>
+                      <a:pPr marL="0" marR="0">
+                        <a:lnSpc>
+                          <a:spcPct val="150000"/>
+                        </a:lnSpc>
+                        <a:spcBef>
+                          <a:spcPts val="0"/>
+                        </a:spcBef>
+                        <a:spcAft>
+                          <a:spcPts val="0"/>
+                        </a:spcAft>
+                      </a:pPr>
+                      <a:r>
+                        <a:rPr lang="en-US" sz="1200">
+                          <a:effectLst/>
+                        </a:rPr>
+                        <a:t>Primary key</a:t>
+                      </a:r>
+                      <a:endParaRPr lang="en-US" sz="1100">
+                        <a:effectLst/>
+                        <a:latin typeface="Calibri" panose="020F0502020204030204" pitchFamily="34" charset="0"/>
+                        <a:ea typeface="Calibri" panose="020F0502020204030204" pitchFamily="34" charset="0"/>
+                        <a:cs typeface="Times New Roman" panose="02020603050405020304" pitchFamily="18" charset="0"/>
+                      </a:endParaRPr>
+                    </a:p>
+                  </a:txBody>
+                  <a:tcPr marL="68580" marR="68580" marT="0" marB="0"/>
+                </a:tc>
+                <a:extLst>
+                  <a:ext uri="{0D108BD9-81ED-4DB2-BD59-A6C34878D82A}">
+                    <a16:rowId xmlns:a16="http://schemas.microsoft.com/office/drawing/2014/main" val="3420176977"/>
+                  </a:ext>
+                </a:extLst>
+              </a:tr>
+              <a:tr h="381903">
+                <a:tc>
+                  <a:txBody>
+                    <a:bodyPr/>
+                    <a:lstStyle/>
+                    <a:p>
+                      <a:pPr marL="0" marR="0">
+                        <a:lnSpc>
+                          <a:spcPct val="150000"/>
+                        </a:lnSpc>
+                        <a:spcBef>
+                          <a:spcPts val="0"/>
+                        </a:spcBef>
+                        <a:spcAft>
+                          <a:spcPts val="0"/>
+                        </a:spcAft>
+                      </a:pPr>
+                      <a:r>
+                        <a:rPr lang="en-US" sz="1200">
+                          <a:effectLst/>
+                        </a:rPr>
+                        <a:t>First name</a:t>
+                      </a:r>
+                      <a:endParaRPr lang="en-US" sz="1100">
+                        <a:effectLst/>
+                        <a:latin typeface="Calibri" panose="020F0502020204030204" pitchFamily="34" charset="0"/>
+                        <a:ea typeface="Calibri" panose="020F0502020204030204" pitchFamily="34" charset="0"/>
+                        <a:cs typeface="Times New Roman" panose="02020603050405020304" pitchFamily="18" charset="0"/>
+                      </a:endParaRPr>
+                    </a:p>
+                  </a:txBody>
+                  <a:tcPr marL="68580" marR="68580" marT="0" marB="0"/>
+                </a:tc>
+                <a:tc>
+                  <a:txBody>
+                    <a:bodyPr/>
+                    <a:lstStyle/>
+                    <a:p>
+                      <a:pPr marL="0" marR="0">
+                        <a:lnSpc>
+                          <a:spcPct val="150000"/>
+                        </a:lnSpc>
+                        <a:spcBef>
+                          <a:spcPts val="0"/>
+                        </a:spcBef>
+                        <a:spcAft>
+                          <a:spcPts val="0"/>
+                        </a:spcAft>
+                      </a:pPr>
+                      <a:r>
+                        <a:rPr lang="en-US" sz="1200">
+                          <a:effectLst/>
+                        </a:rPr>
+                        <a:t>Varchar </a:t>
+                      </a:r>
+                      <a:endParaRPr lang="en-US" sz="1100">
+                        <a:effectLst/>
+                        <a:latin typeface="Calibri" panose="020F0502020204030204" pitchFamily="34" charset="0"/>
+                        <a:ea typeface="Calibri" panose="020F0502020204030204" pitchFamily="34" charset="0"/>
+                        <a:cs typeface="Times New Roman" panose="02020603050405020304" pitchFamily="18" charset="0"/>
+                      </a:endParaRPr>
+                    </a:p>
+                  </a:txBody>
+                  <a:tcPr marL="68580" marR="68580" marT="0" marB="0"/>
+                </a:tc>
+                <a:tc>
+                  <a:txBody>
+                    <a:bodyPr/>
+                    <a:lstStyle/>
+                    <a:p>
+                      <a:pPr marL="0" marR="0">
+                        <a:lnSpc>
+                          <a:spcPct val="150000"/>
+                        </a:lnSpc>
+                        <a:spcBef>
+                          <a:spcPts val="0"/>
+                        </a:spcBef>
+                        <a:spcAft>
+                          <a:spcPts val="0"/>
+                        </a:spcAft>
+                      </a:pPr>
+                      <a:r>
+                        <a:rPr lang="en-US" sz="1200">
+                          <a:effectLst/>
+                        </a:rPr>
+                        <a:t>20</a:t>
+                      </a:r>
+                      <a:endParaRPr lang="en-US" sz="1100">
+                        <a:effectLst/>
+                        <a:latin typeface="Calibri" panose="020F0502020204030204" pitchFamily="34" charset="0"/>
+                        <a:ea typeface="Calibri" panose="020F0502020204030204" pitchFamily="34" charset="0"/>
+                        <a:cs typeface="Times New Roman" panose="02020603050405020304" pitchFamily="18" charset="0"/>
+                      </a:endParaRPr>
+                    </a:p>
+                  </a:txBody>
+                  <a:tcPr marL="68580" marR="68580" marT="0" marB="0"/>
+                </a:tc>
+                <a:tc>
+                  <a:txBody>
+                    <a:bodyPr/>
+                    <a:lstStyle/>
+                    <a:p>
+                      <a:pPr marL="0" marR="0">
+                        <a:lnSpc>
+                          <a:spcPct val="150000"/>
+                        </a:lnSpc>
+                        <a:spcBef>
+                          <a:spcPts val="0"/>
+                        </a:spcBef>
+                        <a:spcAft>
+                          <a:spcPts val="0"/>
+                        </a:spcAft>
+                      </a:pPr>
+                      <a:r>
+                        <a:rPr lang="en-US" sz="1200">
+                          <a:effectLst/>
+                        </a:rPr>
+                        <a:t>Not null</a:t>
+                      </a:r>
+                      <a:endParaRPr lang="en-US" sz="1100">
+                        <a:effectLst/>
+                        <a:latin typeface="Calibri" panose="020F0502020204030204" pitchFamily="34" charset="0"/>
+                        <a:ea typeface="Calibri" panose="020F0502020204030204" pitchFamily="34" charset="0"/>
+                        <a:cs typeface="Times New Roman" panose="02020603050405020304" pitchFamily="18" charset="0"/>
+                      </a:endParaRPr>
+                    </a:p>
+                  </a:txBody>
+                  <a:tcPr marL="68580" marR="68580" marT="0" marB="0"/>
+                </a:tc>
+                <a:extLst>
+                  <a:ext uri="{0D108BD9-81ED-4DB2-BD59-A6C34878D82A}">
+                    <a16:rowId xmlns:a16="http://schemas.microsoft.com/office/drawing/2014/main" val="3607641252"/>
+                  </a:ext>
+                </a:extLst>
+              </a:tr>
+              <a:tr h="381903">
+                <a:tc>
+                  <a:txBody>
+                    <a:bodyPr/>
+                    <a:lstStyle/>
+                    <a:p>
+                      <a:pPr marL="0" marR="0">
+                        <a:lnSpc>
+                          <a:spcPct val="150000"/>
+                        </a:lnSpc>
+                        <a:spcBef>
+                          <a:spcPts val="0"/>
+                        </a:spcBef>
+                        <a:spcAft>
+                          <a:spcPts val="0"/>
+                        </a:spcAft>
+                      </a:pPr>
+                      <a:r>
+                        <a:rPr lang="en-US" sz="1200">
+                          <a:effectLst/>
+                        </a:rPr>
+                        <a:t>Last name</a:t>
+                      </a:r>
+                      <a:endParaRPr lang="en-US" sz="1100">
+                        <a:effectLst/>
+                        <a:latin typeface="Calibri" panose="020F0502020204030204" pitchFamily="34" charset="0"/>
+                        <a:ea typeface="Calibri" panose="020F0502020204030204" pitchFamily="34" charset="0"/>
+                        <a:cs typeface="Times New Roman" panose="02020603050405020304" pitchFamily="18" charset="0"/>
+                      </a:endParaRPr>
+                    </a:p>
+                  </a:txBody>
+                  <a:tcPr marL="68580" marR="68580" marT="0" marB="0"/>
+                </a:tc>
+                <a:tc>
+                  <a:txBody>
+                    <a:bodyPr/>
+                    <a:lstStyle/>
+                    <a:p>
+                      <a:pPr marL="0" marR="0">
+                        <a:lnSpc>
+                          <a:spcPct val="150000"/>
+                        </a:lnSpc>
+                        <a:spcBef>
+                          <a:spcPts val="0"/>
+                        </a:spcBef>
+                        <a:spcAft>
+                          <a:spcPts val="0"/>
+                        </a:spcAft>
+                      </a:pPr>
+                      <a:r>
+                        <a:rPr lang="en-US" sz="1200">
+                          <a:effectLst/>
+                        </a:rPr>
+                        <a:t>Varchar </a:t>
+                      </a:r>
+                      <a:endParaRPr lang="en-US" sz="1100">
+                        <a:effectLst/>
+                        <a:latin typeface="Calibri" panose="020F0502020204030204" pitchFamily="34" charset="0"/>
+                        <a:ea typeface="Calibri" panose="020F0502020204030204" pitchFamily="34" charset="0"/>
+                        <a:cs typeface="Times New Roman" panose="02020603050405020304" pitchFamily="18" charset="0"/>
+                      </a:endParaRPr>
+                    </a:p>
+                  </a:txBody>
+                  <a:tcPr marL="68580" marR="68580" marT="0" marB="0"/>
+                </a:tc>
+                <a:tc>
+                  <a:txBody>
+                    <a:bodyPr/>
+                    <a:lstStyle/>
+                    <a:p>
+                      <a:pPr marL="0" marR="0">
+                        <a:lnSpc>
+                          <a:spcPct val="150000"/>
+                        </a:lnSpc>
+                        <a:spcBef>
+                          <a:spcPts val="0"/>
+                        </a:spcBef>
+                        <a:spcAft>
+                          <a:spcPts val="0"/>
+                        </a:spcAft>
+                      </a:pPr>
+                      <a:r>
+                        <a:rPr lang="en-US" sz="1200">
+                          <a:effectLst/>
+                        </a:rPr>
+                        <a:t>20</a:t>
+                      </a:r>
+                      <a:endParaRPr lang="en-US" sz="1100">
+                        <a:effectLst/>
+                        <a:latin typeface="Calibri" panose="020F0502020204030204" pitchFamily="34" charset="0"/>
+                        <a:ea typeface="Calibri" panose="020F0502020204030204" pitchFamily="34" charset="0"/>
+                        <a:cs typeface="Times New Roman" panose="02020603050405020304" pitchFamily="18" charset="0"/>
+                      </a:endParaRPr>
+                    </a:p>
+                  </a:txBody>
+                  <a:tcPr marL="68580" marR="68580" marT="0" marB="0"/>
+                </a:tc>
+                <a:tc>
+                  <a:txBody>
+                    <a:bodyPr/>
+                    <a:lstStyle/>
+                    <a:p>
+                      <a:pPr marL="0" marR="0">
+                        <a:lnSpc>
+                          <a:spcPct val="150000"/>
+                        </a:lnSpc>
+                        <a:spcBef>
+                          <a:spcPts val="0"/>
+                        </a:spcBef>
+                        <a:spcAft>
+                          <a:spcPts val="0"/>
+                        </a:spcAft>
+                      </a:pPr>
+                      <a:r>
+                        <a:rPr lang="en-US" sz="1200">
+                          <a:effectLst/>
+                        </a:rPr>
+                        <a:t>Not null</a:t>
+                      </a:r>
+                      <a:endParaRPr lang="en-US" sz="1100">
+                        <a:effectLst/>
+                        <a:latin typeface="Calibri" panose="020F0502020204030204" pitchFamily="34" charset="0"/>
+                        <a:ea typeface="Calibri" panose="020F0502020204030204" pitchFamily="34" charset="0"/>
+                        <a:cs typeface="Times New Roman" panose="02020603050405020304" pitchFamily="18" charset="0"/>
+                      </a:endParaRPr>
+                    </a:p>
+                  </a:txBody>
+                  <a:tcPr marL="68580" marR="68580" marT="0" marB="0"/>
+                </a:tc>
+                <a:extLst>
+                  <a:ext uri="{0D108BD9-81ED-4DB2-BD59-A6C34878D82A}">
+                    <a16:rowId xmlns:a16="http://schemas.microsoft.com/office/drawing/2014/main" val="1039377385"/>
+                  </a:ext>
+                </a:extLst>
+              </a:tr>
+              <a:tr h="381903">
+                <a:tc>
+                  <a:txBody>
+                    <a:bodyPr/>
+                    <a:lstStyle/>
+                    <a:p>
+                      <a:pPr marL="0" marR="0">
+                        <a:lnSpc>
+                          <a:spcPct val="150000"/>
+                        </a:lnSpc>
+                        <a:spcBef>
+                          <a:spcPts val="0"/>
+                        </a:spcBef>
+                        <a:spcAft>
+                          <a:spcPts val="0"/>
+                        </a:spcAft>
+                      </a:pPr>
+                      <a:r>
+                        <a:rPr lang="en-US" sz="1200">
+                          <a:effectLst/>
+                        </a:rPr>
+                        <a:t>Email</a:t>
+                      </a:r>
+                      <a:endParaRPr lang="en-US" sz="1100">
+                        <a:effectLst/>
+                        <a:latin typeface="Calibri" panose="020F0502020204030204" pitchFamily="34" charset="0"/>
+                        <a:ea typeface="Calibri" panose="020F0502020204030204" pitchFamily="34" charset="0"/>
+                        <a:cs typeface="Times New Roman" panose="02020603050405020304" pitchFamily="18" charset="0"/>
+                      </a:endParaRPr>
+                    </a:p>
+                  </a:txBody>
+                  <a:tcPr marL="68580" marR="68580" marT="0" marB="0"/>
+                </a:tc>
+                <a:tc>
+                  <a:txBody>
+                    <a:bodyPr/>
+                    <a:lstStyle/>
+                    <a:p>
+                      <a:pPr marL="0" marR="0">
+                        <a:lnSpc>
+                          <a:spcPct val="150000"/>
+                        </a:lnSpc>
+                        <a:spcBef>
+                          <a:spcPts val="0"/>
+                        </a:spcBef>
+                        <a:spcAft>
+                          <a:spcPts val="0"/>
+                        </a:spcAft>
+                      </a:pPr>
+                      <a:r>
+                        <a:rPr lang="en-US" sz="1200">
+                          <a:effectLst/>
+                        </a:rPr>
+                        <a:t>Varchar </a:t>
+                      </a:r>
+                      <a:endParaRPr lang="en-US" sz="1100">
+                        <a:effectLst/>
+                        <a:latin typeface="Calibri" panose="020F0502020204030204" pitchFamily="34" charset="0"/>
+                        <a:ea typeface="Calibri" panose="020F0502020204030204" pitchFamily="34" charset="0"/>
+                        <a:cs typeface="Times New Roman" panose="02020603050405020304" pitchFamily="18" charset="0"/>
+                      </a:endParaRPr>
+                    </a:p>
+                  </a:txBody>
+                  <a:tcPr marL="68580" marR="68580" marT="0" marB="0"/>
+                </a:tc>
+                <a:tc>
+                  <a:txBody>
+                    <a:bodyPr/>
+                    <a:lstStyle/>
+                    <a:p>
+                      <a:pPr marL="0" marR="0">
+                        <a:lnSpc>
+                          <a:spcPct val="150000"/>
+                        </a:lnSpc>
+                        <a:spcBef>
+                          <a:spcPts val="0"/>
+                        </a:spcBef>
+                        <a:spcAft>
+                          <a:spcPts val="0"/>
+                        </a:spcAft>
+                      </a:pPr>
+                      <a:r>
+                        <a:rPr lang="en-US" sz="1200">
+                          <a:effectLst/>
+                        </a:rPr>
+                        <a:t>20</a:t>
+                      </a:r>
+                      <a:endParaRPr lang="en-US" sz="1100">
+                        <a:effectLst/>
+                        <a:latin typeface="Calibri" panose="020F0502020204030204" pitchFamily="34" charset="0"/>
+                        <a:ea typeface="Calibri" panose="020F0502020204030204" pitchFamily="34" charset="0"/>
+                        <a:cs typeface="Times New Roman" panose="02020603050405020304" pitchFamily="18" charset="0"/>
+                      </a:endParaRPr>
+                    </a:p>
+                  </a:txBody>
+                  <a:tcPr marL="68580" marR="68580" marT="0" marB="0"/>
+                </a:tc>
+                <a:tc>
+                  <a:txBody>
+                    <a:bodyPr/>
+                    <a:lstStyle/>
+                    <a:p>
+                      <a:pPr marL="0" marR="0">
+                        <a:lnSpc>
+                          <a:spcPct val="150000"/>
+                        </a:lnSpc>
+                        <a:spcBef>
+                          <a:spcPts val="0"/>
+                        </a:spcBef>
+                        <a:spcAft>
+                          <a:spcPts val="0"/>
+                        </a:spcAft>
+                      </a:pPr>
+                      <a:r>
+                        <a:rPr lang="en-US" sz="1200">
+                          <a:effectLst/>
+                        </a:rPr>
+                        <a:t>Not null</a:t>
+                      </a:r>
+                      <a:endParaRPr lang="en-US" sz="1100">
+                        <a:effectLst/>
+                        <a:latin typeface="Calibri" panose="020F0502020204030204" pitchFamily="34" charset="0"/>
+                        <a:ea typeface="Calibri" panose="020F0502020204030204" pitchFamily="34" charset="0"/>
+                        <a:cs typeface="Times New Roman" panose="02020603050405020304" pitchFamily="18" charset="0"/>
+                      </a:endParaRPr>
+                    </a:p>
+                  </a:txBody>
+                  <a:tcPr marL="68580" marR="68580" marT="0" marB="0"/>
+                </a:tc>
+                <a:extLst>
+                  <a:ext uri="{0D108BD9-81ED-4DB2-BD59-A6C34878D82A}">
+                    <a16:rowId xmlns:a16="http://schemas.microsoft.com/office/drawing/2014/main" val="4086982580"/>
+                  </a:ext>
+                </a:extLst>
+              </a:tr>
+              <a:tr h="381903">
+                <a:tc>
+                  <a:txBody>
+                    <a:bodyPr/>
+                    <a:lstStyle/>
+                    <a:p>
+                      <a:pPr marL="0" marR="0">
+                        <a:lnSpc>
+                          <a:spcPct val="150000"/>
+                        </a:lnSpc>
+                        <a:spcBef>
+                          <a:spcPts val="0"/>
+                        </a:spcBef>
+                        <a:spcAft>
+                          <a:spcPts val="0"/>
+                        </a:spcAft>
+                      </a:pPr>
+                      <a:r>
+                        <a:rPr lang="en-US" sz="1200">
+                          <a:effectLst/>
+                        </a:rPr>
+                        <a:t>Password</a:t>
+                      </a:r>
+                      <a:endParaRPr lang="en-US" sz="1100">
+                        <a:effectLst/>
+                        <a:latin typeface="Calibri" panose="020F0502020204030204" pitchFamily="34" charset="0"/>
+                        <a:ea typeface="Calibri" panose="020F0502020204030204" pitchFamily="34" charset="0"/>
+                        <a:cs typeface="Times New Roman" panose="02020603050405020304" pitchFamily="18" charset="0"/>
+                      </a:endParaRPr>
+                    </a:p>
+                  </a:txBody>
+                  <a:tcPr marL="68580" marR="68580" marT="0" marB="0"/>
+                </a:tc>
+                <a:tc>
+                  <a:txBody>
+                    <a:bodyPr/>
+                    <a:lstStyle/>
+                    <a:p>
+                      <a:pPr marL="0" marR="0">
+                        <a:lnSpc>
+                          <a:spcPct val="150000"/>
+                        </a:lnSpc>
+                        <a:spcBef>
+                          <a:spcPts val="0"/>
+                        </a:spcBef>
+                        <a:spcAft>
+                          <a:spcPts val="0"/>
+                        </a:spcAft>
+                      </a:pPr>
+                      <a:r>
+                        <a:rPr lang="en-US" sz="1200">
+                          <a:effectLst/>
+                        </a:rPr>
+                        <a:t>Varchar </a:t>
+                      </a:r>
+                      <a:endParaRPr lang="en-US" sz="1100">
+                        <a:effectLst/>
+                        <a:latin typeface="Calibri" panose="020F0502020204030204" pitchFamily="34" charset="0"/>
+                        <a:ea typeface="Calibri" panose="020F0502020204030204" pitchFamily="34" charset="0"/>
+                        <a:cs typeface="Times New Roman" panose="02020603050405020304" pitchFamily="18" charset="0"/>
+                      </a:endParaRPr>
+                    </a:p>
+                  </a:txBody>
+                  <a:tcPr marL="68580" marR="68580" marT="0" marB="0"/>
+                </a:tc>
+                <a:tc>
+                  <a:txBody>
+                    <a:bodyPr/>
+                    <a:lstStyle/>
+                    <a:p>
+                      <a:pPr marL="0" marR="0">
+                        <a:lnSpc>
+                          <a:spcPct val="150000"/>
+                        </a:lnSpc>
+                        <a:spcBef>
+                          <a:spcPts val="0"/>
+                        </a:spcBef>
+                        <a:spcAft>
+                          <a:spcPts val="0"/>
+                        </a:spcAft>
+                      </a:pPr>
+                      <a:r>
+                        <a:rPr lang="en-US" sz="1200">
+                          <a:effectLst/>
+                        </a:rPr>
+                        <a:t>20</a:t>
+                      </a:r>
+                      <a:endParaRPr lang="en-US" sz="1100">
+                        <a:effectLst/>
+                        <a:latin typeface="Calibri" panose="020F0502020204030204" pitchFamily="34" charset="0"/>
+                        <a:ea typeface="Calibri" panose="020F0502020204030204" pitchFamily="34" charset="0"/>
+                        <a:cs typeface="Times New Roman" panose="02020603050405020304" pitchFamily="18" charset="0"/>
+                      </a:endParaRPr>
+                    </a:p>
+                  </a:txBody>
+                  <a:tcPr marL="68580" marR="68580" marT="0" marB="0"/>
+                </a:tc>
+                <a:tc>
+                  <a:txBody>
+                    <a:bodyPr/>
+                    <a:lstStyle/>
+                    <a:p>
+                      <a:pPr marL="0" marR="0">
+                        <a:lnSpc>
+                          <a:spcPct val="150000"/>
+                        </a:lnSpc>
+                        <a:spcBef>
+                          <a:spcPts val="0"/>
+                        </a:spcBef>
+                        <a:spcAft>
+                          <a:spcPts val="0"/>
+                        </a:spcAft>
+                      </a:pPr>
+                      <a:r>
+                        <a:rPr lang="en-US" sz="1200">
+                          <a:effectLst/>
+                        </a:rPr>
+                        <a:t>Not null</a:t>
+                      </a:r>
+                      <a:endParaRPr lang="en-US" sz="1100">
+                        <a:effectLst/>
+                        <a:latin typeface="Calibri" panose="020F0502020204030204" pitchFamily="34" charset="0"/>
+                        <a:ea typeface="Calibri" panose="020F0502020204030204" pitchFamily="34" charset="0"/>
+                        <a:cs typeface="Times New Roman" panose="02020603050405020304" pitchFamily="18" charset="0"/>
+                      </a:endParaRPr>
+                    </a:p>
+                  </a:txBody>
+                  <a:tcPr marL="68580" marR="68580" marT="0" marB="0"/>
+                </a:tc>
+                <a:extLst>
+                  <a:ext uri="{0D108BD9-81ED-4DB2-BD59-A6C34878D82A}">
+                    <a16:rowId xmlns:a16="http://schemas.microsoft.com/office/drawing/2014/main" val="2804232989"/>
+                  </a:ext>
+                </a:extLst>
+              </a:tr>
+              <a:tr h="381903">
+                <a:tc>
+                  <a:txBody>
+                    <a:bodyPr/>
+                    <a:lstStyle/>
+                    <a:p>
+                      <a:pPr marL="0" marR="0">
+                        <a:lnSpc>
+                          <a:spcPct val="150000"/>
+                        </a:lnSpc>
+                        <a:spcBef>
+                          <a:spcPts val="0"/>
+                        </a:spcBef>
+                        <a:spcAft>
+                          <a:spcPts val="0"/>
+                        </a:spcAft>
+                      </a:pPr>
+                      <a:r>
+                        <a:rPr lang="en-US" sz="1200">
+                          <a:effectLst/>
+                        </a:rPr>
+                        <a:t>Gender</a:t>
+                      </a:r>
+                      <a:endParaRPr lang="en-US" sz="1100">
+                        <a:effectLst/>
+                        <a:latin typeface="Calibri" panose="020F0502020204030204" pitchFamily="34" charset="0"/>
+                        <a:ea typeface="Calibri" panose="020F0502020204030204" pitchFamily="34" charset="0"/>
+                        <a:cs typeface="Times New Roman" panose="02020603050405020304" pitchFamily="18" charset="0"/>
+                      </a:endParaRPr>
+                    </a:p>
+                  </a:txBody>
+                  <a:tcPr marL="68580" marR="68580" marT="0" marB="0"/>
+                </a:tc>
+                <a:tc>
+                  <a:txBody>
+                    <a:bodyPr/>
+                    <a:lstStyle/>
+                    <a:p>
+                      <a:pPr marL="0" marR="0">
+                        <a:lnSpc>
+                          <a:spcPct val="150000"/>
+                        </a:lnSpc>
+                        <a:spcBef>
+                          <a:spcPts val="0"/>
+                        </a:spcBef>
+                        <a:spcAft>
+                          <a:spcPts val="0"/>
+                        </a:spcAft>
+                      </a:pPr>
+                      <a:r>
+                        <a:rPr lang="en-US" sz="1200">
+                          <a:effectLst/>
+                        </a:rPr>
+                        <a:t>Varchar </a:t>
+                      </a:r>
+                      <a:endParaRPr lang="en-US" sz="1100">
+                        <a:effectLst/>
+                        <a:latin typeface="Calibri" panose="020F0502020204030204" pitchFamily="34" charset="0"/>
+                        <a:ea typeface="Calibri" panose="020F0502020204030204" pitchFamily="34" charset="0"/>
+                        <a:cs typeface="Times New Roman" panose="02020603050405020304" pitchFamily="18" charset="0"/>
+                      </a:endParaRPr>
+                    </a:p>
+                  </a:txBody>
+                  <a:tcPr marL="68580" marR="68580" marT="0" marB="0"/>
+                </a:tc>
+                <a:tc>
+                  <a:txBody>
+                    <a:bodyPr/>
+                    <a:lstStyle/>
+                    <a:p>
+                      <a:pPr marL="0" marR="0">
+                        <a:lnSpc>
+                          <a:spcPct val="150000"/>
+                        </a:lnSpc>
+                        <a:spcBef>
+                          <a:spcPts val="0"/>
+                        </a:spcBef>
+                        <a:spcAft>
+                          <a:spcPts val="0"/>
+                        </a:spcAft>
+                      </a:pPr>
+                      <a:r>
+                        <a:rPr lang="en-US" sz="1200">
+                          <a:effectLst/>
+                        </a:rPr>
+                        <a:t>10</a:t>
+                      </a:r>
+                      <a:endParaRPr lang="en-US" sz="1100">
+                        <a:effectLst/>
+                        <a:latin typeface="Calibri" panose="020F0502020204030204" pitchFamily="34" charset="0"/>
+                        <a:ea typeface="Calibri" panose="020F0502020204030204" pitchFamily="34" charset="0"/>
+                        <a:cs typeface="Times New Roman" panose="02020603050405020304" pitchFamily="18" charset="0"/>
+                      </a:endParaRPr>
+                    </a:p>
+                  </a:txBody>
+                  <a:tcPr marL="68580" marR="68580" marT="0" marB="0"/>
+                </a:tc>
+                <a:tc>
+                  <a:txBody>
+                    <a:bodyPr/>
+                    <a:lstStyle/>
+                    <a:p>
+                      <a:pPr marL="0" marR="0">
+                        <a:lnSpc>
+                          <a:spcPct val="150000"/>
+                        </a:lnSpc>
+                        <a:spcBef>
+                          <a:spcPts val="0"/>
+                        </a:spcBef>
+                        <a:spcAft>
+                          <a:spcPts val="0"/>
+                        </a:spcAft>
+                      </a:pPr>
+                      <a:r>
+                        <a:rPr lang="en-US" sz="1200">
+                          <a:effectLst/>
+                        </a:rPr>
+                        <a:t>Not null</a:t>
+                      </a:r>
+                      <a:endParaRPr lang="en-US" sz="1100">
+                        <a:effectLst/>
+                        <a:latin typeface="Calibri" panose="020F0502020204030204" pitchFamily="34" charset="0"/>
+                        <a:ea typeface="Calibri" panose="020F0502020204030204" pitchFamily="34" charset="0"/>
+                        <a:cs typeface="Times New Roman" panose="02020603050405020304" pitchFamily="18" charset="0"/>
+                      </a:endParaRPr>
+                    </a:p>
+                  </a:txBody>
+                  <a:tcPr marL="68580" marR="68580" marT="0" marB="0"/>
+                </a:tc>
+                <a:extLst>
+                  <a:ext uri="{0D108BD9-81ED-4DB2-BD59-A6C34878D82A}">
+                    <a16:rowId xmlns:a16="http://schemas.microsoft.com/office/drawing/2014/main" val="4079498656"/>
+                  </a:ext>
+                </a:extLst>
+              </a:tr>
+              <a:tr h="381903">
+                <a:tc>
+                  <a:txBody>
+                    <a:bodyPr/>
+                    <a:lstStyle/>
+                    <a:p>
+                      <a:pPr marL="0" marR="0">
+                        <a:lnSpc>
+                          <a:spcPct val="150000"/>
+                        </a:lnSpc>
+                        <a:spcBef>
+                          <a:spcPts val="0"/>
+                        </a:spcBef>
+                        <a:spcAft>
+                          <a:spcPts val="0"/>
+                        </a:spcAft>
+                      </a:pPr>
+                      <a:r>
+                        <a:rPr lang="en-US" sz="1200">
+                          <a:effectLst/>
+                        </a:rPr>
+                        <a:t>City</a:t>
+                      </a:r>
+                      <a:endParaRPr lang="en-US" sz="1100">
+                        <a:effectLst/>
+                        <a:latin typeface="Calibri" panose="020F0502020204030204" pitchFamily="34" charset="0"/>
+                        <a:ea typeface="Calibri" panose="020F0502020204030204" pitchFamily="34" charset="0"/>
+                        <a:cs typeface="Times New Roman" panose="02020603050405020304" pitchFamily="18" charset="0"/>
+                      </a:endParaRPr>
+                    </a:p>
+                  </a:txBody>
+                  <a:tcPr marL="68580" marR="68580" marT="0" marB="0"/>
+                </a:tc>
+                <a:tc>
+                  <a:txBody>
+                    <a:bodyPr/>
+                    <a:lstStyle/>
+                    <a:p>
+                      <a:pPr marL="0" marR="0">
+                        <a:lnSpc>
+                          <a:spcPct val="150000"/>
+                        </a:lnSpc>
+                        <a:spcBef>
+                          <a:spcPts val="0"/>
+                        </a:spcBef>
+                        <a:spcAft>
+                          <a:spcPts val="0"/>
+                        </a:spcAft>
+                      </a:pPr>
+                      <a:r>
+                        <a:rPr lang="en-US" sz="1200">
+                          <a:effectLst/>
+                        </a:rPr>
+                        <a:t>Varchar </a:t>
+                      </a:r>
+                      <a:endParaRPr lang="en-US" sz="1100">
+                        <a:effectLst/>
+                        <a:latin typeface="Calibri" panose="020F0502020204030204" pitchFamily="34" charset="0"/>
+                        <a:ea typeface="Calibri" panose="020F0502020204030204" pitchFamily="34" charset="0"/>
+                        <a:cs typeface="Times New Roman" panose="02020603050405020304" pitchFamily="18" charset="0"/>
+                      </a:endParaRPr>
+                    </a:p>
+                  </a:txBody>
+                  <a:tcPr marL="68580" marR="68580" marT="0" marB="0"/>
+                </a:tc>
+                <a:tc>
+                  <a:txBody>
+                    <a:bodyPr/>
+                    <a:lstStyle/>
+                    <a:p>
+                      <a:pPr marL="0" marR="0">
+                        <a:lnSpc>
+                          <a:spcPct val="150000"/>
+                        </a:lnSpc>
+                        <a:spcBef>
+                          <a:spcPts val="0"/>
+                        </a:spcBef>
+                        <a:spcAft>
+                          <a:spcPts val="0"/>
+                        </a:spcAft>
+                      </a:pPr>
+                      <a:r>
+                        <a:rPr lang="en-US" sz="1200">
+                          <a:effectLst/>
+                        </a:rPr>
+                        <a:t>10</a:t>
+                      </a:r>
+                      <a:endParaRPr lang="en-US" sz="1100">
+                        <a:effectLst/>
+                        <a:latin typeface="Calibri" panose="020F0502020204030204" pitchFamily="34" charset="0"/>
+                        <a:ea typeface="Calibri" panose="020F0502020204030204" pitchFamily="34" charset="0"/>
+                        <a:cs typeface="Times New Roman" panose="02020603050405020304" pitchFamily="18" charset="0"/>
+                      </a:endParaRPr>
+                    </a:p>
+                  </a:txBody>
+                  <a:tcPr marL="68580" marR="68580" marT="0" marB="0"/>
+                </a:tc>
+                <a:tc>
+                  <a:txBody>
+                    <a:bodyPr/>
+                    <a:lstStyle/>
+                    <a:p>
+                      <a:pPr marL="0" marR="0">
+                        <a:lnSpc>
+                          <a:spcPct val="150000"/>
+                        </a:lnSpc>
+                        <a:spcBef>
+                          <a:spcPts val="0"/>
+                        </a:spcBef>
+                        <a:spcAft>
+                          <a:spcPts val="0"/>
+                        </a:spcAft>
+                      </a:pPr>
+                      <a:r>
+                        <a:rPr lang="en-US" sz="1200">
+                          <a:effectLst/>
+                        </a:rPr>
+                        <a:t>Not null</a:t>
+                      </a:r>
+                      <a:endParaRPr lang="en-US" sz="1100">
+                        <a:effectLst/>
+                        <a:latin typeface="Calibri" panose="020F0502020204030204" pitchFamily="34" charset="0"/>
+                        <a:ea typeface="Calibri" panose="020F0502020204030204" pitchFamily="34" charset="0"/>
+                        <a:cs typeface="Times New Roman" panose="02020603050405020304" pitchFamily="18" charset="0"/>
+                      </a:endParaRPr>
+                    </a:p>
+                  </a:txBody>
+                  <a:tcPr marL="68580" marR="68580" marT="0" marB="0"/>
+                </a:tc>
+                <a:extLst>
+                  <a:ext uri="{0D108BD9-81ED-4DB2-BD59-A6C34878D82A}">
+                    <a16:rowId xmlns:a16="http://schemas.microsoft.com/office/drawing/2014/main" val="2552382151"/>
+                  </a:ext>
+                </a:extLst>
+              </a:tr>
+              <a:tr h="381903">
+                <a:tc>
+                  <a:txBody>
+                    <a:bodyPr/>
+                    <a:lstStyle/>
+                    <a:p>
+                      <a:pPr marL="0" marR="0">
+                        <a:lnSpc>
+                          <a:spcPct val="150000"/>
+                        </a:lnSpc>
+                        <a:spcBef>
+                          <a:spcPts val="0"/>
+                        </a:spcBef>
+                        <a:spcAft>
+                          <a:spcPts val="0"/>
+                        </a:spcAft>
+                      </a:pPr>
+                      <a:r>
+                        <a:rPr lang="en-US" sz="1200">
+                          <a:effectLst/>
+                        </a:rPr>
+                        <a:t>Country</a:t>
+                      </a:r>
+                      <a:endParaRPr lang="en-US" sz="1100">
+                        <a:effectLst/>
+                        <a:latin typeface="Calibri" panose="020F0502020204030204" pitchFamily="34" charset="0"/>
+                        <a:ea typeface="Calibri" panose="020F0502020204030204" pitchFamily="34" charset="0"/>
+                        <a:cs typeface="Times New Roman" panose="02020603050405020304" pitchFamily="18" charset="0"/>
+                      </a:endParaRPr>
+                    </a:p>
+                  </a:txBody>
+                  <a:tcPr marL="68580" marR="68580" marT="0" marB="0"/>
+                </a:tc>
+                <a:tc>
+                  <a:txBody>
+                    <a:bodyPr/>
+                    <a:lstStyle/>
+                    <a:p>
+                      <a:pPr marL="0" marR="0">
+                        <a:lnSpc>
+                          <a:spcPct val="150000"/>
+                        </a:lnSpc>
+                        <a:spcBef>
+                          <a:spcPts val="0"/>
+                        </a:spcBef>
+                        <a:spcAft>
+                          <a:spcPts val="0"/>
+                        </a:spcAft>
+                      </a:pPr>
+                      <a:r>
+                        <a:rPr lang="en-US" sz="1200">
+                          <a:effectLst/>
+                        </a:rPr>
+                        <a:t>Varchar </a:t>
+                      </a:r>
+                      <a:endParaRPr lang="en-US" sz="1100">
+                        <a:effectLst/>
+                        <a:latin typeface="Calibri" panose="020F0502020204030204" pitchFamily="34" charset="0"/>
+                        <a:ea typeface="Calibri" panose="020F0502020204030204" pitchFamily="34" charset="0"/>
+                        <a:cs typeface="Times New Roman" panose="02020603050405020304" pitchFamily="18" charset="0"/>
+                      </a:endParaRPr>
+                    </a:p>
+                  </a:txBody>
+                  <a:tcPr marL="68580" marR="68580" marT="0" marB="0"/>
+                </a:tc>
+                <a:tc>
+                  <a:txBody>
+                    <a:bodyPr/>
+                    <a:lstStyle/>
+                    <a:p>
+                      <a:pPr marL="0" marR="0">
+                        <a:lnSpc>
+                          <a:spcPct val="150000"/>
+                        </a:lnSpc>
+                        <a:spcBef>
+                          <a:spcPts val="0"/>
+                        </a:spcBef>
+                        <a:spcAft>
+                          <a:spcPts val="0"/>
+                        </a:spcAft>
+                      </a:pPr>
+                      <a:r>
+                        <a:rPr lang="en-US" sz="1200">
+                          <a:effectLst/>
+                        </a:rPr>
+                        <a:t>10</a:t>
+                      </a:r>
+                      <a:endParaRPr lang="en-US" sz="1100">
+                        <a:effectLst/>
+                        <a:latin typeface="Calibri" panose="020F0502020204030204" pitchFamily="34" charset="0"/>
+                        <a:ea typeface="Calibri" panose="020F0502020204030204" pitchFamily="34" charset="0"/>
+                        <a:cs typeface="Times New Roman" panose="02020603050405020304" pitchFamily="18" charset="0"/>
+                      </a:endParaRPr>
+                    </a:p>
+                  </a:txBody>
+                  <a:tcPr marL="68580" marR="68580" marT="0" marB="0"/>
+                </a:tc>
+                <a:tc>
+                  <a:txBody>
+                    <a:bodyPr/>
+                    <a:lstStyle/>
+                    <a:p>
+                      <a:pPr marL="0" marR="0">
+                        <a:lnSpc>
+                          <a:spcPct val="150000"/>
+                        </a:lnSpc>
+                        <a:spcBef>
+                          <a:spcPts val="0"/>
+                        </a:spcBef>
+                        <a:spcAft>
+                          <a:spcPts val="0"/>
+                        </a:spcAft>
+                      </a:pPr>
+                      <a:r>
+                        <a:rPr lang="en-US" sz="1200">
+                          <a:effectLst/>
+                        </a:rPr>
+                        <a:t>Not null</a:t>
+                      </a:r>
+                      <a:endParaRPr lang="en-US" sz="1100">
+                        <a:effectLst/>
+                        <a:latin typeface="Calibri" panose="020F0502020204030204" pitchFamily="34" charset="0"/>
+                        <a:ea typeface="Calibri" panose="020F0502020204030204" pitchFamily="34" charset="0"/>
+                        <a:cs typeface="Times New Roman" panose="02020603050405020304" pitchFamily="18" charset="0"/>
+                      </a:endParaRPr>
+                    </a:p>
+                  </a:txBody>
+                  <a:tcPr marL="68580" marR="68580" marT="0" marB="0"/>
+                </a:tc>
+                <a:extLst>
+                  <a:ext uri="{0D108BD9-81ED-4DB2-BD59-A6C34878D82A}">
+                    <a16:rowId xmlns:a16="http://schemas.microsoft.com/office/drawing/2014/main" val="3767926155"/>
+                  </a:ext>
+                </a:extLst>
+              </a:tr>
+              <a:tr h="381903">
+                <a:tc>
+                  <a:txBody>
+                    <a:bodyPr/>
+                    <a:lstStyle/>
+                    <a:p>
+                      <a:pPr marL="0" marR="0">
+                        <a:lnSpc>
+                          <a:spcPct val="150000"/>
+                        </a:lnSpc>
+                        <a:spcBef>
+                          <a:spcPts val="0"/>
+                        </a:spcBef>
+                        <a:spcAft>
+                          <a:spcPts val="0"/>
+                        </a:spcAft>
+                      </a:pPr>
+                      <a:r>
+                        <a:rPr lang="en-US" sz="1200">
+                          <a:effectLst/>
+                        </a:rPr>
+                        <a:t>address</a:t>
+                      </a:r>
+                      <a:endParaRPr lang="en-US" sz="1100">
+                        <a:effectLst/>
+                        <a:latin typeface="Calibri" panose="020F0502020204030204" pitchFamily="34" charset="0"/>
+                        <a:ea typeface="Calibri" panose="020F0502020204030204" pitchFamily="34" charset="0"/>
+                        <a:cs typeface="Times New Roman" panose="02020603050405020304" pitchFamily="18" charset="0"/>
+                      </a:endParaRPr>
+                    </a:p>
+                  </a:txBody>
+                  <a:tcPr marL="68580" marR="68580" marT="0" marB="0"/>
+                </a:tc>
+                <a:tc>
+                  <a:txBody>
+                    <a:bodyPr/>
+                    <a:lstStyle/>
+                    <a:p>
+                      <a:pPr marL="0" marR="0">
+                        <a:lnSpc>
+                          <a:spcPct val="150000"/>
+                        </a:lnSpc>
+                        <a:spcBef>
+                          <a:spcPts val="0"/>
+                        </a:spcBef>
+                        <a:spcAft>
+                          <a:spcPts val="0"/>
+                        </a:spcAft>
+                      </a:pPr>
+                      <a:r>
+                        <a:rPr lang="en-US" sz="1200">
+                          <a:effectLst/>
+                        </a:rPr>
+                        <a:t>Varchar </a:t>
+                      </a:r>
+                      <a:endParaRPr lang="en-US" sz="1100">
+                        <a:effectLst/>
+                        <a:latin typeface="Calibri" panose="020F0502020204030204" pitchFamily="34" charset="0"/>
+                        <a:ea typeface="Calibri" panose="020F0502020204030204" pitchFamily="34" charset="0"/>
+                        <a:cs typeface="Times New Roman" panose="02020603050405020304" pitchFamily="18" charset="0"/>
+                      </a:endParaRPr>
+                    </a:p>
+                  </a:txBody>
+                  <a:tcPr marL="68580" marR="68580" marT="0" marB="0"/>
+                </a:tc>
+                <a:tc>
+                  <a:txBody>
+                    <a:bodyPr/>
+                    <a:lstStyle/>
+                    <a:p>
+                      <a:pPr marL="0" marR="0">
+                        <a:lnSpc>
+                          <a:spcPct val="150000"/>
+                        </a:lnSpc>
+                        <a:spcBef>
+                          <a:spcPts val="0"/>
+                        </a:spcBef>
+                        <a:spcAft>
+                          <a:spcPts val="0"/>
+                        </a:spcAft>
+                      </a:pPr>
+                      <a:r>
+                        <a:rPr lang="en-US" sz="1200">
+                          <a:effectLst/>
+                        </a:rPr>
+                        <a:t>30</a:t>
+                      </a:r>
+                      <a:endParaRPr lang="en-US" sz="1100">
+                        <a:effectLst/>
+                        <a:latin typeface="Calibri" panose="020F0502020204030204" pitchFamily="34" charset="0"/>
+                        <a:ea typeface="Calibri" panose="020F0502020204030204" pitchFamily="34" charset="0"/>
+                        <a:cs typeface="Times New Roman" panose="02020603050405020304" pitchFamily="18" charset="0"/>
+                      </a:endParaRPr>
+                    </a:p>
+                  </a:txBody>
+                  <a:tcPr marL="68580" marR="68580" marT="0" marB="0"/>
+                </a:tc>
+                <a:tc>
+                  <a:txBody>
+                    <a:bodyPr/>
+                    <a:lstStyle/>
+                    <a:p>
+                      <a:pPr marL="0" marR="0">
+                        <a:lnSpc>
+                          <a:spcPct val="150000"/>
+                        </a:lnSpc>
+                        <a:spcBef>
+                          <a:spcPts val="0"/>
+                        </a:spcBef>
+                        <a:spcAft>
+                          <a:spcPts val="0"/>
+                        </a:spcAft>
+                      </a:pPr>
+                      <a:r>
+                        <a:rPr lang="en-US" sz="1200">
+                          <a:effectLst/>
+                        </a:rPr>
+                        <a:t>Not null</a:t>
+                      </a:r>
+                      <a:endParaRPr lang="en-US" sz="1100">
+                        <a:effectLst/>
+                        <a:latin typeface="Calibri" panose="020F0502020204030204" pitchFamily="34" charset="0"/>
+                        <a:ea typeface="Calibri" panose="020F0502020204030204" pitchFamily="34" charset="0"/>
+                        <a:cs typeface="Times New Roman" panose="02020603050405020304" pitchFamily="18" charset="0"/>
+                      </a:endParaRPr>
+                    </a:p>
+                  </a:txBody>
+                  <a:tcPr marL="68580" marR="68580" marT="0" marB="0"/>
+                </a:tc>
+                <a:extLst>
+                  <a:ext uri="{0D108BD9-81ED-4DB2-BD59-A6C34878D82A}">
+                    <a16:rowId xmlns:a16="http://schemas.microsoft.com/office/drawing/2014/main" val="845773375"/>
+                  </a:ext>
+                </a:extLst>
+              </a:tr>
+              <a:tr h="381903">
+                <a:tc>
+                  <a:txBody>
+                    <a:bodyPr/>
+                    <a:lstStyle/>
+                    <a:p>
+                      <a:pPr marL="0" marR="0">
+                        <a:lnSpc>
+                          <a:spcPct val="150000"/>
+                        </a:lnSpc>
+                        <a:spcBef>
+                          <a:spcPts val="0"/>
+                        </a:spcBef>
+                        <a:spcAft>
+                          <a:spcPts val="0"/>
+                        </a:spcAft>
+                      </a:pPr>
+                      <a:r>
+                        <a:rPr lang="en-US" sz="1200">
+                          <a:effectLst/>
+                        </a:rPr>
+                        <a:t>Phone number</a:t>
+                      </a:r>
+                      <a:endParaRPr lang="en-US" sz="1100">
+                        <a:effectLst/>
+                        <a:latin typeface="Calibri" panose="020F0502020204030204" pitchFamily="34" charset="0"/>
+                        <a:ea typeface="Calibri" panose="020F0502020204030204" pitchFamily="34" charset="0"/>
+                        <a:cs typeface="Times New Roman" panose="02020603050405020304" pitchFamily="18" charset="0"/>
+                      </a:endParaRPr>
+                    </a:p>
+                  </a:txBody>
+                  <a:tcPr marL="68580" marR="68580" marT="0" marB="0"/>
+                </a:tc>
+                <a:tc>
+                  <a:txBody>
+                    <a:bodyPr/>
+                    <a:lstStyle/>
+                    <a:p>
+                      <a:pPr marL="0" marR="0">
+                        <a:lnSpc>
+                          <a:spcPct val="150000"/>
+                        </a:lnSpc>
+                        <a:spcBef>
+                          <a:spcPts val="0"/>
+                        </a:spcBef>
+                        <a:spcAft>
+                          <a:spcPts val="0"/>
+                        </a:spcAft>
+                      </a:pPr>
+                      <a:r>
+                        <a:rPr lang="en-US" sz="1200">
+                          <a:effectLst/>
+                        </a:rPr>
+                        <a:t>Int</a:t>
+                      </a:r>
+                      <a:endParaRPr lang="en-US" sz="1100">
+                        <a:effectLst/>
+                        <a:latin typeface="Calibri" panose="020F0502020204030204" pitchFamily="34" charset="0"/>
+                        <a:ea typeface="Calibri" panose="020F0502020204030204" pitchFamily="34" charset="0"/>
+                        <a:cs typeface="Times New Roman" panose="02020603050405020304" pitchFamily="18" charset="0"/>
+                      </a:endParaRPr>
+                    </a:p>
+                  </a:txBody>
+                  <a:tcPr marL="68580" marR="68580" marT="0" marB="0"/>
+                </a:tc>
+                <a:tc>
+                  <a:txBody>
+                    <a:bodyPr/>
+                    <a:lstStyle/>
+                    <a:p>
+                      <a:pPr marL="0" marR="0">
+                        <a:lnSpc>
+                          <a:spcPct val="150000"/>
+                        </a:lnSpc>
+                        <a:spcBef>
+                          <a:spcPts val="0"/>
+                        </a:spcBef>
+                        <a:spcAft>
+                          <a:spcPts val="0"/>
+                        </a:spcAft>
+                      </a:pPr>
+                      <a:r>
+                        <a:rPr lang="en-US" sz="1200">
+                          <a:effectLst/>
+                        </a:rPr>
+                        <a:t>10</a:t>
+                      </a:r>
+                      <a:endParaRPr lang="en-US" sz="1100">
+                        <a:effectLst/>
+                        <a:latin typeface="Calibri" panose="020F0502020204030204" pitchFamily="34" charset="0"/>
+                        <a:ea typeface="Calibri" panose="020F0502020204030204" pitchFamily="34" charset="0"/>
+                        <a:cs typeface="Times New Roman" panose="02020603050405020304" pitchFamily="18" charset="0"/>
+                      </a:endParaRPr>
+                    </a:p>
+                  </a:txBody>
+                  <a:tcPr marL="68580" marR="68580" marT="0" marB="0"/>
+                </a:tc>
+                <a:tc>
+                  <a:txBody>
+                    <a:bodyPr/>
+                    <a:lstStyle/>
+                    <a:p>
+                      <a:pPr marL="0" marR="0">
+                        <a:lnSpc>
+                          <a:spcPct val="150000"/>
+                        </a:lnSpc>
+                        <a:spcBef>
+                          <a:spcPts val="0"/>
+                        </a:spcBef>
+                        <a:spcAft>
+                          <a:spcPts val="0"/>
+                        </a:spcAft>
+                      </a:pPr>
+                      <a:r>
+                        <a:rPr lang="en-US" sz="1200" dirty="0">
+                          <a:effectLst/>
+                        </a:rPr>
+                        <a:t>Not null</a:t>
+                      </a:r>
+                      <a:endParaRPr lang="en-US" sz="1100" dirty="0">
+                        <a:effectLst/>
+                        <a:latin typeface="Calibri" panose="020F0502020204030204" pitchFamily="34" charset="0"/>
+                        <a:ea typeface="Calibri" panose="020F0502020204030204" pitchFamily="34" charset="0"/>
+                        <a:cs typeface="Times New Roman" panose="02020603050405020304" pitchFamily="18" charset="0"/>
+                      </a:endParaRPr>
+                    </a:p>
+                  </a:txBody>
+                  <a:tcPr marL="68580" marR="68580" marT="0" marB="0"/>
+                </a:tc>
+                <a:extLst>
+                  <a:ext uri="{0D108BD9-81ED-4DB2-BD59-A6C34878D82A}">
+                    <a16:rowId xmlns:a16="http://schemas.microsoft.com/office/drawing/2014/main" val="1857579953"/>
+                  </a:ext>
+                </a:extLst>
+              </a:tr>
+            </a:tbl>
+          </a:graphicData>
+        </a:graphic>
+      </p:graphicFrame>
     </p:spTree>
     <p:extLst>
       <p:ext uri="{BB962C8B-B14F-4D97-AF65-F5344CB8AC3E}">
-        <p14:creationId xmlns:p14="http://schemas.microsoft.com/office/powerpoint/2010/main" xmlns="" val="3224667788"/>
+        <p14:creationId xmlns:p14="http://schemas.microsoft.com/office/powerpoint/2010/main" val="4019325985"/>
+      </p:ext>
+    </p:extLst>
+  </p:cSld>
+  <p:clrMapOvr>
+    <a:masterClrMapping/>
+  </p:clrMapOvr>
+</p:sld>
+</file>
+
+<file path=ppt/slides/slide14.xml><?xml version="1.0" encoding="utf-8"?>
+<p:sld xmlns:a="http://schemas.openxmlformats.org/drawingml/2006/main" xmlns:r="http://schemas.openxmlformats.org/officeDocument/2006/relationships" xmlns:p="http://schemas.openxmlformats.org/presentationml/2006/main">
+  <p:cSld>
+    <p:spTree>
+      <p:nvGrpSpPr>
+        <p:cNvPr id="1" name=""/>
+        <p:cNvGrpSpPr/>
+        <p:nvPr/>
+      </p:nvGrpSpPr>
+      <p:grpSpPr>
+        <a:xfrm>
+          <a:off x="0" y="0"/>
+          <a:ext cx="0" cy="0"/>
+          <a:chOff x="0" y="0"/>
+          <a:chExt cx="0" cy="0"/>
+        </a:xfrm>
+      </p:grpSpPr>
+      <p:sp>
+        <p:nvSpPr>
+          <p:cNvPr id="2" name="Title 1">
+            <a:extLst>
+              <a:ext uri="{FF2B5EF4-FFF2-40B4-BE49-F238E27FC236}">
+                <a16:creationId xmlns:a16="http://schemas.microsoft.com/office/drawing/2014/main" id="{6572FE37-C5E9-4C6D-B1B3-EA938A4F5140}"/>
+              </a:ext>
+            </a:extLst>
+          </p:cNvPr>
+          <p:cNvSpPr>
+            <a:spLocks noGrp="1"/>
+          </p:cNvSpPr>
+          <p:nvPr>
+            <p:ph type="title"/>
+          </p:nvPr>
+        </p:nvSpPr>
+        <p:spPr/>
+        <p:txBody>
+          <a:bodyPr/>
+          <a:lstStyle/>
+          <a:p>
+            <a:r>
+              <a:rPr lang="en-US" sz="1800" b="1" dirty="0">
+                <a:effectLst/>
+                <a:latin typeface="Times New Roman" panose="02020603050405020304" pitchFamily="18" charset="0"/>
+                <a:ea typeface="Calibri" panose="020F0502020204030204" pitchFamily="34" charset="0"/>
+                <a:cs typeface="Times New Roman" panose="02020603050405020304" pitchFamily="18" charset="0"/>
+              </a:rPr>
+              <a:t>TABLE NAME: LEAVE TYPE</a:t>
+            </a:r>
+            <a:br>
+              <a:rPr lang="en-US" sz="1800" dirty="0">
+                <a:effectLst/>
+                <a:latin typeface="Calibri" panose="020F0502020204030204" pitchFamily="34" charset="0"/>
+                <a:ea typeface="Calibri" panose="020F0502020204030204" pitchFamily="34" charset="0"/>
+                <a:cs typeface="Times New Roman" panose="02020603050405020304" pitchFamily="18" charset="0"/>
+              </a:rPr>
+            </a:br>
+            <a:endParaRPr lang="en-US" dirty="0"/>
+          </a:p>
+        </p:txBody>
+      </p:sp>
+      <p:graphicFrame>
+        <p:nvGraphicFramePr>
+          <p:cNvPr id="8" name="Content Placeholder 7">
+            <a:extLst>
+              <a:ext uri="{FF2B5EF4-FFF2-40B4-BE49-F238E27FC236}">
+                <a16:creationId xmlns:a16="http://schemas.microsoft.com/office/drawing/2014/main" id="{DB4BF4CC-0FB9-429B-BD48-D0CAD4491A13}"/>
+              </a:ext>
+            </a:extLst>
+          </p:cNvPr>
+          <p:cNvGraphicFramePr>
+            <a:graphicFrameLocks noGrp="1"/>
+          </p:cNvGraphicFramePr>
+          <p:nvPr>
+            <p:ph idx="1"/>
+            <p:extLst>
+              <p:ext uri="{D42A27DB-BD31-4B8C-83A1-F6EECF244321}">
+                <p14:modId xmlns:p14="http://schemas.microsoft.com/office/powerpoint/2010/main" val="3474581883"/>
+              </p:ext>
+            </p:extLst>
+          </p:nvPr>
+        </p:nvGraphicFramePr>
+        <p:xfrm>
+          <a:off x="2464904" y="2504661"/>
+          <a:ext cx="6564796" cy="2119124"/>
+        </p:xfrm>
+        <a:graphic>
+          <a:graphicData uri="http://schemas.openxmlformats.org/drawingml/2006/table">
+            <a:tbl>
+              <a:tblPr firstRow="1" firstCol="1" bandRow="1">
+                <a:tableStyleId>{5C22544A-7EE6-4342-B048-85BDC9FD1C3A}</a:tableStyleId>
+              </a:tblPr>
+              <a:tblGrid>
+                <a:gridCol w="1640844">
+                  <a:extLst>
+                    <a:ext uri="{9D8B030D-6E8A-4147-A177-3AD203B41FA5}">
+                      <a16:colId xmlns:a16="http://schemas.microsoft.com/office/drawing/2014/main" val="2717274333"/>
+                    </a:ext>
+                  </a:extLst>
+                </a:gridCol>
+                <a:gridCol w="1640844">
+                  <a:extLst>
+                    <a:ext uri="{9D8B030D-6E8A-4147-A177-3AD203B41FA5}">
+                      <a16:colId xmlns:a16="http://schemas.microsoft.com/office/drawing/2014/main" val="1080612417"/>
+                    </a:ext>
+                  </a:extLst>
+                </a:gridCol>
+                <a:gridCol w="1641554">
+                  <a:extLst>
+                    <a:ext uri="{9D8B030D-6E8A-4147-A177-3AD203B41FA5}">
+                      <a16:colId xmlns:a16="http://schemas.microsoft.com/office/drawing/2014/main" val="3062297583"/>
+                    </a:ext>
+                  </a:extLst>
+                </a:gridCol>
+                <a:gridCol w="1641554">
+                  <a:extLst>
+                    <a:ext uri="{9D8B030D-6E8A-4147-A177-3AD203B41FA5}">
+                      <a16:colId xmlns:a16="http://schemas.microsoft.com/office/drawing/2014/main" val="1556528550"/>
+                    </a:ext>
+                  </a:extLst>
+                </a:gridCol>
+              </a:tblGrid>
+              <a:tr h="529781">
+                <a:tc>
+                  <a:txBody>
+                    <a:bodyPr/>
+                    <a:lstStyle/>
+                    <a:p>
+                      <a:pPr marL="0" marR="0">
+                        <a:lnSpc>
+                          <a:spcPct val="150000"/>
+                        </a:lnSpc>
+                        <a:spcBef>
+                          <a:spcPts val="0"/>
+                        </a:spcBef>
+                        <a:spcAft>
+                          <a:spcPts val="0"/>
+                        </a:spcAft>
+                      </a:pPr>
+                      <a:r>
+                        <a:rPr lang="en-US" sz="1200">
+                          <a:effectLst/>
+                        </a:rPr>
+                        <a:t>FIELD </a:t>
+                      </a:r>
+                      <a:endParaRPr lang="en-US" sz="1100">
+                        <a:effectLst/>
+                        <a:latin typeface="Calibri" panose="020F0502020204030204" pitchFamily="34" charset="0"/>
+                        <a:ea typeface="Calibri" panose="020F0502020204030204" pitchFamily="34" charset="0"/>
+                        <a:cs typeface="Times New Roman" panose="02020603050405020304" pitchFamily="18" charset="0"/>
+                      </a:endParaRPr>
+                    </a:p>
+                  </a:txBody>
+                  <a:tcPr marL="68580" marR="68580" marT="0" marB="0"/>
+                </a:tc>
+                <a:tc>
+                  <a:txBody>
+                    <a:bodyPr/>
+                    <a:lstStyle/>
+                    <a:p>
+                      <a:pPr marL="0" marR="0">
+                        <a:lnSpc>
+                          <a:spcPct val="150000"/>
+                        </a:lnSpc>
+                        <a:spcBef>
+                          <a:spcPts val="0"/>
+                        </a:spcBef>
+                        <a:spcAft>
+                          <a:spcPts val="0"/>
+                        </a:spcAft>
+                      </a:pPr>
+                      <a:r>
+                        <a:rPr lang="en-US" sz="1200">
+                          <a:effectLst/>
+                        </a:rPr>
+                        <a:t>DATA TYPE</a:t>
+                      </a:r>
+                      <a:endParaRPr lang="en-US" sz="1100">
+                        <a:effectLst/>
+                        <a:latin typeface="Calibri" panose="020F0502020204030204" pitchFamily="34" charset="0"/>
+                        <a:ea typeface="Calibri" panose="020F0502020204030204" pitchFamily="34" charset="0"/>
+                        <a:cs typeface="Times New Roman" panose="02020603050405020304" pitchFamily="18" charset="0"/>
+                      </a:endParaRPr>
+                    </a:p>
+                  </a:txBody>
+                  <a:tcPr marL="68580" marR="68580" marT="0" marB="0"/>
+                </a:tc>
+                <a:tc>
+                  <a:txBody>
+                    <a:bodyPr/>
+                    <a:lstStyle/>
+                    <a:p>
+                      <a:pPr marL="0" marR="0">
+                        <a:lnSpc>
+                          <a:spcPct val="150000"/>
+                        </a:lnSpc>
+                        <a:spcBef>
+                          <a:spcPts val="0"/>
+                        </a:spcBef>
+                        <a:spcAft>
+                          <a:spcPts val="0"/>
+                        </a:spcAft>
+                      </a:pPr>
+                      <a:r>
+                        <a:rPr lang="en-US" sz="1200">
+                          <a:effectLst/>
+                        </a:rPr>
+                        <a:t>SIZE</a:t>
+                      </a:r>
+                      <a:endParaRPr lang="en-US" sz="1100">
+                        <a:effectLst/>
+                        <a:latin typeface="Calibri" panose="020F0502020204030204" pitchFamily="34" charset="0"/>
+                        <a:ea typeface="Calibri" panose="020F0502020204030204" pitchFamily="34" charset="0"/>
+                        <a:cs typeface="Times New Roman" panose="02020603050405020304" pitchFamily="18" charset="0"/>
+                      </a:endParaRPr>
+                    </a:p>
+                  </a:txBody>
+                  <a:tcPr marL="68580" marR="68580" marT="0" marB="0"/>
+                </a:tc>
+                <a:tc>
+                  <a:txBody>
+                    <a:bodyPr/>
+                    <a:lstStyle/>
+                    <a:p>
+                      <a:pPr marL="0" marR="0">
+                        <a:lnSpc>
+                          <a:spcPct val="150000"/>
+                        </a:lnSpc>
+                        <a:spcBef>
+                          <a:spcPts val="0"/>
+                        </a:spcBef>
+                        <a:spcAft>
+                          <a:spcPts val="0"/>
+                        </a:spcAft>
+                      </a:pPr>
+                      <a:r>
+                        <a:rPr lang="en-US" sz="1200">
+                          <a:effectLst/>
+                        </a:rPr>
+                        <a:t>CONSTRAINT</a:t>
+                      </a:r>
+                      <a:endParaRPr lang="en-US" sz="1100">
+                        <a:effectLst/>
+                        <a:latin typeface="Calibri" panose="020F0502020204030204" pitchFamily="34" charset="0"/>
+                        <a:ea typeface="Calibri" panose="020F0502020204030204" pitchFamily="34" charset="0"/>
+                        <a:cs typeface="Times New Roman" panose="02020603050405020304" pitchFamily="18" charset="0"/>
+                      </a:endParaRPr>
+                    </a:p>
+                  </a:txBody>
+                  <a:tcPr marL="68580" marR="68580" marT="0" marB="0"/>
+                </a:tc>
+                <a:extLst>
+                  <a:ext uri="{0D108BD9-81ED-4DB2-BD59-A6C34878D82A}">
+                    <a16:rowId xmlns:a16="http://schemas.microsoft.com/office/drawing/2014/main" val="1230894205"/>
+                  </a:ext>
+                </a:extLst>
+              </a:tr>
+              <a:tr h="529781">
+                <a:tc>
+                  <a:txBody>
+                    <a:bodyPr/>
+                    <a:lstStyle/>
+                    <a:p>
+                      <a:pPr marL="0" marR="0">
+                        <a:lnSpc>
+                          <a:spcPct val="150000"/>
+                        </a:lnSpc>
+                        <a:spcBef>
+                          <a:spcPts val="0"/>
+                        </a:spcBef>
+                        <a:spcAft>
+                          <a:spcPts val="0"/>
+                        </a:spcAft>
+                      </a:pPr>
+                      <a:r>
+                        <a:rPr lang="en-US" sz="1200">
+                          <a:effectLst/>
+                        </a:rPr>
+                        <a:t>Type id</a:t>
+                      </a:r>
+                      <a:endParaRPr lang="en-US" sz="1100">
+                        <a:effectLst/>
+                        <a:latin typeface="Calibri" panose="020F0502020204030204" pitchFamily="34" charset="0"/>
+                        <a:ea typeface="Calibri" panose="020F0502020204030204" pitchFamily="34" charset="0"/>
+                        <a:cs typeface="Times New Roman" panose="02020603050405020304" pitchFamily="18" charset="0"/>
+                      </a:endParaRPr>
+                    </a:p>
+                  </a:txBody>
+                  <a:tcPr marL="68580" marR="68580" marT="0" marB="0"/>
+                </a:tc>
+                <a:tc>
+                  <a:txBody>
+                    <a:bodyPr/>
+                    <a:lstStyle/>
+                    <a:p>
+                      <a:pPr marL="0" marR="0">
+                        <a:lnSpc>
+                          <a:spcPct val="150000"/>
+                        </a:lnSpc>
+                        <a:spcBef>
+                          <a:spcPts val="0"/>
+                        </a:spcBef>
+                        <a:spcAft>
+                          <a:spcPts val="0"/>
+                        </a:spcAft>
+                      </a:pPr>
+                      <a:r>
+                        <a:rPr lang="en-US" sz="1200">
+                          <a:effectLst/>
+                        </a:rPr>
+                        <a:t>Int</a:t>
+                      </a:r>
+                      <a:endParaRPr lang="en-US" sz="1100">
+                        <a:effectLst/>
+                        <a:latin typeface="Calibri" panose="020F0502020204030204" pitchFamily="34" charset="0"/>
+                        <a:ea typeface="Calibri" panose="020F0502020204030204" pitchFamily="34" charset="0"/>
+                        <a:cs typeface="Times New Roman" panose="02020603050405020304" pitchFamily="18" charset="0"/>
+                      </a:endParaRPr>
+                    </a:p>
+                  </a:txBody>
+                  <a:tcPr marL="68580" marR="68580" marT="0" marB="0"/>
+                </a:tc>
+                <a:tc>
+                  <a:txBody>
+                    <a:bodyPr/>
+                    <a:lstStyle/>
+                    <a:p>
+                      <a:pPr marL="0" marR="0">
+                        <a:lnSpc>
+                          <a:spcPct val="150000"/>
+                        </a:lnSpc>
+                        <a:spcBef>
+                          <a:spcPts val="0"/>
+                        </a:spcBef>
+                        <a:spcAft>
+                          <a:spcPts val="0"/>
+                        </a:spcAft>
+                      </a:pPr>
+                      <a:r>
+                        <a:rPr lang="en-US" sz="1200">
+                          <a:effectLst/>
+                        </a:rPr>
+                        <a:t>10</a:t>
+                      </a:r>
+                      <a:endParaRPr lang="en-US" sz="1100">
+                        <a:effectLst/>
+                        <a:latin typeface="Calibri" panose="020F0502020204030204" pitchFamily="34" charset="0"/>
+                        <a:ea typeface="Calibri" panose="020F0502020204030204" pitchFamily="34" charset="0"/>
+                        <a:cs typeface="Times New Roman" panose="02020603050405020304" pitchFamily="18" charset="0"/>
+                      </a:endParaRPr>
+                    </a:p>
+                  </a:txBody>
+                  <a:tcPr marL="68580" marR="68580" marT="0" marB="0"/>
+                </a:tc>
+                <a:tc>
+                  <a:txBody>
+                    <a:bodyPr/>
+                    <a:lstStyle/>
+                    <a:p>
+                      <a:pPr marL="0" marR="0">
+                        <a:lnSpc>
+                          <a:spcPct val="150000"/>
+                        </a:lnSpc>
+                        <a:spcBef>
+                          <a:spcPts val="0"/>
+                        </a:spcBef>
+                        <a:spcAft>
+                          <a:spcPts val="0"/>
+                        </a:spcAft>
+                      </a:pPr>
+                      <a:r>
+                        <a:rPr lang="en-US" sz="1200">
+                          <a:effectLst/>
+                        </a:rPr>
+                        <a:t>Primary key</a:t>
+                      </a:r>
+                      <a:endParaRPr lang="en-US" sz="1100">
+                        <a:effectLst/>
+                        <a:latin typeface="Calibri" panose="020F0502020204030204" pitchFamily="34" charset="0"/>
+                        <a:ea typeface="Calibri" panose="020F0502020204030204" pitchFamily="34" charset="0"/>
+                        <a:cs typeface="Times New Roman" panose="02020603050405020304" pitchFamily="18" charset="0"/>
+                      </a:endParaRPr>
+                    </a:p>
+                  </a:txBody>
+                  <a:tcPr marL="68580" marR="68580" marT="0" marB="0"/>
+                </a:tc>
+                <a:extLst>
+                  <a:ext uri="{0D108BD9-81ED-4DB2-BD59-A6C34878D82A}">
+                    <a16:rowId xmlns:a16="http://schemas.microsoft.com/office/drawing/2014/main" val="3543132895"/>
+                  </a:ext>
+                </a:extLst>
+              </a:tr>
+              <a:tr h="529781">
+                <a:tc>
+                  <a:txBody>
+                    <a:bodyPr/>
+                    <a:lstStyle/>
+                    <a:p>
+                      <a:pPr marL="0" marR="0">
+                        <a:lnSpc>
+                          <a:spcPct val="150000"/>
+                        </a:lnSpc>
+                        <a:spcBef>
+                          <a:spcPts val="0"/>
+                        </a:spcBef>
+                        <a:spcAft>
+                          <a:spcPts val="0"/>
+                        </a:spcAft>
+                      </a:pPr>
+                      <a:r>
+                        <a:rPr lang="en-US" sz="1200">
+                          <a:effectLst/>
+                        </a:rPr>
+                        <a:t>Leave name</a:t>
+                      </a:r>
+                      <a:endParaRPr lang="en-US" sz="1100">
+                        <a:effectLst/>
+                        <a:latin typeface="Calibri" panose="020F0502020204030204" pitchFamily="34" charset="0"/>
+                        <a:ea typeface="Calibri" panose="020F0502020204030204" pitchFamily="34" charset="0"/>
+                        <a:cs typeface="Times New Roman" panose="02020603050405020304" pitchFamily="18" charset="0"/>
+                      </a:endParaRPr>
+                    </a:p>
+                  </a:txBody>
+                  <a:tcPr marL="68580" marR="68580" marT="0" marB="0"/>
+                </a:tc>
+                <a:tc>
+                  <a:txBody>
+                    <a:bodyPr/>
+                    <a:lstStyle/>
+                    <a:p>
+                      <a:pPr marL="0" marR="0">
+                        <a:lnSpc>
+                          <a:spcPct val="150000"/>
+                        </a:lnSpc>
+                        <a:spcBef>
+                          <a:spcPts val="0"/>
+                        </a:spcBef>
+                        <a:spcAft>
+                          <a:spcPts val="0"/>
+                        </a:spcAft>
+                      </a:pPr>
+                      <a:r>
+                        <a:rPr lang="en-US" sz="1200">
+                          <a:effectLst/>
+                        </a:rPr>
+                        <a:t>Varchar </a:t>
+                      </a:r>
+                      <a:endParaRPr lang="en-US" sz="1100">
+                        <a:effectLst/>
+                        <a:latin typeface="Calibri" panose="020F0502020204030204" pitchFamily="34" charset="0"/>
+                        <a:ea typeface="Calibri" panose="020F0502020204030204" pitchFamily="34" charset="0"/>
+                        <a:cs typeface="Times New Roman" panose="02020603050405020304" pitchFamily="18" charset="0"/>
+                      </a:endParaRPr>
+                    </a:p>
+                  </a:txBody>
+                  <a:tcPr marL="68580" marR="68580" marT="0" marB="0"/>
+                </a:tc>
+                <a:tc>
+                  <a:txBody>
+                    <a:bodyPr/>
+                    <a:lstStyle/>
+                    <a:p>
+                      <a:pPr marL="0" marR="0">
+                        <a:lnSpc>
+                          <a:spcPct val="150000"/>
+                        </a:lnSpc>
+                        <a:spcBef>
+                          <a:spcPts val="0"/>
+                        </a:spcBef>
+                        <a:spcAft>
+                          <a:spcPts val="0"/>
+                        </a:spcAft>
+                      </a:pPr>
+                      <a:r>
+                        <a:rPr lang="en-US" sz="1200">
+                          <a:effectLst/>
+                        </a:rPr>
+                        <a:t>20</a:t>
+                      </a:r>
+                      <a:endParaRPr lang="en-US" sz="1100">
+                        <a:effectLst/>
+                        <a:latin typeface="Calibri" panose="020F0502020204030204" pitchFamily="34" charset="0"/>
+                        <a:ea typeface="Calibri" panose="020F0502020204030204" pitchFamily="34" charset="0"/>
+                        <a:cs typeface="Times New Roman" panose="02020603050405020304" pitchFamily="18" charset="0"/>
+                      </a:endParaRPr>
+                    </a:p>
+                  </a:txBody>
+                  <a:tcPr marL="68580" marR="68580" marT="0" marB="0"/>
+                </a:tc>
+                <a:tc>
+                  <a:txBody>
+                    <a:bodyPr/>
+                    <a:lstStyle/>
+                    <a:p>
+                      <a:pPr marL="0" marR="0">
+                        <a:lnSpc>
+                          <a:spcPct val="150000"/>
+                        </a:lnSpc>
+                        <a:spcBef>
+                          <a:spcPts val="0"/>
+                        </a:spcBef>
+                        <a:spcAft>
+                          <a:spcPts val="0"/>
+                        </a:spcAft>
+                      </a:pPr>
+                      <a:r>
+                        <a:rPr lang="en-US" sz="1200">
+                          <a:effectLst/>
+                        </a:rPr>
+                        <a:t>Not null</a:t>
+                      </a:r>
+                      <a:endParaRPr lang="en-US" sz="1100">
+                        <a:effectLst/>
+                        <a:latin typeface="Calibri" panose="020F0502020204030204" pitchFamily="34" charset="0"/>
+                        <a:ea typeface="Calibri" panose="020F0502020204030204" pitchFamily="34" charset="0"/>
+                        <a:cs typeface="Times New Roman" panose="02020603050405020304" pitchFamily="18" charset="0"/>
+                      </a:endParaRPr>
+                    </a:p>
+                  </a:txBody>
+                  <a:tcPr marL="68580" marR="68580" marT="0" marB="0"/>
+                </a:tc>
+                <a:extLst>
+                  <a:ext uri="{0D108BD9-81ED-4DB2-BD59-A6C34878D82A}">
+                    <a16:rowId xmlns:a16="http://schemas.microsoft.com/office/drawing/2014/main" val="3714141068"/>
+                  </a:ext>
+                </a:extLst>
+              </a:tr>
+              <a:tr h="529781">
+                <a:tc>
+                  <a:txBody>
+                    <a:bodyPr/>
+                    <a:lstStyle/>
+                    <a:p>
+                      <a:pPr marL="0" marR="0">
+                        <a:lnSpc>
+                          <a:spcPct val="150000"/>
+                        </a:lnSpc>
+                        <a:spcBef>
+                          <a:spcPts val="0"/>
+                        </a:spcBef>
+                        <a:spcAft>
+                          <a:spcPts val="0"/>
+                        </a:spcAft>
+                      </a:pPr>
+                      <a:r>
+                        <a:rPr lang="en-US" sz="1200">
+                          <a:effectLst/>
+                        </a:rPr>
+                        <a:t>Leave category</a:t>
+                      </a:r>
+                      <a:endParaRPr lang="en-US" sz="1100">
+                        <a:effectLst/>
+                        <a:latin typeface="Calibri" panose="020F0502020204030204" pitchFamily="34" charset="0"/>
+                        <a:ea typeface="Calibri" panose="020F0502020204030204" pitchFamily="34" charset="0"/>
+                        <a:cs typeface="Times New Roman" panose="02020603050405020304" pitchFamily="18" charset="0"/>
+                      </a:endParaRPr>
+                    </a:p>
+                  </a:txBody>
+                  <a:tcPr marL="68580" marR="68580" marT="0" marB="0"/>
+                </a:tc>
+                <a:tc>
+                  <a:txBody>
+                    <a:bodyPr/>
+                    <a:lstStyle/>
+                    <a:p>
+                      <a:pPr marL="0" marR="0">
+                        <a:lnSpc>
+                          <a:spcPct val="150000"/>
+                        </a:lnSpc>
+                        <a:spcBef>
+                          <a:spcPts val="0"/>
+                        </a:spcBef>
+                        <a:spcAft>
+                          <a:spcPts val="0"/>
+                        </a:spcAft>
+                      </a:pPr>
+                      <a:r>
+                        <a:rPr lang="en-US" sz="1200">
+                          <a:effectLst/>
+                        </a:rPr>
+                        <a:t>Varchar </a:t>
+                      </a:r>
+                      <a:endParaRPr lang="en-US" sz="1100">
+                        <a:effectLst/>
+                        <a:latin typeface="Calibri" panose="020F0502020204030204" pitchFamily="34" charset="0"/>
+                        <a:ea typeface="Calibri" panose="020F0502020204030204" pitchFamily="34" charset="0"/>
+                        <a:cs typeface="Times New Roman" panose="02020603050405020304" pitchFamily="18" charset="0"/>
+                      </a:endParaRPr>
+                    </a:p>
+                  </a:txBody>
+                  <a:tcPr marL="68580" marR="68580" marT="0" marB="0"/>
+                </a:tc>
+                <a:tc>
+                  <a:txBody>
+                    <a:bodyPr/>
+                    <a:lstStyle/>
+                    <a:p>
+                      <a:pPr marL="0" marR="0">
+                        <a:lnSpc>
+                          <a:spcPct val="150000"/>
+                        </a:lnSpc>
+                        <a:spcBef>
+                          <a:spcPts val="0"/>
+                        </a:spcBef>
+                        <a:spcAft>
+                          <a:spcPts val="0"/>
+                        </a:spcAft>
+                      </a:pPr>
+                      <a:r>
+                        <a:rPr lang="en-US" sz="1200">
+                          <a:effectLst/>
+                        </a:rPr>
+                        <a:t>20</a:t>
+                      </a:r>
+                      <a:endParaRPr lang="en-US" sz="1100">
+                        <a:effectLst/>
+                        <a:latin typeface="Calibri" panose="020F0502020204030204" pitchFamily="34" charset="0"/>
+                        <a:ea typeface="Calibri" panose="020F0502020204030204" pitchFamily="34" charset="0"/>
+                        <a:cs typeface="Times New Roman" panose="02020603050405020304" pitchFamily="18" charset="0"/>
+                      </a:endParaRPr>
+                    </a:p>
+                  </a:txBody>
+                  <a:tcPr marL="68580" marR="68580" marT="0" marB="0"/>
+                </a:tc>
+                <a:tc>
+                  <a:txBody>
+                    <a:bodyPr/>
+                    <a:lstStyle/>
+                    <a:p>
+                      <a:pPr marL="0" marR="0">
+                        <a:lnSpc>
+                          <a:spcPct val="150000"/>
+                        </a:lnSpc>
+                        <a:spcBef>
+                          <a:spcPts val="0"/>
+                        </a:spcBef>
+                        <a:spcAft>
+                          <a:spcPts val="0"/>
+                        </a:spcAft>
+                      </a:pPr>
+                      <a:r>
+                        <a:rPr lang="en-US" sz="1200" dirty="0">
+                          <a:effectLst/>
+                        </a:rPr>
+                        <a:t>Not null</a:t>
+                      </a:r>
+                      <a:endParaRPr lang="en-US" sz="1100" dirty="0">
+                        <a:effectLst/>
+                        <a:latin typeface="Calibri" panose="020F0502020204030204" pitchFamily="34" charset="0"/>
+                        <a:ea typeface="Calibri" panose="020F0502020204030204" pitchFamily="34" charset="0"/>
+                        <a:cs typeface="Times New Roman" panose="02020603050405020304" pitchFamily="18" charset="0"/>
+                      </a:endParaRPr>
+                    </a:p>
+                  </a:txBody>
+                  <a:tcPr marL="68580" marR="68580" marT="0" marB="0"/>
+                </a:tc>
+                <a:extLst>
+                  <a:ext uri="{0D108BD9-81ED-4DB2-BD59-A6C34878D82A}">
+                    <a16:rowId xmlns:a16="http://schemas.microsoft.com/office/drawing/2014/main" val="1866463564"/>
+                  </a:ext>
+                </a:extLst>
+              </a:tr>
+            </a:tbl>
+          </a:graphicData>
+        </a:graphic>
+      </p:graphicFrame>
+    </p:spTree>
+    <p:extLst>
+      <p:ext uri="{BB962C8B-B14F-4D97-AF65-F5344CB8AC3E}">
+        <p14:creationId xmlns:p14="http://schemas.microsoft.com/office/powerpoint/2010/main" val="3226985248"/>
+      </p:ext>
+    </p:extLst>
+  </p:cSld>
+  <p:clrMapOvr>
+    <a:masterClrMapping/>
+  </p:clrMapOvr>
+</p:sld>
+</file>
+
+<file path=ppt/slides/slide15.xml><?xml version="1.0" encoding="utf-8"?>
+<p:sld xmlns:a="http://schemas.openxmlformats.org/drawingml/2006/main" xmlns:r="http://schemas.openxmlformats.org/officeDocument/2006/relationships" xmlns:p="http://schemas.openxmlformats.org/presentationml/2006/main">
+  <p:cSld>
+    <p:spTree>
+      <p:nvGrpSpPr>
+        <p:cNvPr id="1" name=""/>
+        <p:cNvGrpSpPr/>
+        <p:nvPr/>
+      </p:nvGrpSpPr>
+      <p:grpSpPr>
+        <a:xfrm>
+          <a:off x="0" y="0"/>
+          <a:ext cx="0" cy="0"/>
+          <a:chOff x="0" y="0"/>
+          <a:chExt cx="0" cy="0"/>
+        </a:xfrm>
+      </p:grpSpPr>
+      <p:sp>
+        <p:nvSpPr>
+          <p:cNvPr id="2" name="Title 1">
+            <a:extLst>
+              <a:ext uri="{FF2B5EF4-FFF2-40B4-BE49-F238E27FC236}">
+                <a16:creationId xmlns:a16="http://schemas.microsoft.com/office/drawing/2014/main" id="{86EED728-0590-4D79-A830-0EE5A130B96E}"/>
+              </a:ext>
+            </a:extLst>
+          </p:cNvPr>
+          <p:cNvSpPr>
+            <a:spLocks noGrp="1"/>
+          </p:cNvSpPr>
+          <p:nvPr>
+            <p:ph type="title"/>
+          </p:nvPr>
+        </p:nvSpPr>
+        <p:spPr/>
+        <p:txBody>
+          <a:bodyPr/>
+          <a:lstStyle/>
+          <a:p>
+            <a:pPr marL="0" marR="0">
+              <a:lnSpc>
+                <a:spcPct val="150000"/>
+              </a:lnSpc>
+              <a:spcBef>
+                <a:spcPts val="0"/>
+              </a:spcBef>
+              <a:spcAft>
+                <a:spcPts val="800"/>
+              </a:spcAft>
+            </a:pPr>
+            <a:r>
+              <a:rPr lang="en-US" sz="1800" b="1">
+                <a:effectLst/>
+                <a:latin typeface="Times New Roman" panose="02020603050405020304" pitchFamily="18" charset="0"/>
+                <a:ea typeface="Calibri" panose="020F0502020204030204" pitchFamily="34" charset="0"/>
+                <a:cs typeface="Times New Roman" panose="02020603050405020304" pitchFamily="18" charset="0"/>
+              </a:rPr>
+              <a:t>TABLE NAME: LEAVE</a:t>
+            </a:r>
+            <a:endParaRPr lang="en-US" sz="1800">
+              <a:effectLst/>
+              <a:latin typeface="Calibri" panose="020F0502020204030204" pitchFamily="34" charset="0"/>
+              <a:ea typeface="Calibri" panose="020F0502020204030204" pitchFamily="34" charset="0"/>
+              <a:cs typeface="Times New Roman" panose="02020603050405020304" pitchFamily="18" charset="0"/>
+            </a:endParaRPr>
+          </a:p>
+        </p:txBody>
+      </p:sp>
+      <p:graphicFrame>
+        <p:nvGraphicFramePr>
+          <p:cNvPr id="4" name="Content Placeholder 3">
+            <a:extLst>
+              <a:ext uri="{FF2B5EF4-FFF2-40B4-BE49-F238E27FC236}">
+                <a16:creationId xmlns:a16="http://schemas.microsoft.com/office/drawing/2014/main" id="{90C123BD-6B03-4A49-BEC0-AECEA3DB4C63}"/>
+              </a:ext>
+            </a:extLst>
+          </p:cNvPr>
+          <p:cNvGraphicFramePr>
+            <a:graphicFrameLocks noGrp="1"/>
+          </p:cNvGraphicFramePr>
+          <p:nvPr>
+            <p:ph idx="1"/>
+            <p:extLst>
+              <p:ext uri="{D42A27DB-BD31-4B8C-83A1-F6EECF244321}">
+                <p14:modId xmlns:p14="http://schemas.microsoft.com/office/powerpoint/2010/main" val="4243590726"/>
+              </p:ext>
+            </p:extLst>
+          </p:nvPr>
+        </p:nvGraphicFramePr>
+        <p:xfrm>
+          <a:off x="2239617" y="2584174"/>
+          <a:ext cx="6790084" cy="2286558"/>
+        </p:xfrm>
+        <a:graphic>
+          <a:graphicData uri="http://schemas.openxmlformats.org/drawingml/2006/table">
+            <a:tbl>
+              <a:tblPr firstRow="1" firstCol="1" bandRow="1">
+                <a:tableStyleId>{5C22544A-7EE6-4342-B048-85BDC9FD1C3A}</a:tableStyleId>
+              </a:tblPr>
+              <a:tblGrid>
+                <a:gridCol w="1697154">
+                  <a:extLst>
+                    <a:ext uri="{9D8B030D-6E8A-4147-A177-3AD203B41FA5}">
+                      <a16:colId xmlns:a16="http://schemas.microsoft.com/office/drawing/2014/main" val="2197708053"/>
+                    </a:ext>
+                  </a:extLst>
+                </a:gridCol>
+                <a:gridCol w="1697154">
+                  <a:extLst>
+                    <a:ext uri="{9D8B030D-6E8A-4147-A177-3AD203B41FA5}">
+                      <a16:colId xmlns:a16="http://schemas.microsoft.com/office/drawing/2014/main" val="2080168429"/>
+                    </a:ext>
+                  </a:extLst>
+                </a:gridCol>
+                <a:gridCol w="1697888">
+                  <a:extLst>
+                    <a:ext uri="{9D8B030D-6E8A-4147-A177-3AD203B41FA5}">
+                      <a16:colId xmlns:a16="http://schemas.microsoft.com/office/drawing/2014/main" val="3404686949"/>
+                    </a:ext>
+                  </a:extLst>
+                </a:gridCol>
+                <a:gridCol w="1697888">
+                  <a:extLst>
+                    <a:ext uri="{9D8B030D-6E8A-4147-A177-3AD203B41FA5}">
+                      <a16:colId xmlns:a16="http://schemas.microsoft.com/office/drawing/2014/main" val="3709644190"/>
+                    </a:ext>
+                  </a:extLst>
+                </a:gridCol>
+              </a:tblGrid>
+              <a:tr h="381093">
+                <a:tc>
+                  <a:txBody>
+                    <a:bodyPr/>
+                    <a:lstStyle/>
+                    <a:p>
+                      <a:pPr marL="0" marR="0">
+                        <a:lnSpc>
+                          <a:spcPct val="150000"/>
+                        </a:lnSpc>
+                        <a:spcBef>
+                          <a:spcPts val="0"/>
+                        </a:spcBef>
+                        <a:spcAft>
+                          <a:spcPts val="0"/>
+                        </a:spcAft>
+                      </a:pPr>
+                      <a:r>
+                        <a:rPr lang="en-US" sz="1200">
+                          <a:effectLst/>
+                        </a:rPr>
+                        <a:t>FIELD </a:t>
+                      </a:r>
+                      <a:endParaRPr lang="en-US" sz="1100">
+                        <a:effectLst/>
+                        <a:latin typeface="Calibri" panose="020F0502020204030204" pitchFamily="34" charset="0"/>
+                        <a:ea typeface="Calibri" panose="020F0502020204030204" pitchFamily="34" charset="0"/>
+                        <a:cs typeface="Times New Roman" panose="02020603050405020304" pitchFamily="18" charset="0"/>
+                      </a:endParaRPr>
+                    </a:p>
+                  </a:txBody>
+                  <a:tcPr marL="68580" marR="68580" marT="0" marB="0"/>
+                </a:tc>
+                <a:tc>
+                  <a:txBody>
+                    <a:bodyPr/>
+                    <a:lstStyle/>
+                    <a:p>
+                      <a:pPr marL="0" marR="0">
+                        <a:lnSpc>
+                          <a:spcPct val="150000"/>
+                        </a:lnSpc>
+                        <a:spcBef>
+                          <a:spcPts val="0"/>
+                        </a:spcBef>
+                        <a:spcAft>
+                          <a:spcPts val="0"/>
+                        </a:spcAft>
+                      </a:pPr>
+                      <a:r>
+                        <a:rPr lang="en-US" sz="1200">
+                          <a:effectLst/>
+                        </a:rPr>
+                        <a:t>DATA TYPE</a:t>
+                      </a:r>
+                      <a:endParaRPr lang="en-US" sz="1100">
+                        <a:effectLst/>
+                        <a:latin typeface="Calibri" panose="020F0502020204030204" pitchFamily="34" charset="0"/>
+                        <a:ea typeface="Calibri" panose="020F0502020204030204" pitchFamily="34" charset="0"/>
+                        <a:cs typeface="Times New Roman" panose="02020603050405020304" pitchFamily="18" charset="0"/>
+                      </a:endParaRPr>
+                    </a:p>
+                  </a:txBody>
+                  <a:tcPr marL="68580" marR="68580" marT="0" marB="0"/>
+                </a:tc>
+                <a:tc>
+                  <a:txBody>
+                    <a:bodyPr/>
+                    <a:lstStyle/>
+                    <a:p>
+                      <a:pPr marL="0" marR="0">
+                        <a:lnSpc>
+                          <a:spcPct val="150000"/>
+                        </a:lnSpc>
+                        <a:spcBef>
+                          <a:spcPts val="0"/>
+                        </a:spcBef>
+                        <a:spcAft>
+                          <a:spcPts val="0"/>
+                        </a:spcAft>
+                      </a:pPr>
+                      <a:r>
+                        <a:rPr lang="en-US" sz="1200">
+                          <a:effectLst/>
+                        </a:rPr>
+                        <a:t>SIZE</a:t>
+                      </a:r>
+                      <a:endParaRPr lang="en-US" sz="1100">
+                        <a:effectLst/>
+                        <a:latin typeface="Calibri" panose="020F0502020204030204" pitchFamily="34" charset="0"/>
+                        <a:ea typeface="Calibri" panose="020F0502020204030204" pitchFamily="34" charset="0"/>
+                        <a:cs typeface="Times New Roman" panose="02020603050405020304" pitchFamily="18" charset="0"/>
+                      </a:endParaRPr>
+                    </a:p>
+                  </a:txBody>
+                  <a:tcPr marL="68580" marR="68580" marT="0" marB="0"/>
+                </a:tc>
+                <a:tc>
+                  <a:txBody>
+                    <a:bodyPr/>
+                    <a:lstStyle/>
+                    <a:p>
+                      <a:pPr marL="0" marR="0">
+                        <a:lnSpc>
+                          <a:spcPct val="150000"/>
+                        </a:lnSpc>
+                        <a:spcBef>
+                          <a:spcPts val="0"/>
+                        </a:spcBef>
+                        <a:spcAft>
+                          <a:spcPts val="0"/>
+                        </a:spcAft>
+                      </a:pPr>
+                      <a:r>
+                        <a:rPr lang="en-US" sz="1200">
+                          <a:effectLst/>
+                        </a:rPr>
+                        <a:t>CONSTRAINT</a:t>
+                      </a:r>
+                      <a:endParaRPr lang="en-US" sz="1100">
+                        <a:effectLst/>
+                        <a:latin typeface="Calibri" panose="020F0502020204030204" pitchFamily="34" charset="0"/>
+                        <a:ea typeface="Calibri" panose="020F0502020204030204" pitchFamily="34" charset="0"/>
+                        <a:cs typeface="Times New Roman" panose="02020603050405020304" pitchFamily="18" charset="0"/>
+                      </a:endParaRPr>
+                    </a:p>
+                  </a:txBody>
+                  <a:tcPr marL="68580" marR="68580" marT="0" marB="0"/>
+                </a:tc>
+                <a:extLst>
+                  <a:ext uri="{0D108BD9-81ED-4DB2-BD59-A6C34878D82A}">
+                    <a16:rowId xmlns:a16="http://schemas.microsoft.com/office/drawing/2014/main" val="640703456"/>
+                  </a:ext>
+                </a:extLst>
+              </a:tr>
+              <a:tr h="381093">
+                <a:tc>
+                  <a:txBody>
+                    <a:bodyPr/>
+                    <a:lstStyle/>
+                    <a:p>
+                      <a:pPr marL="0" marR="0">
+                        <a:lnSpc>
+                          <a:spcPct val="150000"/>
+                        </a:lnSpc>
+                        <a:spcBef>
+                          <a:spcPts val="0"/>
+                        </a:spcBef>
+                        <a:spcAft>
+                          <a:spcPts val="0"/>
+                        </a:spcAft>
+                      </a:pPr>
+                      <a:r>
+                        <a:rPr lang="en-US" sz="1200">
+                          <a:effectLst/>
+                        </a:rPr>
+                        <a:t>Leave id</a:t>
+                      </a:r>
+                      <a:endParaRPr lang="en-US" sz="1100">
+                        <a:effectLst/>
+                        <a:latin typeface="Calibri" panose="020F0502020204030204" pitchFamily="34" charset="0"/>
+                        <a:ea typeface="Calibri" panose="020F0502020204030204" pitchFamily="34" charset="0"/>
+                        <a:cs typeface="Times New Roman" panose="02020603050405020304" pitchFamily="18" charset="0"/>
+                      </a:endParaRPr>
+                    </a:p>
+                  </a:txBody>
+                  <a:tcPr marL="68580" marR="68580" marT="0" marB="0"/>
+                </a:tc>
+                <a:tc>
+                  <a:txBody>
+                    <a:bodyPr/>
+                    <a:lstStyle/>
+                    <a:p>
+                      <a:pPr marL="0" marR="0">
+                        <a:lnSpc>
+                          <a:spcPct val="150000"/>
+                        </a:lnSpc>
+                        <a:spcBef>
+                          <a:spcPts val="0"/>
+                        </a:spcBef>
+                        <a:spcAft>
+                          <a:spcPts val="0"/>
+                        </a:spcAft>
+                      </a:pPr>
+                      <a:r>
+                        <a:rPr lang="en-US" sz="1200">
+                          <a:effectLst/>
+                        </a:rPr>
+                        <a:t>Int</a:t>
+                      </a:r>
+                      <a:endParaRPr lang="en-US" sz="1100">
+                        <a:effectLst/>
+                        <a:latin typeface="Calibri" panose="020F0502020204030204" pitchFamily="34" charset="0"/>
+                        <a:ea typeface="Calibri" panose="020F0502020204030204" pitchFamily="34" charset="0"/>
+                        <a:cs typeface="Times New Roman" panose="02020603050405020304" pitchFamily="18" charset="0"/>
+                      </a:endParaRPr>
+                    </a:p>
+                  </a:txBody>
+                  <a:tcPr marL="68580" marR="68580" marT="0" marB="0"/>
+                </a:tc>
+                <a:tc>
+                  <a:txBody>
+                    <a:bodyPr/>
+                    <a:lstStyle/>
+                    <a:p>
+                      <a:pPr marL="0" marR="0">
+                        <a:lnSpc>
+                          <a:spcPct val="150000"/>
+                        </a:lnSpc>
+                        <a:spcBef>
+                          <a:spcPts val="0"/>
+                        </a:spcBef>
+                        <a:spcAft>
+                          <a:spcPts val="0"/>
+                        </a:spcAft>
+                      </a:pPr>
+                      <a:r>
+                        <a:rPr lang="en-US" sz="1200">
+                          <a:effectLst/>
+                        </a:rPr>
+                        <a:t>10</a:t>
+                      </a:r>
+                      <a:endParaRPr lang="en-US" sz="1100">
+                        <a:effectLst/>
+                        <a:latin typeface="Calibri" panose="020F0502020204030204" pitchFamily="34" charset="0"/>
+                        <a:ea typeface="Calibri" panose="020F0502020204030204" pitchFamily="34" charset="0"/>
+                        <a:cs typeface="Times New Roman" panose="02020603050405020304" pitchFamily="18" charset="0"/>
+                      </a:endParaRPr>
+                    </a:p>
+                  </a:txBody>
+                  <a:tcPr marL="68580" marR="68580" marT="0" marB="0"/>
+                </a:tc>
+                <a:tc>
+                  <a:txBody>
+                    <a:bodyPr/>
+                    <a:lstStyle/>
+                    <a:p>
+                      <a:pPr marL="0" marR="0">
+                        <a:lnSpc>
+                          <a:spcPct val="150000"/>
+                        </a:lnSpc>
+                        <a:spcBef>
+                          <a:spcPts val="0"/>
+                        </a:spcBef>
+                        <a:spcAft>
+                          <a:spcPts val="0"/>
+                        </a:spcAft>
+                      </a:pPr>
+                      <a:r>
+                        <a:rPr lang="en-US" sz="1200">
+                          <a:effectLst/>
+                        </a:rPr>
+                        <a:t>Primary key</a:t>
+                      </a:r>
+                      <a:endParaRPr lang="en-US" sz="1100">
+                        <a:effectLst/>
+                        <a:latin typeface="Calibri" panose="020F0502020204030204" pitchFamily="34" charset="0"/>
+                        <a:ea typeface="Calibri" panose="020F0502020204030204" pitchFamily="34" charset="0"/>
+                        <a:cs typeface="Times New Roman" panose="02020603050405020304" pitchFamily="18" charset="0"/>
+                      </a:endParaRPr>
+                    </a:p>
+                  </a:txBody>
+                  <a:tcPr marL="68580" marR="68580" marT="0" marB="0"/>
+                </a:tc>
+                <a:extLst>
+                  <a:ext uri="{0D108BD9-81ED-4DB2-BD59-A6C34878D82A}">
+                    <a16:rowId xmlns:a16="http://schemas.microsoft.com/office/drawing/2014/main" val="715843371"/>
+                  </a:ext>
+                </a:extLst>
+              </a:tr>
+              <a:tr h="381093">
+                <a:tc>
+                  <a:txBody>
+                    <a:bodyPr/>
+                    <a:lstStyle/>
+                    <a:p>
+                      <a:pPr marL="0" marR="0">
+                        <a:lnSpc>
+                          <a:spcPct val="150000"/>
+                        </a:lnSpc>
+                        <a:spcBef>
+                          <a:spcPts val="0"/>
+                        </a:spcBef>
+                        <a:spcAft>
+                          <a:spcPts val="0"/>
+                        </a:spcAft>
+                      </a:pPr>
+                      <a:r>
+                        <a:rPr lang="en-US" sz="1200">
+                          <a:effectLst/>
+                        </a:rPr>
+                        <a:t>Leave type</a:t>
+                      </a:r>
+                      <a:endParaRPr lang="en-US" sz="1100">
+                        <a:effectLst/>
+                        <a:latin typeface="Calibri" panose="020F0502020204030204" pitchFamily="34" charset="0"/>
+                        <a:ea typeface="Calibri" panose="020F0502020204030204" pitchFamily="34" charset="0"/>
+                        <a:cs typeface="Times New Roman" panose="02020603050405020304" pitchFamily="18" charset="0"/>
+                      </a:endParaRPr>
+                    </a:p>
+                  </a:txBody>
+                  <a:tcPr marL="68580" marR="68580" marT="0" marB="0"/>
+                </a:tc>
+                <a:tc>
+                  <a:txBody>
+                    <a:bodyPr/>
+                    <a:lstStyle/>
+                    <a:p>
+                      <a:pPr marL="0" marR="0">
+                        <a:lnSpc>
+                          <a:spcPct val="150000"/>
+                        </a:lnSpc>
+                        <a:spcBef>
+                          <a:spcPts val="0"/>
+                        </a:spcBef>
+                        <a:spcAft>
+                          <a:spcPts val="0"/>
+                        </a:spcAft>
+                      </a:pPr>
+                      <a:r>
+                        <a:rPr lang="en-US" sz="1200">
+                          <a:effectLst/>
+                        </a:rPr>
+                        <a:t>Varchar </a:t>
+                      </a:r>
+                      <a:endParaRPr lang="en-US" sz="1100">
+                        <a:effectLst/>
+                        <a:latin typeface="Calibri" panose="020F0502020204030204" pitchFamily="34" charset="0"/>
+                        <a:ea typeface="Calibri" panose="020F0502020204030204" pitchFamily="34" charset="0"/>
+                        <a:cs typeface="Times New Roman" panose="02020603050405020304" pitchFamily="18" charset="0"/>
+                      </a:endParaRPr>
+                    </a:p>
+                  </a:txBody>
+                  <a:tcPr marL="68580" marR="68580" marT="0" marB="0"/>
+                </a:tc>
+                <a:tc>
+                  <a:txBody>
+                    <a:bodyPr/>
+                    <a:lstStyle/>
+                    <a:p>
+                      <a:pPr marL="0" marR="0">
+                        <a:lnSpc>
+                          <a:spcPct val="150000"/>
+                        </a:lnSpc>
+                        <a:spcBef>
+                          <a:spcPts val="0"/>
+                        </a:spcBef>
+                        <a:spcAft>
+                          <a:spcPts val="0"/>
+                        </a:spcAft>
+                      </a:pPr>
+                      <a:r>
+                        <a:rPr lang="en-US" sz="1200">
+                          <a:effectLst/>
+                        </a:rPr>
+                        <a:t>20</a:t>
+                      </a:r>
+                      <a:endParaRPr lang="en-US" sz="1100">
+                        <a:effectLst/>
+                        <a:latin typeface="Calibri" panose="020F0502020204030204" pitchFamily="34" charset="0"/>
+                        <a:ea typeface="Calibri" panose="020F0502020204030204" pitchFamily="34" charset="0"/>
+                        <a:cs typeface="Times New Roman" panose="02020603050405020304" pitchFamily="18" charset="0"/>
+                      </a:endParaRPr>
+                    </a:p>
+                  </a:txBody>
+                  <a:tcPr marL="68580" marR="68580" marT="0" marB="0"/>
+                </a:tc>
+                <a:tc>
+                  <a:txBody>
+                    <a:bodyPr/>
+                    <a:lstStyle/>
+                    <a:p>
+                      <a:pPr marL="0" marR="0">
+                        <a:lnSpc>
+                          <a:spcPct val="150000"/>
+                        </a:lnSpc>
+                        <a:spcBef>
+                          <a:spcPts val="0"/>
+                        </a:spcBef>
+                        <a:spcAft>
+                          <a:spcPts val="0"/>
+                        </a:spcAft>
+                      </a:pPr>
+                      <a:r>
+                        <a:rPr lang="en-US" sz="1200">
+                          <a:effectLst/>
+                        </a:rPr>
+                        <a:t>Not null</a:t>
+                      </a:r>
+                      <a:endParaRPr lang="en-US" sz="1100">
+                        <a:effectLst/>
+                        <a:latin typeface="Calibri" panose="020F0502020204030204" pitchFamily="34" charset="0"/>
+                        <a:ea typeface="Calibri" panose="020F0502020204030204" pitchFamily="34" charset="0"/>
+                        <a:cs typeface="Times New Roman" panose="02020603050405020304" pitchFamily="18" charset="0"/>
+                      </a:endParaRPr>
+                    </a:p>
+                  </a:txBody>
+                  <a:tcPr marL="68580" marR="68580" marT="0" marB="0"/>
+                </a:tc>
+                <a:extLst>
+                  <a:ext uri="{0D108BD9-81ED-4DB2-BD59-A6C34878D82A}">
+                    <a16:rowId xmlns:a16="http://schemas.microsoft.com/office/drawing/2014/main" val="2548706003"/>
+                  </a:ext>
+                </a:extLst>
+              </a:tr>
+              <a:tr h="381093">
+                <a:tc>
+                  <a:txBody>
+                    <a:bodyPr/>
+                    <a:lstStyle/>
+                    <a:p>
+                      <a:pPr marL="0" marR="0">
+                        <a:lnSpc>
+                          <a:spcPct val="150000"/>
+                        </a:lnSpc>
+                        <a:spcBef>
+                          <a:spcPts val="0"/>
+                        </a:spcBef>
+                        <a:spcAft>
+                          <a:spcPts val="0"/>
+                        </a:spcAft>
+                      </a:pPr>
+                      <a:r>
+                        <a:rPr lang="en-US" sz="1200">
+                          <a:effectLst/>
+                        </a:rPr>
+                        <a:t>From date</a:t>
+                      </a:r>
+                      <a:endParaRPr lang="en-US" sz="1100">
+                        <a:effectLst/>
+                        <a:latin typeface="Calibri" panose="020F0502020204030204" pitchFamily="34" charset="0"/>
+                        <a:ea typeface="Calibri" panose="020F0502020204030204" pitchFamily="34" charset="0"/>
+                        <a:cs typeface="Times New Roman" panose="02020603050405020304" pitchFamily="18" charset="0"/>
+                      </a:endParaRPr>
+                    </a:p>
+                  </a:txBody>
+                  <a:tcPr marL="68580" marR="68580" marT="0" marB="0"/>
+                </a:tc>
+                <a:tc>
+                  <a:txBody>
+                    <a:bodyPr/>
+                    <a:lstStyle/>
+                    <a:p>
+                      <a:pPr marL="0" marR="0">
+                        <a:lnSpc>
+                          <a:spcPct val="150000"/>
+                        </a:lnSpc>
+                        <a:spcBef>
+                          <a:spcPts val="0"/>
+                        </a:spcBef>
+                        <a:spcAft>
+                          <a:spcPts val="0"/>
+                        </a:spcAft>
+                      </a:pPr>
+                      <a:r>
+                        <a:rPr lang="en-US" sz="1200">
+                          <a:effectLst/>
+                        </a:rPr>
+                        <a:t>Date</a:t>
+                      </a:r>
+                      <a:endParaRPr lang="en-US" sz="1100">
+                        <a:effectLst/>
+                        <a:latin typeface="Calibri" panose="020F0502020204030204" pitchFamily="34" charset="0"/>
+                        <a:ea typeface="Calibri" panose="020F0502020204030204" pitchFamily="34" charset="0"/>
+                        <a:cs typeface="Times New Roman" panose="02020603050405020304" pitchFamily="18" charset="0"/>
+                      </a:endParaRPr>
+                    </a:p>
+                  </a:txBody>
+                  <a:tcPr marL="68580" marR="68580" marT="0" marB="0"/>
+                </a:tc>
+                <a:tc>
+                  <a:txBody>
+                    <a:bodyPr/>
+                    <a:lstStyle/>
+                    <a:p>
+                      <a:pPr marL="0" marR="0">
+                        <a:lnSpc>
+                          <a:spcPct val="150000"/>
+                        </a:lnSpc>
+                        <a:spcBef>
+                          <a:spcPts val="0"/>
+                        </a:spcBef>
+                        <a:spcAft>
+                          <a:spcPts val="0"/>
+                        </a:spcAft>
+                      </a:pPr>
+                      <a:r>
+                        <a:rPr lang="en-US" sz="1200">
+                          <a:effectLst/>
+                        </a:rPr>
+                        <a:t>10</a:t>
+                      </a:r>
+                      <a:endParaRPr lang="en-US" sz="1100">
+                        <a:effectLst/>
+                        <a:latin typeface="Calibri" panose="020F0502020204030204" pitchFamily="34" charset="0"/>
+                        <a:ea typeface="Calibri" panose="020F0502020204030204" pitchFamily="34" charset="0"/>
+                        <a:cs typeface="Times New Roman" panose="02020603050405020304" pitchFamily="18" charset="0"/>
+                      </a:endParaRPr>
+                    </a:p>
+                  </a:txBody>
+                  <a:tcPr marL="68580" marR="68580" marT="0" marB="0"/>
+                </a:tc>
+                <a:tc>
+                  <a:txBody>
+                    <a:bodyPr/>
+                    <a:lstStyle/>
+                    <a:p>
+                      <a:pPr marL="0" marR="0">
+                        <a:lnSpc>
+                          <a:spcPct val="150000"/>
+                        </a:lnSpc>
+                        <a:spcBef>
+                          <a:spcPts val="0"/>
+                        </a:spcBef>
+                        <a:spcAft>
+                          <a:spcPts val="0"/>
+                        </a:spcAft>
+                      </a:pPr>
+                      <a:r>
+                        <a:rPr lang="en-US" sz="1200">
+                          <a:effectLst/>
+                        </a:rPr>
+                        <a:t>Not null</a:t>
+                      </a:r>
+                      <a:endParaRPr lang="en-US" sz="1100">
+                        <a:effectLst/>
+                        <a:latin typeface="Calibri" panose="020F0502020204030204" pitchFamily="34" charset="0"/>
+                        <a:ea typeface="Calibri" panose="020F0502020204030204" pitchFamily="34" charset="0"/>
+                        <a:cs typeface="Times New Roman" panose="02020603050405020304" pitchFamily="18" charset="0"/>
+                      </a:endParaRPr>
+                    </a:p>
+                  </a:txBody>
+                  <a:tcPr marL="68580" marR="68580" marT="0" marB="0"/>
+                </a:tc>
+                <a:extLst>
+                  <a:ext uri="{0D108BD9-81ED-4DB2-BD59-A6C34878D82A}">
+                    <a16:rowId xmlns:a16="http://schemas.microsoft.com/office/drawing/2014/main" val="748437602"/>
+                  </a:ext>
+                </a:extLst>
+              </a:tr>
+              <a:tr h="381093">
+                <a:tc>
+                  <a:txBody>
+                    <a:bodyPr/>
+                    <a:lstStyle/>
+                    <a:p>
+                      <a:pPr marL="0" marR="0">
+                        <a:lnSpc>
+                          <a:spcPct val="150000"/>
+                        </a:lnSpc>
+                        <a:spcBef>
+                          <a:spcPts val="0"/>
+                        </a:spcBef>
+                        <a:spcAft>
+                          <a:spcPts val="0"/>
+                        </a:spcAft>
+                      </a:pPr>
+                      <a:r>
+                        <a:rPr lang="en-US" sz="1200">
+                          <a:effectLst/>
+                        </a:rPr>
+                        <a:t>To date</a:t>
+                      </a:r>
+                      <a:endParaRPr lang="en-US" sz="1100">
+                        <a:effectLst/>
+                        <a:latin typeface="Calibri" panose="020F0502020204030204" pitchFamily="34" charset="0"/>
+                        <a:ea typeface="Calibri" panose="020F0502020204030204" pitchFamily="34" charset="0"/>
+                        <a:cs typeface="Times New Roman" panose="02020603050405020304" pitchFamily="18" charset="0"/>
+                      </a:endParaRPr>
+                    </a:p>
+                  </a:txBody>
+                  <a:tcPr marL="68580" marR="68580" marT="0" marB="0"/>
+                </a:tc>
+                <a:tc>
+                  <a:txBody>
+                    <a:bodyPr/>
+                    <a:lstStyle/>
+                    <a:p>
+                      <a:pPr marL="0" marR="0">
+                        <a:lnSpc>
+                          <a:spcPct val="150000"/>
+                        </a:lnSpc>
+                        <a:spcBef>
+                          <a:spcPts val="0"/>
+                        </a:spcBef>
+                        <a:spcAft>
+                          <a:spcPts val="0"/>
+                        </a:spcAft>
+                      </a:pPr>
+                      <a:r>
+                        <a:rPr lang="en-US" sz="1200">
+                          <a:effectLst/>
+                        </a:rPr>
+                        <a:t>Date</a:t>
+                      </a:r>
+                      <a:endParaRPr lang="en-US" sz="1100">
+                        <a:effectLst/>
+                        <a:latin typeface="Calibri" panose="020F0502020204030204" pitchFamily="34" charset="0"/>
+                        <a:ea typeface="Calibri" panose="020F0502020204030204" pitchFamily="34" charset="0"/>
+                        <a:cs typeface="Times New Roman" panose="02020603050405020304" pitchFamily="18" charset="0"/>
+                      </a:endParaRPr>
+                    </a:p>
+                  </a:txBody>
+                  <a:tcPr marL="68580" marR="68580" marT="0" marB="0"/>
+                </a:tc>
+                <a:tc>
+                  <a:txBody>
+                    <a:bodyPr/>
+                    <a:lstStyle/>
+                    <a:p>
+                      <a:pPr marL="0" marR="0">
+                        <a:lnSpc>
+                          <a:spcPct val="150000"/>
+                        </a:lnSpc>
+                        <a:spcBef>
+                          <a:spcPts val="0"/>
+                        </a:spcBef>
+                        <a:spcAft>
+                          <a:spcPts val="0"/>
+                        </a:spcAft>
+                      </a:pPr>
+                      <a:r>
+                        <a:rPr lang="en-US" sz="1200">
+                          <a:effectLst/>
+                        </a:rPr>
+                        <a:t>10</a:t>
+                      </a:r>
+                      <a:endParaRPr lang="en-US" sz="1100">
+                        <a:effectLst/>
+                        <a:latin typeface="Calibri" panose="020F0502020204030204" pitchFamily="34" charset="0"/>
+                        <a:ea typeface="Calibri" panose="020F0502020204030204" pitchFamily="34" charset="0"/>
+                        <a:cs typeface="Times New Roman" panose="02020603050405020304" pitchFamily="18" charset="0"/>
+                      </a:endParaRPr>
+                    </a:p>
+                  </a:txBody>
+                  <a:tcPr marL="68580" marR="68580" marT="0" marB="0"/>
+                </a:tc>
+                <a:tc>
+                  <a:txBody>
+                    <a:bodyPr/>
+                    <a:lstStyle/>
+                    <a:p>
+                      <a:pPr marL="0" marR="0">
+                        <a:lnSpc>
+                          <a:spcPct val="150000"/>
+                        </a:lnSpc>
+                        <a:spcBef>
+                          <a:spcPts val="0"/>
+                        </a:spcBef>
+                        <a:spcAft>
+                          <a:spcPts val="0"/>
+                        </a:spcAft>
+                      </a:pPr>
+                      <a:r>
+                        <a:rPr lang="en-US" sz="1200">
+                          <a:effectLst/>
+                        </a:rPr>
+                        <a:t>Not null</a:t>
+                      </a:r>
+                      <a:endParaRPr lang="en-US" sz="1100">
+                        <a:effectLst/>
+                        <a:latin typeface="Calibri" panose="020F0502020204030204" pitchFamily="34" charset="0"/>
+                        <a:ea typeface="Calibri" panose="020F0502020204030204" pitchFamily="34" charset="0"/>
+                        <a:cs typeface="Times New Roman" panose="02020603050405020304" pitchFamily="18" charset="0"/>
+                      </a:endParaRPr>
+                    </a:p>
+                  </a:txBody>
+                  <a:tcPr marL="68580" marR="68580" marT="0" marB="0"/>
+                </a:tc>
+                <a:extLst>
+                  <a:ext uri="{0D108BD9-81ED-4DB2-BD59-A6C34878D82A}">
+                    <a16:rowId xmlns:a16="http://schemas.microsoft.com/office/drawing/2014/main" val="2181881503"/>
+                  </a:ext>
+                </a:extLst>
+              </a:tr>
+              <a:tr h="381093">
+                <a:tc>
+                  <a:txBody>
+                    <a:bodyPr/>
+                    <a:lstStyle/>
+                    <a:p>
+                      <a:pPr marL="0" marR="0">
+                        <a:lnSpc>
+                          <a:spcPct val="150000"/>
+                        </a:lnSpc>
+                        <a:spcBef>
+                          <a:spcPts val="0"/>
+                        </a:spcBef>
+                        <a:spcAft>
+                          <a:spcPts val="0"/>
+                        </a:spcAft>
+                      </a:pPr>
+                      <a:r>
+                        <a:rPr lang="en-US" sz="1200">
+                          <a:effectLst/>
+                        </a:rPr>
+                        <a:t>Description</a:t>
+                      </a:r>
+                      <a:endParaRPr lang="en-US" sz="1100">
+                        <a:effectLst/>
+                        <a:latin typeface="Calibri" panose="020F0502020204030204" pitchFamily="34" charset="0"/>
+                        <a:ea typeface="Calibri" panose="020F0502020204030204" pitchFamily="34" charset="0"/>
+                        <a:cs typeface="Times New Roman" panose="02020603050405020304" pitchFamily="18" charset="0"/>
+                      </a:endParaRPr>
+                    </a:p>
+                  </a:txBody>
+                  <a:tcPr marL="68580" marR="68580" marT="0" marB="0"/>
+                </a:tc>
+                <a:tc>
+                  <a:txBody>
+                    <a:bodyPr/>
+                    <a:lstStyle/>
+                    <a:p>
+                      <a:pPr marL="0" marR="0">
+                        <a:lnSpc>
+                          <a:spcPct val="150000"/>
+                        </a:lnSpc>
+                        <a:spcBef>
+                          <a:spcPts val="0"/>
+                        </a:spcBef>
+                        <a:spcAft>
+                          <a:spcPts val="0"/>
+                        </a:spcAft>
+                      </a:pPr>
+                      <a:r>
+                        <a:rPr lang="en-US" sz="1200">
+                          <a:effectLst/>
+                        </a:rPr>
+                        <a:t>Varchar </a:t>
+                      </a:r>
+                      <a:endParaRPr lang="en-US" sz="1100">
+                        <a:effectLst/>
+                        <a:latin typeface="Calibri" panose="020F0502020204030204" pitchFamily="34" charset="0"/>
+                        <a:ea typeface="Calibri" panose="020F0502020204030204" pitchFamily="34" charset="0"/>
+                        <a:cs typeface="Times New Roman" panose="02020603050405020304" pitchFamily="18" charset="0"/>
+                      </a:endParaRPr>
+                    </a:p>
+                  </a:txBody>
+                  <a:tcPr marL="68580" marR="68580" marT="0" marB="0"/>
+                </a:tc>
+                <a:tc>
+                  <a:txBody>
+                    <a:bodyPr/>
+                    <a:lstStyle/>
+                    <a:p>
+                      <a:pPr marL="0" marR="0">
+                        <a:lnSpc>
+                          <a:spcPct val="150000"/>
+                        </a:lnSpc>
+                        <a:spcBef>
+                          <a:spcPts val="0"/>
+                        </a:spcBef>
+                        <a:spcAft>
+                          <a:spcPts val="0"/>
+                        </a:spcAft>
+                      </a:pPr>
+                      <a:r>
+                        <a:rPr lang="en-US" sz="1200">
+                          <a:effectLst/>
+                        </a:rPr>
+                        <a:t>30</a:t>
+                      </a:r>
+                      <a:endParaRPr lang="en-US" sz="1100">
+                        <a:effectLst/>
+                        <a:latin typeface="Calibri" panose="020F0502020204030204" pitchFamily="34" charset="0"/>
+                        <a:ea typeface="Calibri" panose="020F0502020204030204" pitchFamily="34" charset="0"/>
+                        <a:cs typeface="Times New Roman" panose="02020603050405020304" pitchFamily="18" charset="0"/>
+                      </a:endParaRPr>
+                    </a:p>
+                  </a:txBody>
+                  <a:tcPr marL="68580" marR="68580" marT="0" marB="0"/>
+                </a:tc>
+                <a:tc>
+                  <a:txBody>
+                    <a:bodyPr/>
+                    <a:lstStyle/>
+                    <a:p>
+                      <a:pPr marL="0" marR="0">
+                        <a:lnSpc>
+                          <a:spcPct val="150000"/>
+                        </a:lnSpc>
+                        <a:spcBef>
+                          <a:spcPts val="0"/>
+                        </a:spcBef>
+                        <a:spcAft>
+                          <a:spcPts val="0"/>
+                        </a:spcAft>
+                      </a:pPr>
+                      <a:r>
+                        <a:rPr lang="en-US" sz="1200" dirty="0">
+                          <a:effectLst/>
+                        </a:rPr>
+                        <a:t>Not null</a:t>
+                      </a:r>
+                      <a:endParaRPr lang="en-US" sz="1100" dirty="0">
+                        <a:effectLst/>
+                        <a:latin typeface="Calibri" panose="020F0502020204030204" pitchFamily="34" charset="0"/>
+                        <a:ea typeface="Calibri" panose="020F0502020204030204" pitchFamily="34" charset="0"/>
+                        <a:cs typeface="Times New Roman" panose="02020603050405020304" pitchFamily="18" charset="0"/>
+                      </a:endParaRPr>
+                    </a:p>
+                  </a:txBody>
+                  <a:tcPr marL="68580" marR="68580" marT="0" marB="0"/>
+                </a:tc>
+                <a:extLst>
+                  <a:ext uri="{0D108BD9-81ED-4DB2-BD59-A6C34878D82A}">
+                    <a16:rowId xmlns:a16="http://schemas.microsoft.com/office/drawing/2014/main" val="900879563"/>
+                  </a:ext>
+                </a:extLst>
+              </a:tr>
+            </a:tbl>
+          </a:graphicData>
+        </a:graphic>
+      </p:graphicFrame>
+    </p:spTree>
+    <p:extLst>
+      <p:ext uri="{BB962C8B-B14F-4D97-AF65-F5344CB8AC3E}">
+        <p14:creationId xmlns:p14="http://schemas.microsoft.com/office/powerpoint/2010/main" val="144715281"/>
+      </p:ext>
+    </p:extLst>
+  </p:cSld>
+  <p:clrMapOvr>
+    <a:masterClrMapping/>
+  </p:clrMapOvr>
+</p:sld>
+</file>
+
+<file path=ppt/slides/slide16.xml><?xml version="1.0" encoding="utf-8"?>
+<p:sld xmlns:a="http://schemas.openxmlformats.org/drawingml/2006/main" xmlns:r="http://schemas.openxmlformats.org/officeDocument/2006/relationships" xmlns:p="http://schemas.openxmlformats.org/presentationml/2006/main">
+  <p:cSld>
+    <p:spTree>
+      <p:nvGrpSpPr>
+        <p:cNvPr id="1" name=""/>
+        <p:cNvGrpSpPr/>
+        <p:nvPr/>
+      </p:nvGrpSpPr>
+      <p:grpSpPr>
+        <a:xfrm>
+          <a:off x="0" y="0"/>
+          <a:ext cx="0" cy="0"/>
+          <a:chOff x="0" y="0"/>
+          <a:chExt cx="0" cy="0"/>
+        </a:xfrm>
+      </p:grpSpPr>
+      <p:sp>
+        <p:nvSpPr>
+          <p:cNvPr id="2" name="Title 1">
+            <a:extLst>
+              <a:ext uri="{FF2B5EF4-FFF2-40B4-BE49-F238E27FC236}">
+                <a16:creationId xmlns:a16="http://schemas.microsoft.com/office/drawing/2014/main" id="{7602761E-C5C2-4BB7-BBE0-ED6D2B3D5694}"/>
+              </a:ext>
+            </a:extLst>
+          </p:cNvPr>
+          <p:cNvSpPr>
+            <a:spLocks noGrp="1"/>
+          </p:cNvSpPr>
+          <p:nvPr>
+            <p:ph type="title"/>
+          </p:nvPr>
+        </p:nvSpPr>
+        <p:spPr/>
+        <p:txBody>
+          <a:bodyPr/>
+          <a:lstStyle/>
+          <a:p>
+            <a:r>
+              <a:rPr lang="en-US" sz="1800" b="1" dirty="0">
+                <a:effectLst/>
+                <a:latin typeface="Times New Roman" panose="02020603050405020304" pitchFamily="18" charset="0"/>
+                <a:ea typeface="Calibri" panose="020F0502020204030204" pitchFamily="34" charset="0"/>
+                <a:cs typeface="Times New Roman" panose="02020603050405020304" pitchFamily="18" charset="0"/>
+              </a:rPr>
+              <a:t>TABLE NAME: LEAVE APPROVE</a:t>
+            </a:r>
+            <a:br>
+              <a:rPr lang="en-US" sz="1800" dirty="0">
+                <a:effectLst/>
+                <a:latin typeface="Calibri" panose="020F0502020204030204" pitchFamily="34" charset="0"/>
+                <a:ea typeface="Calibri" panose="020F0502020204030204" pitchFamily="34" charset="0"/>
+                <a:cs typeface="Times New Roman" panose="02020603050405020304" pitchFamily="18" charset="0"/>
+              </a:rPr>
+            </a:br>
+            <a:endParaRPr lang="en-US" dirty="0"/>
+          </a:p>
+        </p:txBody>
+      </p:sp>
+      <p:graphicFrame>
+        <p:nvGraphicFramePr>
+          <p:cNvPr id="8" name="Content Placeholder 7">
+            <a:extLst>
+              <a:ext uri="{FF2B5EF4-FFF2-40B4-BE49-F238E27FC236}">
+                <a16:creationId xmlns:a16="http://schemas.microsoft.com/office/drawing/2014/main" id="{774417D4-09A7-4053-865F-2EFC1F801E57}"/>
+              </a:ext>
+            </a:extLst>
+          </p:cNvPr>
+          <p:cNvGraphicFramePr>
+            <a:graphicFrameLocks noGrp="1"/>
+          </p:cNvGraphicFramePr>
+          <p:nvPr>
+            <p:ph idx="1"/>
+            <p:extLst>
+              <p:ext uri="{D42A27DB-BD31-4B8C-83A1-F6EECF244321}">
+                <p14:modId xmlns:p14="http://schemas.microsoft.com/office/powerpoint/2010/main" val="1588526479"/>
+              </p:ext>
+            </p:extLst>
+          </p:nvPr>
+        </p:nvGraphicFramePr>
+        <p:xfrm>
+          <a:off x="1961322" y="1961322"/>
+          <a:ext cx="7068378" cy="2909412"/>
+        </p:xfrm>
+        <a:graphic>
+          <a:graphicData uri="http://schemas.openxmlformats.org/drawingml/2006/table">
+            <a:tbl>
+              <a:tblPr firstRow="1" firstCol="1" bandRow="1">
+                <a:tableStyleId>{5C22544A-7EE6-4342-B048-85BDC9FD1C3A}</a:tableStyleId>
+              </a:tblPr>
+              <a:tblGrid>
+                <a:gridCol w="1766713">
+                  <a:extLst>
+                    <a:ext uri="{9D8B030D-6E8A-4147-A177-3AD203B41FA5}">
+                      <a16:colId xmlns:a16="http://schemas.microsoft.com/office/drawing/2014/main" val="3658752624"/>
+                    </a:ext>
+                  </a:extLst>
+                </a:gridCol>
+                <a:gridCol w="1766713">
+                  <a:extLst>
+                    <a:ext uri="{9D8B030D-6E8A-4147-A177-3AD203B41FA5}">
+                      <a16:colId xmlns:a16="http://schemas.microsoft.com/office/drawing/2014/main" val="2906800215"/>
+                    </a:ext>
+                  </a:extLst>
+                </a:gridCol>
+                <a:gridCol w="1767476">
+                  <a:extLst>
+                    <a:ext uri="{9D8B030D-6E8A-4147-A177-3AD203B41FA5}">
+                      <a16:colId xmlns:a16="http://schemas.microsoft.com/office/drawing/2014/main" val="2864190937"/>
+                    </a:ext>
+                  </a:extLst>
+                </a:gridCol>
+                <a:gridCol w="1767476">
+                  <a:extLst>
+                    <a:ext uri="{9D8B030D-6E8A-4147-A177-3AD203B41FA5}">
+                      <a16:colId xmlns:a16="http://schemas.microsoft.com/office/drawing/2014/main" val="3093440969"/>
+                    </a:ext>
+                  </a:extLst>
+                </a:gridCol>
+              </a:tblGrid>
+              <a:tr h="484902">
+                <a:tc>
+                  <a:txBody>
+                    <a:bodyPr/>
+                    <a:lstStyle/>
+                    <a:p>
+                      <a:pPr marL="0" marR="0">
+                        <a:lnSpc>
+                          <a:spcPct val="150000"/>
+                        </a:lnSpc>
+                        <a:spcBef>
+                          <a:spcPts val="0"/>
+                        </a:spcBef>
+                        <a:spcAft>
+                          <a:spcPts val="0"/>
+                        </a:spcAft>
+                      </a:pPr>
+                      <a:r>
+                        <a:rPr lang="en-US" sz="1200">
+                          <a:effectLst/>
+                        </a:rPr>
+                        <a:t>FIELD </a:t>
+                      </a:r>
+                      <a:endParaRPr lang="en-US" sz="1100">
+                        <a:effectLst/>
+                        <a:latin typeface="Calibri" panose="020F0502020204030204" pitchFamily="34" charset="0"/>
+                        <a:ea typeface="Calibri" panose="020F0502020204030204" pitchFamily="34" charset="0"/>
+                        <a:cs typeface="Times New Roman" panose="02020603050405020304" pitchFamily="18" charset="0"/>
+                      </a:endParaRPr>
+                    </a:p>
+                  </a:txBody>
+                  <a:tcPr marL="68580" marR="68580" marT="0" marB="0"/>
+                </a:tc>
+                <a:tc>
+                  <a:txBody>
+                    <a:bodyPr/>
+                    <a:lstStyle/>
+                    <a:p>
+                      <a:pPr marL="0" marR="0">
+                        <a:lnSpc>
+                          <a:spcPct val="150000"/>
+                        </a:lnSpc>
+                        <a:spcBef>
+                          <a:spcPts val="0"/>
+                        </a:spcBef>
+                        <a:spcAft>
+                          <a:spcPts val="0"/>
+                        </a:spcAft>
+                      </a:pPr>
+                      <a:r>
+                        <a:rPr lang="en-US" sz="1200">
+                          <a:effectLst/>
+                        </a:rPr>
+                        <a:t>DATA TYPE</a:t>
+                      </a:r>
+                      <a:endParaRPr lang="en-US" sz="1100">
+                        <a:effectLst/>
+                        <a:latin typeface="Calibri" panose="020F0502020204030204" pitchFamily="34" charset="0"/>
+                        <a:ea typeface="Calibri" panose="020F0502020204030204" pitchFamily="34" charset="0"/>
+                        <a:cs typeface="Times New Roman" panose="02020603050405020304" pitchFamily="18" charset="0"/>
+                      </a:endParaRPr>
+                    </a:p>
+                  </a:txBody>
+                  <a:tcPr marL="68580" marR="68580" marT="0" marB="0"/>
+                </a:tc>
+                <a:tc>
+                  <a:txBody>
+                    <a:bodyPr/>
+                    <a:lstStyle/>
+                    <a:p>
+                      <a:pPr marL="0" marR="0">
+                        <a:lnSpc>
+                          <a:spcPct val="150000"/>
+                        </a:lnSpc>
+                        <a:spcBef>
+                          <a:spcPts val="0"/>
+                        </a:spcBef>
+                        <a:spcAft>
+                          <a:spcPts val="0"/>
+                        </a:spcAft>
+                      </a:pPr>
+                      <a:r>
+                        <a:rPr lang="en-US" sz="1200">
+                          <a:effectLst/>
+                        </a:rPr>
+                        <a:t>SIZE</a:t>
+                      </a:r>
+                      <a:endParaRPr lang="en-US" sz="1100">
+                        <a:effectLst/>
+                        <a:latin typeface="Calibri" panose="020F0502020204030204" pitchFamily="34" charset="0"/>
+                        <a:ea typeface="Calibri" panose="020F0502020204030204" pitchFamily="34" charset="0"/>
+                        <a:cs typeface="Times New Roman" panose="02020603050405020304" pitchFamily="18" charset="0"/>
+                      </a:endParaRPr>
+                    </a:p>
+                  </a:txBody>
+                  <a:tcPr marL="68580" marR="68580" marT="0" marB="0"/>
+                </a:tc>
+                <a:tc>
+                  <a:txBody>
+                    <a:bodyPr/>
+                    <a:lstStyle/>
+                    <a:p>
+                      <a:pPr marL="0" marR="0">
+                        <a:lnSpc>
+                          <a:spcPct val="150000"/>
+                        </a:lnSpc>
+                        <a:spcBef>
+                          <a:spcPts val="0"/>
+                        </a:spcBef>
+                        <a:spcAft>
+                          <a:spcPts val="0"/>
+                        </a:spcAft>
+                      </a:pPr>
+                      <a:r>
+                        <a:rPr lang="en-US" sz="1200">
+                          <a:effectLst/>
+                        </a:rPr>
+                        <a:t>CONSTRAINT</a:t>
+                      </a:r>
+                      <a:endParaRPr lang="en-US" sz="1100">
+                        <a:effectLst/>
+                        <a:latin typeface="Calibri" panose="020F0502020204030204" pitchFamily="34" charset="0"/>
+                        <a:ea typeface="Calibri" panose="020F0502020204030204" pitchFamily="34" charset="0"/>
+                        <a:cs typeface="Times New Roman" panose="02020603050405020304" pitchFamily="18" charset="0"/>
+                      </a:endParaRPr>
+                    </a:p>
+                  </a:txBody>
+                  <a:tcPr marL="68580" marR="68580" marT="0" marB="0"/>
+                </a:tc>
+                <a:extLst>
+                  <a:ext uri="{0D108BD9-81ED-4DB2-BD59-A6C34878D82A}">
+                    <a16:rowId xmlns:a16="http://schemas.microsoft.com/office/drawing/2014/main" val="4217680808"/>
+                  </a:ext>
+                </a:extLst>
+              </a:tr>
+              <a:tr h="484902">
+                <a:tc>
+                  <a:txBody>
+                    <a:bodyPr/>
+                    <a:lstStyle/>
+                    <a:p>
+                      <a:pPr marL="0" marR="0">
+                        <a:lnSpc>
+                          <a:spcPct val="150000"/>
+                        </a:lnSpc>
+                        <a:spcBef>
+                          <a:spcPts val="0"/>
+                        </a:spcBef>
+                        <a:spcAft>
+                          <a:spcPts val="0"/>
+                        </a:spcAft>
+                      </a:pPr>
+                      <a:r>
+                        <a:rPr lang="en-US" sz="1200">
+                          <a:effectLst/>
+                        </a:rPr>
+                        <a:t>Leave id</a:t>
+                      </a:r>
+                      <a:endParaRPr lang="en-US" sz="1100">
+                        <a:effectLst/>
+                        <a:latin typeface="Calibri" panose="020F0502020204030204" pitchFamily="34" charset="0"/>
+                        <a:ea typeface="Calibri" panose="020F0502020204030204" pitchFamily="34" charset="0"/>
+                        <a:cs typeface="Times New Roman" panose="02020603050405020304" pitchFamily="18" charset="0"/>
+                      </a:endParaRPr>
+                    </a:p>
+                  </a:txBody>
+                  <a:tcPr marL="68580" marR="68580" marT="0" marB="0"/>
+                </a:tc>
+                <a:tc>
+                  <a:txBody>
+                    <a:bodyPr/>
+                    <a:lstStyle/>
+                    <a:p>
+                      <a:pPr marL="0" marR="0">
+                        <a:lnSpc>
+                          <a:spcPct val="150000"/>
+                        </a:lnSpc>
+                        <a:spcBef>
+                          <a:spcPts val="0"/>
+                        </a:spcBef>
+                        <a:spcAft>
+                          <a:spcPts val="0"/>
+                        </a:spcAft>
+                      </a:pPr>
+                      <a:r>
+                        <a:rPr lang="en-US" sz="1200">
+                          <a:effectLst/>
+                        </a:rPr>
+                        <a:t>Int</a:t>
+                      </a:r>
+                      <a:endParaRPr lang="en-US" sz="1100">
+                        <a:effectLst/>
+                        <a:latin typeface="Calibri" panose="020F0502020204030204" pitchFamily="34" charset="0"/>
+                        <a:ea typeface="Calibri" panose="020F0502020204030204" pitchFamily="34" charset="0"/>
+                        <a:cs typeface="Times New Roman" panose="02020603050405020304" pitchFamily="18" charset="0"/>
+                      </a:endParaRPr>
+                    </a:p>
+                  </a:txBody>
+                  <a:tcPr marL="68580" marR="68580" marT="0" marB="0"/>
+                </a:tc>
+                <a:tc>
+                  <a:txBody>
+                    <a:bodyPr/>
+                    <a:lstStyle/>
+                    <a:p>
+                      <a:pPr marL="0" marR="0">
+                        <a:lnSpc>
+                          <a:spcPct val="150000"/>
+                        </a:lnSpc>
+                        <a:spcBef>
+                          <a:spcPts val="0"/>
+                        </a:spcBef>
+                        <a:spcAft>
+                          <a:spcPts val="0"/>
+                        </a:spcAft>
+                      </a:pPr>
+                      <a:r>
+                        <a:rPr lang="en-US" sz="1200">
+                          <a:effectLst/>
+                        </a:rPr>
+                        <a:t>10</a:t>
+                      </a:r>
+                      <a:endParaRPr lang="en-US" sz="1100">
+                        <a:effectLst/>
+                        <a:latin typeface="Calibri" panose="020F0502020204030204" pitchFamily="34" charset="0"/>
+                        <a:ea typeface="Calibri" panose="020F0502020204030204" pitchFamily="34" charset="0"/>
+                        <a:cs typeface="Times New Roman" panose="02020603050405020304" pitchFamily="18" charset="0"/>
+                      </a:endParaRPr>
+                    </a:p>
+                  </a:txBody>
+                  <a:tcPr marL="68580" marR="68580" marT="0" marB="0"/>
+                </a:tc>
+                <a:tc>
+                  <a:txBody>
+                    <a:bodyPr/>
+                    <a:lstStyle/>
+                    <a:p>
+                      <a:pPr marL="0" marR="0">
+                        <a:lnSpc>
+                          <a:spcPct val="150000"/>
+                        </a:lnSpc>
+                        <a:spcBef>
+                          <a:spcPts val="0"/>
+                        </a:spcBef>
+                        <a:spcAft>
+                          <a:spcPts val="0"/>
+                        </a:spcAft>
+                      </a:pPr>
+                      <a:r>
+                        <a:rPr lang="en-US" sz="1200">
+                          <a:effectLst/>
+                        </a:rPr>
+                        <a:t>Primary key</a:t>
+                      </a:r>
+                      <a:endParaRPr lang="en-US" sz="1100">
+                        <a:effectLst/>
+                        <a:latin typeface="Calibri" panose="020F0502020204030204" pitchFamily="34" charset="0"/>
+                        <a:ea typeface="Calibri" panose="020F0502020204030204" pitchFamily="34" charset="0"/>
+                        <a:cs typeface="Times New Roman" panose="02020603050405020304" pitchFamily="18" charset="0"/>
+                      </a:endParaRPr>
+                    </a:p>
+                  </a:txBody>
+                  <a:tcPr marL="68580" marR="68580" marT="0" marB="0"/>
+                </a:tc>
+                <a:extLst>
+                  <a:ext uri="{0D108BD9-81ED-4DB2-BD59-A6C34878D82A}">
+                    <a16:rowId xmlns:a16="http://schemas.microsoft.com/office/drawing/2014/main" val="4181813823"/>
+                  </a:ext>
+                </a:extLst>
+              </a:tr>
+              <a:tr h="484902">
+                <a:tc>
+                  <a:txBody>
+                    <a:bodyPr/>
+                    <a:lstStyle/>
+                    <a:p>
+                      <a:pPr marL="0" marR="0">
+                        <a:lnSpc>
+                          <a:spcPct val="150000"/>
+                        </a:lnSpc>
+                        <a:spcBef>
+                          <a:spcPts val="0"/>
+                        </a:spcBef>
+                        <a:spcAft>
+                          <a:spcPts val="0"/>
+                        </a:spcAft>
+                      </a:pPr>
+                      <a:r>
+                        <a:rPr lang="en-US" sz="1200">
+                          <a:effectLst/>
+                        </a:rPr>
+                        <a:t>Employee id</a:t>
+                      </a:r>
+                      <a:endParaRPr lang="en-US" sz="1100">
+                        <a:effectLst/>
+                        <a:latin typeface="Calibri" panose="020F0502020204030204" pitchFamily="34" charset="0"/>
+                        <a:ea typeface="Calibri" panose="020F0502020204030204" pitchFamily="34" charset="0"/>
+                        <a:cs typeface="Times New Roman" panose="02020603050405020304" pitchFamily="18" charset="0"/>
+                      </a:endParaRPr>
+                    </a:p>
+                  </a:txBody>
+                  <a:tcPr marL="68580" marR="68580" marT="0" marB="0"/>
+                </a:tc>
+                <a:tc>
+                  <a:txBody>
+                    <a:bodyPr/>
+                    <a:lstStyle/>
+                    <a:p>
+                      <a:pPr marL="0" marR="0">
+                        <a:lnSpc>
+                          <a:spcPct val="150000"/>
+                        </a:lnSpc>
+                        <a:spcBef>
+                          <a:spcPts val="0"/>
+                        </a:spcBef>
+                        <a:spcAft>
+                          <a:spcPts val="0"/>
+                        </a:spcAft>
+                      </a:pPr>
+                      <a:r>
+                        <a:rPr lang="en-US" sz="1200">
+                          <a:effectLst/>
+                        </a:rPr>
+                        <a:t>Int</a:t>
+                      </a:r>
+                      <a:endParaRPr lang="en-US" sz="1100">
+                        <a:effectLst/>
+                        <a:latin typeface="Calibri" panose="020F0502020204030204" pitchFamily="34" charset="0"/>
+                        <a:ea typeface="Calibri" panose="020F0502020204030204" pitchFamily="34" charset="0"/>
+                        <a:cs typeface="Times New Roman" panose="02020603050405020304" pitchFamily="18" charset="0"/>
+                      </a:endParaRPr>
+                    </a:p>
+                  </a:txBody>
+                  <a:tcPr marL="68580" marR="68580" marT="0" marB="0"/>
+                </a:tc>
+                <a:tc>
+                  <a:txBody>
+                    <a:bodyPr/>
+                    <a:lstStyle/>
+                    <a:p>
+                      <a:pPr marL="0" marR="0">
+                        <a:lnSpc>
+                          <a:spcPct val="150000"/>
+                        </a:lnSpc>
+                        <a:spcBef>
+                          <a:spcPts val="0"/>
+                        </a:spcBef>
+                        <a:spcAft>
+                          <a:spcPts val="0"/>
+                        </a:spcAft>
+                      </a:pPr>
+                      <a:r>
+                        <a:rPr lang="en-US" sz="1200">
+                          <a:effectLst/>
+                        </a:rPr>
+                        <a:t>10</a:t>
+                      </a:r>
+                      <a:endParaRPr lang="en-US" sz="1100">
+                        <a:effectLst/>
+                        <a:latin typeface="Calibri" panose="020F0502020204030204" pitchFamily="34" charset="0"/>
+                        <a:ea typeface="Calibri" panose="020F0502020204030204" pitchFamily="34" charset="0"/>
+                        <a:cs typeface="Times New Roman" panose="02020603050405020304" pitchFamily="18" charset="0"/>
+                      </a:endParaRPr>
+                    </a:p>
+                  </a:txBody>
+                  <a:tcPr marL="68580" marR="68580" marT="0" marB="0"/>
+                </a:tc>
+                <a:tc>
+                  <a:txBody>
+                    <a:bodyPr/>
+                    <a:lstStyle/>
+                    <a:p>
+                      <a:pPr marL="0" marR="0">
+                        <a:lnSpc>
+                          <a:spcPct val="150000"/>
+                        </a:lnSpc>
+                        <a:spcBef>
+                          <a:spcPts val="0"/>
+                        </a:spcBef>
+                        <a:spcAft>
+                          <a:spcPts val="0"/>
+                        </a:spcAft>
+                      </a:pPr>
+                      <a:r>
+                        <a:rPr lang="en-US" sz="1200">
+                          <a:effectLst/>
+                        </a:rPr>
+                        <a:t>Foreign key</a:t>
+                      </a:r>
+                      <a:endParaRPr lang="en-US" sz="1100">
+                        <a:effectLst/>
+                        <a:latin typeface="Calibri" panose="020F0502020204030204" pitchFamily="34" charset="0"/>
+                        <a:ea typeface="Calibri" panose="020F0502020204030204" pitchFamily="34" charset="0"/>
+                        <a:cs typeface="Times New Roman" panose="02020603050405020304" pitchFamily="18" charset="0"/>
+                      </a:endParaRPr>
+                    </a:p>
+                  </a:txBody>
+                  <a:tcPr marL="68580" marR="68580" marT="0" marB="0"/>
+                </a:tc>
+                <a:extLst>
+                  <a:ext uri="{0D108BD9-81ED-4DB2-BD59-A6C34878D82A}">
+                    <a16:rowId xmlns:a16="http://schemas.microsoft.com/office/drawing/2014/main" val="707420808"/>
+                  </a:ext>
+                </a:extLst>
+              </a:tr>
+              <a:tr h="484902">
+                <a:tc>
+                  <a:txBody>
+                    <a:bodyPr/>
+                    <a:lstStyle/>
+                    <a:p>
+                      <a:pPr marL="0" marR="0">
+                        <a:lnSpc>
+                          <a:spcPct val="150000"/>
+                        </a:lnSpc>
+                        <a:spcBef>
+                          <a:spcPts val="0"/>
+                        </a:spcBef>
+                        <a:spcAft>
+                          <a:spcPts val="0"/>
+                        </a:spcAft>
+                      </a:pPr>
+                      <a:r>
+                        <a:rPr lang="en-US" sz="1200">
+                          <a:effectLst/>
+                        </a:rPr>
+                        <a:t>From date</a:t>
+                      </a:r>
+                      <a:endParaRPr lang="en-US" sz="1100">
+                        <a:effectLst/>
+                        <a:latin typeface="Calibri" panose="020F0502020204030204" pitchFamily="34" charset="0"/>
+                        <a:ea typeface="Calibri" panose="020F0502020204030204" pitchFamily="34" charset="0"/>
+                        <a:cs typeface="Times New Roman" panose="02020603050405020304" pitchFamily="18" charset="0"/>
+                      </a:endParaRPr>
+                    </a:p>
+                  </a:txBody>
+                  <a:tcPr marL="68580" marR="68580" marT="0" marB="0"/>
+                </a:tc>
+                <a:tc>
+                  <a:txBody>
+                    <a:bodyPr/>
+                    <a:lstStyle/>
+                    <a:p>
+                      <a:pPr marL="0" marR="0">
+                        <a:lnSpc>
+                          <a:spcPct val="150000"/>
+                        </a:lnSpc>
+                        <a:spcBef>
+                          <a:spcPts val="0"/>
+                        </a:spcBef>
+                        <a:spcAft>
+                          <a:spcPts val="0"/>
+                        </a:spcAft>
+                      </a:pPr>
+                      <a:r>
+                        <a:rPr lang="en-US" sz="1200">
+                          <a:effectLst/>
+                        </a:rPr>
+                        <a:t>Date</a:t>
+                      </a:r>
+                      <a:endParaRPr lang="en-US" sz="1100">
+                        <a:effectLst/>
+                        <a:latin typeface="Calibri" panose="020F0502020204030204" pitchFamily="34" charset="0"/>
+                        <a:ea typeface="Calibri" panose="020F0502020204030204" pitchFamily="34" charset="0"/>
+                        <a:cs typeface="Times New Roman" panose="02020603050405020304" pitchFamily="18" charset="0"/>
+                      </a:endParaRPr>
+                    </a:p>
+                  </a:txBody>
+                  <a:tcPr marL="68580" marR="68580" marT="0" marB="0"/>
+                </a:tc>
+                <a:tc>
+                  <a:txBody>
+                    <a:bodyPr/>
+                    <a:lstStyle/>
+                    <a:p>
+                      <a:pPr marL="0" marR="0">
+                        <a:lnSpc>
+                          <a:spcPct val="150000"/>
+                        </a:lnSpc>
+                        <a:spcBef>
+                          <a:spcPts val="0"/>
+                        </a:spcBef>
+                        <a:spcAft>
+                          <a:spcPts val="0"/>
+                        </a:spcAft>
+                      </a:pPr>
+                      <a:r>
+                        <a:rPr lang="en-US" sz="1200">
+                          <a:effectLst/>
+                        </a:rPr>
+                        <a:t>10</a:t>
+                      </a:r>
+                      <a:endParaRPr lang="en-US" sz="1100">
+                        <a:effectLst/>
+                        <a:latin typeface="Calibri" panose="020F0502020204030204" pitchFamily="34" charset="0"/>
+                        <a:ea typeface="Calibri" panose="020F0502020204030204" pitchFamily="34" charset="0"/>
+                        <a:cs typeface="Times New Roman" panose="02020603050405020304" pitchFamily="18" charset="0"/>
+                      </a:endParaRPr>
+                    </a:p>
+                  </a:txBody>
+                  <a:tcPr marL="68580" marR="68580" marT="0" marB="0"/>
+                </a:tc>
+                <a:tc>
+                  <a:txBody>
+                    <a:bodyPr/>
+                    <a:lstStyle/>
+                    <a:p>
+                      <a:pPr marL="0" marR="0">
+                        <a:lnSpc>
+                          <a:spcPct val="150000"/>
+                        </a:lnSpc>
+                        <a:spcBef>
+                          <a:spcPts val="0"/>
+                        </a:spcBef>
+                        <a:spcAft>
+                          <a:spcPts val="0"/>
+                        </a:spcAft>
+                      </a:pPr>
+                      <a:r>
+                        <a:rPr lang="en-US" sz="1200">
+                          <a:effectLst/>
+                        </a:rPr>
+                        <a:t>Not null</a:t>
+                      </a:r>
+                      <a:endParaRPr lang="en-US" sz="1100">
+                        <a:effectLst/>
+                        <a:latin typeface="Calibri" panose="020F0502020204030204" pitchFamily="34" charset="0"/>
+                        <a:ea typeface="Calibri" panose="020F0502020204030204" pitchFamily="34" charset="0"/>
+                        <a:cs typeface="Times New Roman" panose="02020603050405020304" pitchFamily="18" charset="0"/>
+                      </a:endParaRPr>
+                    </a:p>
+                  </a:txBody>
+                  <a:tcPr marL="68580" marR="68580" marT="0" marB="0"/>
+                </a:tc>
+                <a:extLst>
+                  <a:ext uri="{0D108BD9-81ED-4DB2-BD59-A6C34878D82A}">
+                    <a16:rowId xmlns:a16="http://schemas.microsoft.com/office/drawing/2014/main" val="3018849728"/>
+                  </a:ext>
+                </a:extLst>
+              </a:tr>
+              <a:tr h="484902">
+                <a:tc>
+                  <a:txBody>
+                    <a:bodyPr/>
+                    <a:lstStyle/>
+                    <a:p>
+                      <a:pPr marL="0" marR="0">
+                        <a:lnSpc>
+                          <a:spcPct val="150000"/>
+                        </a:lnSpc>
+                        <a:spcBef>
+                          <a:spcPts val="0"/>
+                        </a:spcBef>
+                        <a:spcAft>
+                          <a:spcPts val="0"/>
+                        </a:spcAft>
+                      </a:pPr>
+                      <a:r>
+                        <a:rPr lang="en-US" sz="1200">
+                          <a:effectLst/>
+                        </a:rPr>
+                        <a:t>To date</a:t>
+                      </a:r>
+                      <a:endParaRPr lang="en-US" sz="1100">
+                        <a:effectLst/>
+                        <a:latin typeface="Calibri" panose="020F0502020204030204" pitchFamily="34" charset="0"/>
+                        <a:ea typeface="Calibri" panose="020F0502020204030204" pitchFamily="34" charset="0"/>
+                        <a:cs typeface="Times New Roman" panose="02020603050405020304" pitchFamily="18" charset="0"/>
+                      </a:endParaRPr>
+                    </a:p>
+                  </a:txBody>
+                  <a:tcPr marL="68580" marR="68580" marT="0" marB="0"/>
+                </a:tc>
+                <a:tc>
+                  <a:txBody>
+                    <a:bodyPr/>
+                    <a:lstStyle/>
+                    <a:p>
+                      <a:pPr marL="0" marR="0">
+                        <a:lnSpc>
+                          <a:spcPct val="150000"/>
+                        </a:lnSpc>
+                        <a:spcBef>
+                          <a:spcPts val="0"/>
+                        </a:spcBef>
+                        <a:spcAft>
+                          <a:spcPts val="0"/>
+                        </a:spcAft>
+                      </a:pPr>
+                      <a:r>
+                        <a:rPr lang="en-US" sz="1200">
+                          <a:effectLst/>
+                        </a:rPr>
+                        <a:t>Date</a:t>
+                      </a:r>
+                      <a:endParaRPr lang="en-US" sz="1100">
+                        <a:effectLst/>
+                        <a:latin typeface="Calibri" panose="020F0502020204030204" pitchFamily="34" charset="0"/>
+                        <a:ea typeface="Calibri" panose="020F0502020204030204" pitchFamily="34" charset="0"/>
+                        <a:cs typeface="Times New Roman" panose="02020603050405020304" pitchFamily="18" charset="0"/>
+                      </a:endParaRPr>
+                    </a:p>
+                  </a:txBody>
+                  <a:tcPr marL="68580" marR="68580" marT="0" marB="0"/>
+                </a:tc>
+                <a:tc>
+                  <a:txBody>
+                    <a:bodyPr/>
+                    <a:lstStyle/>
+                    <a:p>
+                      <a:pPr marL="0" marR="0">
+                        <a:lnSpc>
+                          <a:spcPct val="150000"/>
+                        </a:lnSpc>
+                        <a:spcBef>
+                          <a:spcPts val="0"/>
+                        </a:spcBef>
+                        <a:spcAft>
+                          <a:spcPts val="0"/>
+                        </a:spcAft>
+                      </a:pPr>
+                      <a:r>
+                        <a:rPr lang="en-US" sz="1200">
+                          <a:effectLst/>
+                        </a:rPr>
+                        <a:t>10</a:t>
+                      </a:r>
+                      <a:endParaRPr lang="en-US" sz="1100">
+                        <a:effectLst/>
+                        <a:latin typeface="Calibri" panose="020F0502020204030204" pitchFamily="34" charset="0"/>
+                        <a:ea typeface="Calibri" panose="020F0502020204030204" pitchFamily="34" charset="0"/>
+                        <a:cs typeface="Times New Roman" panose="02020603050405020304" pitchFamily="18" charset="0"/>
+                      </a:endParaRPr>
+                    </a:p>
+                  </a:txBody>
+                  <a:tcPr marL="68580" marR="68580" marT="0" marB="0"/>
+                </a:tc>
+                <a:tc>
+                  <a:txBody>
+                    <a:bodyPr/>
+                    <a:lstStyle/>
+                    <a:p>
+                      <a:pPr marL="0" marR="0">
+                        <a:lnSpc>
+                          <a:spcPct val="150000"/>
+                        </a:lnSpc>
+                        <a:spcBef>
+                          <a:spcPts val="0"/>
+                        </a:spcBef>
+                        <a:spcAft>
+                          <a:spcPts val="0"/>
+                        </a:spcAft>
+                      </a:pPr>
+                      <a:r>
+                        <a:rPr lang="en-US" sz="1200">
+                          <a:effectLst/>
+                        </a:rPr>
+                        <a:t>Not null</a:t>
+                      </a:r>
+                      <a:endParaRPr lang="en-US" sz="1100">
+                        <a:effectLst/>
+                        <a:latin typeface="Calibri" panose="020F0502020204030204" pitchFamily="34" charset="0"/>
+                        <a:ea typeface="Calibri" panose="020F0502020204030204" pitchFamily="34" charset="0"/>
+                        <a:cs typeface="Times New Roman" panose="02020603050405020304" pitchFamily="18" charset="0"/>
+                      </a:endParaRPr>
+                    </a:p>
+                  </a:txBody>
+                  <a:tcPr marL="68580" marR="68580" marT="0" marB="0"/>
+                </a:tc>
+                <a:extLst>
+                  <a:ext uri="{0D108BD9-81ED-4DB2-BD59-A6C34878D82A}">
+                    <a16:rowId xmlns:a16="http://schemas.microsoft.com/office/drawing/2014/main" val="2680881385"/>
+                  </a:ext>
+                </a:extLst>
+              </a:tr>
+              <a:tr h="484902">
+                <a:tc>
+                  <a:txBody>
+                    <a:bodyPr/>
+                    <a:lstStyle/>
+                    <a:p>
+                      <a:pPr marL="0" marR="0">
+                        <a:lnSpc>
+                          <a:spcPct val="150000"/>
+                        </a:lnSpc>
+                        <a:spcBef>
+                          <a:spcPts val="0"/>
+                        </a:spcBef>
+                        <a:spcAft>
+                          <a:spcPts val="0"/>
+                        </a:spcAft>
+                      </a:pPr>
+                      <a:r>
+                        <a:rPr lang="en-US" sz="1200">
+                          <a:effectLst/>
+                        </a:rPr>
+                        <a:t>Leave status</a:t>
+                      </a:r>
+                      <a:endParaRPr lang="en-US" sz="1100">
+                        <a:effectLst/>
+                        <a:latin typeface="Calibri" panose="020F0502020204030204" pitchFamily="34" charset="0"/>
+                        <a:ea typeface="Calibri" panose="020F0502020204030204" pitchFamily="34" charset="0"/>
+                        <a:cs typeface="Times New Roman" panose="02020603050405020304" pitchFamily="18" charset="0"/>
+                      </a:endParaRPr>
+                    </a:p>
+                  </a:txBody>
+                  <a:tcPr marL="68580" marR="68580" marT="0" marB="0"/>
+                </a:tc>
+                <a:tc>
+                  <a:txBody>
+                    <a:bodyPr/>
+                    <a:lstStyle/>
+                    <a:p>
+                      <a:pPr marL="0" marR="0">
+                        <a:lnSpc>
+                          <a:spcPct val="150000"/>
+                        </a:lnSpc>
+                        <a:spcBef>
+                          <a:spcPts val="0"/>
+                        </a:spcBef>
+                        <a:spcAft>
+                          <a:spcPts val="0"/>
+                        </a:spcAft>
+                      </a:pPr>
+                      <a:r>
+                        <a:rPr lang="en-US" sz="1200">
+                          <a:effectLst/>
+                        </a:rPr>
+                        <a:t>Varchar </a:t>
+                      </a:r>
+                      <a:endParaRPr lang="en-US" sz="1100">
+                        <a:effectLst/>
+                        <a:latin typeface="Calibri" panose="020F0502020204030204" pitchFamily="34" charset="0"/>
+                        <a:ea typeface="Calibri" panose="020F0502020204030204" pitchFamily="34" charset="0"/>
+                        <a:cs typeface="Times New Roman" panose="02020603050405020304" pitchFamily="18" charset="0"/>
+                      </a:endParaRPr>
+                    </a:p>
+                  </a:txBody>
+                  <a:tcPr marL="68580" marR="68580" marT="0" marB="0"/>
+                </a:tc>
+                <a:tc>
+                  <a:txBody>
+                    <a:bodyPr/>
+                    <a:lstStyle/>
+                    <a:p>
+                      <a:pPr marL="0" marR="0">
+                        <a:lnSpc>
+                          <a:spcPct val="150000"/>
+                        </a:lnSpc>
+                        <a:spcBef>
+                          <a:spcPts val="0"/>
+                        </a:spcBef>
+                        <a:spcAft>
+                          <a:spcPts val="0"/>
+                        </a:spcAft>
+                      </a:pPr>
+                      <a:r>
+                        <a:rPr lang="en-US" sz="1200">
+                          <a:effectLst/>
+                        </a:rPr>
+                        <a:t>10</a:t>
+                      </a:r>
+                      <a:endParaRPr lang="en-US" sz="1100">
+                        <a:effectLst/>
+                        <a:latin typeface="Calibri" panose="020F0502020204030204" pitchFamily="34" charset="0"/>
+                        <a:ea typeface="Calibri" panose="020F0502020204030204" pitchFamily="34" charset="0"/>
+                        <a:cs typeface="Times New Roman" panose="02020603050405020304" pitchFamily="18" charset="0"/>
+                      </a:endParaRPr>
+                    </a:p>
+                  </a:txBody>
+                  <a:tcPr marL="68580" marR="68580" marT="0" marB="0"/>
+                </a:tc>
+                <a:tc>
+                  <a:txBody>
+                    <a:bodyPr/>
+                    <a:lstStyle/>
+                    <a:p>
+                      <a:pPr marL="0" marR="0">
+                        <a:lnSpc>
+                          <a:spcPct val="150000"/>
+                        </a:lnSpc>
+                        <a:spcBef>
+                          <a:spcPts val="0"/>
+                        </a:spcBef>
+                        <a:spcAft>
+                          <a:spcPts val="0"/>
+                        </a:spcAft>
+                      </a:pPr>
+                      <a:r>
+                        <a:rPr lang="en-US" sz="1200" dirty="0">
+                          <a:effectLst/>
+                        </a:rPr>
+                        <a:t>Not null</a:t>
+                      </a:r>
+                      <a:endParaRPr lang="en-US" sz="1100" dirty="0">
+                        <a:effectLst/>
+                        <a:latin typeface="Calibri" panose="020F0502020204030204" pitchFamily="34" charset="0"/>
+                        <a:ea typeface="Calibri" panose="020F0502020204030204" pitchFamily="34" charset="0"/>
+                        <a:cs typeface="Times New Roman" panose="02020603050405020304" pitchFamily="18" charset="0"/>
+                      </a:endParaRPr>
+                    </a:p>
+                  </a:txBody>
+                  <a:tcPr marL="68580" marR="68580" marT="0" marB="0"/>
+                </a:tc>
+                <a:extLst>
+                  <a:ext uri="{0D108BD9-81ED-4DB2-BD59-A6C34878D82A}">
+                    <a16:rowId xmlns:a16="http://schemas.microsoft.com/office/drawing/2014/main" val="3754751688"/>
+                  </a:ext>
+                </a:extLst>
+              </a:tr>
+            </a:tbl>
+          </a:graphicData>
+        </a:graphic>
+      </p:graphicFrame>
+    </p:spTree>
+    <p:extLst>
+      <p:ext uri="{BB962C8B-B14F-4D97-AF65-F5344CB8AC3E}">
+        <p14:creationId xmlns:p14="http://schemas.microsoft.com/office/powerpoint/2010/main" val="3094852651"/>
+      </p:ext>
+    </p:extLst>
+  </p:cSld>
+  <p:clrMapOvr>
+    <a:masterClrMapping/>
+  </p:clrMapOvr>
+</p:sld>
+</file>
+
+<file path=ppt/slides/slide17.xml><?xml version="1.0" encoding="utf-8"?>
+<p:sld xmlns:a="http://schemas.openxmlformats.org/drawingml/2006/main" xmlns:r="http://schemas.openxmlformats.org/officeDocument/2006/relationships" xmlns:p="http://schemas.openxmlformats.org/presentationml/2006/main">
+  <p:cSld>
+    <p:spTree>
+      <p:nvGrpSpPr>
+        <p:cNvPr id="1" name=""/>
+        <p:cNvGrpSpPr/>
+        <p:nvPr/>
+      </p:nvGrpSpPr>
+      <p:grpSpPr>
+        <a:xfrm>
+          <a:off x="0" y="0"/>
+          <a:ext cx="0" cy="0"/>
+          <a:chOff x="0" y="0"/>
+          <a:chExt cx="0" cy="0"/>
+        </a:xfrm>
+      </p:grpSpPr>
+      <p:sp>
+        <p:nvSpPr>
+          <p:cNvPr id="2" name="Title 1">
+            <a:extLst>
+              <a:ext uri="{FF2B5EF4-FFF2-40B4-BE49-F238E27FC236}">
+                <a16:creationId xmlns:a16="http://schemas.microsoft.com/office/drawing/2014/main" id="{631D2EE0-5AC8-45F4-8554-24732871004A}"/>
+              </a:ext>
+            </a:extLst>
+          </p:cNvPr>
+          <p:cNvSpPr>
+            <a:spLocks noGrp="1"/>
+          </p:cNvSpPr>
+          <p:nvPr>
+            <p:ph type="title"/>
+          </p:nvPr>
+        </p:nvSpPr>
+        <p:spPr/>
+        <p:txBody>
+          <a:bodyPr/>
+          <a:lstStyle/>
+          <a:p>
+            <a:endParaRPr lang="en-US"/>
+          </a:p>
+        </p:txBody>
+      </p:sp>
+      <p:pic>
+        <p:nvPicPr>
+          <p:cNvPr id="5" name="Content Placeholder 4">
+            <a:extLst>
+              <a:ext uri="{FF2B5EF4-FFF2-40B4-BE49-F238E27FC236}">
+                <a16:creationId xmlns:a16="http://schemas.microsoft.com/office/drawing/2014/main" id="{2EB2D3A9-F6A9-4FE1-A06B-07BC4B961314}"/>
+              </a:ext>
+            </a:extLst>
+          </p:cNvPr>
+          <p:cNvPicPr>
+            <a:picLocks noGrp="1" noChangeAspect="1"/>
+          </p:cNvPicPr>
+          <p:nvPr>
+            <p:ph idx="1"/>
+          </p:nvPr>
+        </p:nvPicPr>
+        <p:blipFill>
+          <a:blip r:embed="rId2">
+            <a:extLst>
+              <a:ext uri="{28A0092B-C50C-407E-A947-70E740481C1C}">
+                <a14:useLocalDpi xmlns:a14="http://schemas.microsoft.com/office/drawing/2010/main" val="0"/>
+              </a:ext>
+            </a:extLst>
+          </a:blip>
+          <a:stretch>
+            <a:fillRect/>
+          </a:stretch>
+        </p:blipFill>
+        <p:spPr>
+          <a:xfrm>
+            <a:off x="374090" y="1391479"/>
+            <a:ext cx="10307788" cy="4933122"/>
+          </a:xfrm>
+        </p:spPr>
+      </p:pic>
+    </p:spTree>
+    <p:extLst>
+      <p:ext uri="{BB962C8B-B14F-4D97-AF65-F5344CB8AC3E}">
+        <p14:creationId xmlns:p14="http://schemas.microsoft.com/office/powerpoint/2010/main" val="1643820623"/>
+      </p:ext>
+    </p:extLst>
+  </p:cSld>
+  <p:clrMapOvr>
+    <a:masterClrMapping/>
+  </p:clrMapOvr>
+</p:sld>
+</file>
+
+<file path=ppt/slides/slide18.xml><?xml version="1.0" encoding="utf-8"?>
+<p:sld xmlns:a="http://schemas.openxmlformats.org/drawingml/2006/main" xmlns:r="http://schemas.openxmlformats.org/officeDocument/2006/relationships" xmlns:p="http://schemas.openxmlformats.org/presentationml/2006/main">
+  <p:cSld>
+    <p:spTree>
+      <p:nvGrpSpPr>
+        <p:cNvPr id="1" name=""/>
+        <p:cNvGrpSpPr/>
+        <p:nvPr/>
+      </p:nvGrpSpPr>
+      <p:grpSpPr>
+        <a:xfrm>
+          <a:off x="0" y="0"/>
+          <a:ext cx="0" cy="0"/>
+          <a:chOff x="0" y="0"/>
+          <a:chExt cx="0" cy="0"/>
+        </a:xfrm>
+      </p:grpSpPr>
+      <p:sp>
+        <p:nvSpPr>
+          <p:cNvPr id="2" name="Title 1">
+            <a:extLst>
+              <a:ext uri="{FF2B5EF4-FFF2-40B4-BE49-F238E27FC236}">
+                <a16:creationId xmlns:a16="http://schemas.microsoft.com/office/drawing/2014/main" id="{A0E096AF-3A99-4974-90F7-1BA2E6421628}"/>
+              </a:ext>
+            </a:extLst>
+          </p:cNvPr>
+          <p:cNvSpPr>
+            <a:spLocks noGrp="1"/>
+          </p:cNvSpPr>
+          <p:nvPr>
+            <p:ph type="title"/>
+          </p:nvPr>
+        </p:nvSpPr>
+        <p:spPr/>
+        <p:txBody>
+          <a:bodyPr/>
+          <a:lstStyle/>
+          <a:p>
+            <a:endParaRPr lang="en-US"/>
+          </a:p>
+        </p:txBody>
+      </p:sp>
+      <p:pic>
+        <p:nvPicPr>
+          <p:cNvPr id="5" name="Content Placeholder 4">
+            <a:extLst>
+              <a:ext uri="{FF2B5EF4-FFF2-40B4-BE49-F238E27FC236}">
+                <a16:creationId xmlns:a16="http://schemas.microsoft.com/office/drawing/2014/main" id="{B5160903-2090-48C6-93C9-A6CADD43F472}"/>
+              </a:ext>
+            </a:extLst>
+          </p:cNvPr>
+          <p:cNvPicPr>
+            <a:picLocks noGrp="1" noChangeAspect="1"/>
+          </p:cNvPicPr>
+          <p:nvPr>
+            <p:ph idx="1"/>
+          </p:nvPr>
+        </p:nvPicPr>
+        <p:blipFill>
+          <a:blip r:embed="rId2">
+            <a:extLst>
+              <a:ext uri="{28A0092B-C50C-407E-A947-70E740481C1C}">
+                <a14:useLocalDpi xmlns:a14="http://schemas.microsoft.com/office/drawing/2010/main" val="0"/>
+              </a:ext>
+            </a:extLst>
+          </a:blip>
+          <a:stretch>
+            <a:fillRect/>
+          </a:stretch>
+        </p:blipFill>
+        <p:spPr>
+          <a:xfrm>
+            <a:off x="1653674" y="1192697"/>
+            <a:ext cx="7761714" cy="5131904"/>
+          </a:xfrm>
+        </p:spPr>
+      </p:pic>
+    </p:spTree>
+    <p:extLst>
+      <p:ext uri="{BB962C8B-B14F-4D97-AF65-F5344CB8AC3E}">
+        <p14:creationId xmlns:p14="http://schemas.microsoft.com/office/powerpoint/2010/main" val="1607139654"/>
+      </p:ext>
+    </p:extLst>
+  </p:cSld>
+  <p:clrMapOvr>
+    <a:masterClrMapping/>
+  </p:clrMapOvr>
+</p:sld>
+</file>
+
+<file path=ppt/slides/slide19.xml><?xml version="1.0" encoding="utf-8"?>
+<p:sld xmlns:a="http://schemas.openxmlformats.org/drawingml/2006/main" xmlns:r="http://schemas.openxmlformats.org/officeDocument/2006/relationships" xmlns:p="http://schemas.openxmlformats.org/presentationml/2006/main">
+  <p:cSld>
+    <p:spTree>
+      <p:nvGrpSpPr>
+        <p:cNvPr id="1" name=""/>
+        <p:cNvGrpSpPr/>
+        <p:nvPr/>
+      </p:nvGrpSpPr>
+      <p:grpSpPr>
+        <a:xfrm>
+          <a:off x="0" y="0"/>
+          <a:ext cx="0" cy="0"/>
+          <a:chOff x="0" y="0"/>
+          <a:chExt cx="0" cy="0"/>
+        </a:xfrm>
+      </p:grpSpPr>
+      <p:sp>
+        <p:nvSpPr>
+          <p:cNvPr id="2" name="Title 1">
+            <a:extLst>
+              <a:ext uri="{FF2B5EF4-FFF2-40B4-BE49-F238E27FC236}">
+                <a16:creationId xmlns:a16="http://schemas.microsoft.com/office/drawing/2014/main" id="{10862463-33D8-4E1A-958D-CCBB225CD6E3}"/>
+              </a:ext>
+            </a:extLst>
+          </p:cNvPr>
+          <p:cNvSpPr>
+            <a:spLocks noGrp="1"/>
+          </p:cNvSpPr>
+          <p:nvPr>
+            <p:ph type="title"/>
+          </p:nvPr>
+        </p:nvSpPr>
+        <p:spPr/>
+        <p:txBody>
+          <a:bodyPr/>
+          <a:lstStyle/>
+          <a:p>
+            <a:endParaRPr lang="en-US"/>
+          </a:p>
+        </p:txBody>
+      </p:sp>
+      <p:pic>
+        <p:nvPicPr>
+          <p:cNvPr id="5" name="Content Placeholder 4">
+            <a:extLst>
+              <a:ext uri="{FF2B5EF4-FFF2-40B4-BE49-F238E27FC236}">
+                <a16:creationId xmlns:a16="http://schemas.microsoft.com/office/drawing/2014/main" id="{F19721C3-22A6-4DCD-AAC2-A883A327A168}"/>
+              </a:ext>
+            </a:extLst>
+          </p:cNvPr>
+          <p:cNvPicPr>
+            <a:picLocks noGrp="1" noChangeAspect="1"/>
+          </p:cNvPicPr>
+          <p:nvPr>
+            <p:ph idx="1"/>
+          </p:nvPr>
+        </p:nvPicPr>
+        <p:blipFill>
+          <a:blip r:embed="rId2">
+            <a:extLst>
+              <a:ext uri="{28A0092B-C50C-407E-A947-70E740481C1C}">
+                <a14:useLocalDpi xmlns:a14="http://schemas.microsoft.com/office/drawing/2010/main" val="0"/>
+              </a:ext>
+            </a:extLst>
+          </a:blip>
+          <a:stretch>
+            <a:fillRect/>
+          </a:stretch>
+        </p:blipFill>
+        <p:spPr>
+          <a:xfrm>
+            <a:off x="374090" y="1391479"/>
+            <a:ext cx="10307788" cy="4933122"/>
+          </a:xfrm>
+        </p:spPr>
+      </p:pic>
+    </p:spTree>
+    <p:extLst>
+      <p:ext uri="{BB962C8B-B14F-4D97-AF65-F5344CB8AC3E}">
+        <p14:creationId xmlns:p14="http://schemas.microsoft.com/office/powerpoint/2010/main" val="555522688"/>
       </p:ext>
     </p:extLst>
   </p:cSld>
@@ -4353,7 +9411,7 @@
           <p:cNvPr id="2" name="Title 1">
             <a:extLst>
               <a:ext uri="{FF2B5EF4-FFF2-40B4-BE49-F238E27FC236}">
-                <a16:creationId xmlns:a16="http://schemas.microsoft.com/office/drawing/2014/main" xmlns="" id="{6B8DFE3D-CF41-4632-AEB2-4BE6F92E974B}"/>
+                <a16:creationId xmlns:a16="http://schemas.microsoft.com/office/drawing/2014/main" id="{6B8DFE3D-CF41-4632-AEB2-4BE6F92E974B}"/>
               </a:ext>
             </a:extLst>
           </p:cNvPr>
@@ -4381,7 +9439,7 @@
           <p:cNvPr id="3" name="Content Placeholder 2">
             <a:extLst>
               <a:ext uri="{FF2B5EF4-FFF2-40B4-BE49-F238E27FC236}">
-                <a16:creationId xmlns:a16="http://schemas.microsoft.com/office/drawing/2014/main" xmlns="" id="{5854B835-7BC2-467F-A535-7DE21884A81B}"/>
+                <a16:creationId xmlns:a16="http://schemas.microsoft.com/office/drawing/2014/main" id="{5854B835-7BC2-467F-A535-7DE21884A81B}"/>
               </a:ext>
             </a:extLst>
           </p:cNvPr>
@@ -4400,57 +9458,25 @@
           <a:lstStyle/>
           <a:p>
             <a:r>
-              <a:rPr lang="en-US" sz="1800" dirty="0" smtClean="0">
+              <a:rPr lang="en-US" sz="1800" dirty="0">
                 <a:latin typeface="Calibri" panose="020F0502020204030204" pitchFamily="34" charset="0"/>
                 <a:ea typeface="Times New Roman" panose="02020603050405020304" pitchFamily="18" charset="0"/>
                 <a:cs typeface="Calibri" panose="020F0502020204030204" pitchFamily="34" charset="0"/>
               </a:rPr>
-              <a:t>Employee management System is a distributed application, developed to maintain the details of employees working in any organization. </a:t>
-            </a:r>
-            <a:r>
-              <a:rPr lang="en-US" sz="1800" dirty="0" smtClean="0">
+              <a:t>Employee management System is a distributed application, developed to maintain the details of employees working in any organization. It maintains the information about the personal details of their employees, also the details about the payroll system which enable to generate the pay slip.</a:t>
+            </a:r>
+          </a:p>
+          <a:p>
+            <a:r>
+              <a:rPr lang="en-US" sz="1800" dirty="0">
                 <a:latin typeface="Calibri" panose="020F0502020204030204" pitchFamily="34" charset="0"/>
                 <a:ea typeface="Times New Roman" panose="02020603050405020304" pitchFamily="18" charset="0"/>
                 <a:cs typeface="Calibri" panose="020F0502020204030204" pitchFamily="34" charset="0"/>
               </a:rPr>
-              <a:t>It maintains the information about the personal details of their employees, also the details about the payroll system which enable to generate the </a:t>
-            </a:r>
-            <a:r>
-              <a:rPr lang="en-US" sz="1800" dirty="0" smtClean="0">
-                <a:latin typeface="Calibri" panose="020F0502020204030204" pitchFamily="34" charset="0"/>
-                <a:ea typeface="Times New Roman" panose="02020603050405020304" pitchFamily="18" charset="0"/>
-                <a:cs typeface="Calibri" panose="020F0502020204030204" pitchFamily="34" charset="0"/>
-              </a:rPr>
-              <a:t>pay slip.</a:t>
-            </a:r>
-          </a:p>
-          <a:p>
-            <a:r>
-              <a:rPr lang="en-US" sz="1800" dirty="0" smtClean="0">
-                <a:latin typeface="Calibri" panose="020F0502020204030204" pitchFamily="34" charset="0"/>
-                <a:ea typeface="Times New Roman" panose="02020603050405020304" pitchFamily="18" charset="0"/>
-                <a:cs typeface="Calibri" panose="020F0502020204030204" pitchFamily="34" charset="0"/>
-              </a:rPr>
-              <a:t> </a:t>
-            </a:r>
-            <a:r>
-              <a:rPr lang="en-US" sz="1800" dirty="0" smtClean="0">
-                <a:latin typeface="Calibri" panose="020F0502020204030204" pitchFamily="34" charset="0"/>
-                <a:ea typeface="Times New Roman" panose="02020603050405020304" pitchFamily="18" charset="0"/>
-                <a:cs typeface="Calibri" panose="020F0502020204030204" pitchFamily="34" charset="0"/>
-              </a:rPr>
-              <a:t>The application is actually a suite of applications developed using Java. </a:t>
-            </a:r>
-            <a:r>
-              <a:rPr lang="en-US" sz="1800" dirty="0" smtClean="0">
-                <a:latin typeface="Calibri" panose="020F0502020204030204" pitchFamily="34" charset="0"/>
-                <a:ea typeface="Times New Roman" panose="02020603050405020304" pitchFamily="18" charset="0"/>
-                <a:cs typeface="Calibri" panose="020F0502020204030204" pitchFamily="34" charset="0"/>
-              </a:rPr>
-              <a:t>This software package has been developed using the powerful coding tools of JAVA at Front End and Microsoft </a:t>
-            </a:r>
-            <a:r>
-              <a:rPr lang="en-US" sz="1800" dirty="0" err="1" smtClean="0">
+              <a:t> The application is actually a suite of applications developed using Java. This software package has been developed using the powerful coding tools of JAVA at Front End and Microsoft </a:t>
+            </a:r>
+            <a:r>
+              <a:rPr lang="en-US" sz="1800" dirty="0" err="1">
                 <a:latin typeface="Calibri" panose="020F0502020204030204" pitchFamily="34" charset="0"/>
                 <a:ea typeface="Times New Roman" panose="02020603050405020304" pitchFamily="18" charset="0"/>
                 <a:cs typeface="Calibri" panose="020F0502020204030204" pitchFamily="34" charset="0"/>
@@ -4458,80 +9484,32 @@
               <a:t>Sql</a:t>
             </a:r>
             <a:r>
-              <a:rPr lang="en-US" sz="1800" dirty="0" smtClean="0">
+              <a:rPr lang="en-US" sz="1800" dirty="0">
                 <a:latin typeface="Calibri" panose="020F0502020204030204" pitchFamily="34" charset="0"/>
                 <a:ea typeface="Times New Roman" panose="02020603050405020304" pitchFamily="18" charset="0"/>
                 <a:cs typeface="Calibri" panose="020F0502020204030204" pitchFamily="34" charset="0"/>
               </a:rPr>
-              <a:t> Server at Back </a:t>
-            </a:r>
-            <a:r>
-              <a:rPr lang="en-US" sz="1800" dirty="0" smtClean="0">
+              <a:t> Server at Back End . </a:t>
+            </a:r>
+          </a:p>
+          <a:p>
+            <a:r>
+              <a:rPr lang="en-US" sz="1800" dirty="0">
                 <a:latin typeface="Calibri" panose="020F0502020204030204" pitchFamily="34" charset="0"/>
                 <a:ea typeface="Times New Roman" panose="02020603050405020304" pitchFamily="18" charset="0"/>
                 <a:cs typeface="Calibri" panose="020F0502020204030204" pitchFamily="34" charset="0"/>
               </a:rPr>
-              <a:t>End . </a:t>
-            </a:r>
-          </a:p>
-          <a:p>
-            <a:r>
-              <a:rPr lang="en-US" sz="1800" dirty="0" smtClean="0">
+              <a:t>The software is very user friendly. The package contains different modules like Employee details. Employee management system is an application that enables users to create and store Employee Records. The application also provides facilities of a payroll system which enables user to generate Pay slips too.</a:t>
+            </a:r>
+          </a:p>
+          <a:p>
+            <a:r>
+              <a:rPr lang="en-US" sz="1800" dirty="0">
                 <a:latin typeface="Calibri" panose="020F0502020204030204" pitchFamily="34" charset="0"/>
                 <a:ea typeface="Times New Roman" panose="02020603050405020304" pitchFamily="18" charset="0"/>
                 <a:cs typeface="Calibri" panose="020F0502020204030204" pitchFamily="34" charset="0"/>
               </a:rPr>
-              <a:t>The </a:t>
-            </a:r>
-            <a:r>
-              <a:rPr lang="en-US" sz="1800" dirty="0" smtClean="0">
-                <a:latin typeface="Calibri" panose="020F0502020204030204" pitchFamily="34" charset="0"/>
-                <a:ea typeface="Times New Roman" panose="02020603050405020304" pitchFamily="18" charset="0"/>
-                <a:cs typeface="Calibri" panose="020F0502020204030204" pitchFamily="34" charset="0"/>
-              </a:rPr>
-              <a:t>software is very user friendly. </a:t>
-            </a:r>
-            <a:r>
-              <a:rPr lang="en-US" sz="1800" dirty="0" smtClean="0">
-                <a:latin typeface="Calibri" panose="020F0502020204030204" pitchFamily="34" charset="0"/>
-                <a:ea typeface="Times New Roman" panose="02020603050405020304" pitchFamily="18" charset="0"/>
-                <a:cs typeface="Calibri" panose="020F0502020204030204" pitchFamily="34" charset="0"/>
-              </a:rPr>
-              <a:t>The package contains different modules like Employee details. Employee management system is an application that enables users to create and store Employee Records. </a:t>
-            </a:r>
-            <a:r>
-              <a:rPr lang="en-US" sz="1800" dirty="0" smtClean="0">
-                <a:latin typeface="Calibri" panose="020F0502020204030204" pitchFamily="34" charset="0"/>
-                <a:ea typeface="Times New Roman" panose="02020603050405020304" pitchFamily="18" charset="0"/>
-                <a:cs typeface="Calibri" panose="020F0502020204030204" pitchFamily="34" charset="0"/>
-              </a:rPr>
-              <a:t>The application also provides facilities of a payroll system which enables user to generate Pay slips too</a:t>
-            </a:r>
-            <a:r>
-              <a:rPr lang="en-US" sz="1800" dirty="0" smtClean="0">
-                <a:latin typeface="Calibri" panose="020F0502020204030204" pitchFamily="34" charset="0"/>
-                <a:ea typeface="Times New Roman" panose="02020603050405020304" pitchFamily="18" charset="0"/>
-                <a:cs typeface="Calibri" panose="020F0502020204030204" pitchFamily="34" charset="0"/>
-              </a:rPr>
-              <a:t>.</a:t>
-            </a:r>
-          </a:p>
-          <a:p>
-            <a:r>
-              <a:rPr lang="en-US" sz="1800" dirty="0" smtClean="0">
-                <a:latin typeface="Calibri" panose="020F0502020204030204" pitchFamily="34" charset="0"/>
-                <a:ea typeface="Times New Roman" panose="02020603050405020304" pitchFamily="18" charset="0"/>
-                <a:cs typeface="Calibri" panose="020F0502020204030204" pitchFamily="34" charset="0"/>
-              </a:rPr>
-              <a:t> </a:t>
-            </a:r>
-            <a:r>
-              <a:rPr lang="en-US" sz="1800" dirty="0" smtClean="0">
-                <a:latin typeface="Calibri" panose="020F0502020204030204" pitchFamily="34" charset="0"/>
-                <a:ea typeface="Times New Roman" panose="02020603050405020304" pitchFamily="18" charset="0"/>
-                <a:cs typeface="Calibri" panose="020F0502020204030204" pitchFamily="34" charset="0"/>
-              </a:rPr>
-              <a:t>This application is helpful to department of the organization which maintains data of employees related to an organization .</a:t>
+              <a:t> This application is helpful to department of the organization which maintains data of employees related to an organization .</a:t>
             </a:r>
             <a:endParaRPr lang="en-IN" sz="1800" dirty="0">
               <a:latin typeface="Calibri" panose="020F0502020204030204" pitchFamily="34" charset="0"/>
@@ -4544,7 +9522,270 @@
     </p:spTree>
     <p:extLst>
       <p:ext uri="{BB962C8B-B14F-4D97-AF65-F5344CB8AC3E}">
-        <p14:creationId xmlns:p14="http://schemas.microsoft.com/office/powerpoint/2010/main" xmlns="" val="1446555541"/>
+        <p14:creationId xmlns:p14="http://schemas.microsoft.com/office/powerpoint/2010/main" val="1446555541"/>
+      </p:ext>
+    </p:extLst>
+  </p:cSld>
+  <p:clrMapOvr>
+    <a:masterClrMapping/>
+  </p:clrMapOvr>
+</p:sld>
+</file>
+
+<file path=ppt/slides/slide20.xml><?xml version="1.0" encoding="utf-8"?>
+<p:sld xmlns:a="http://schemas.openxmlformats.org/drawingml/2006/main" xmlns:r="http://schemas.openxmlformats.org/officeDocument/2006/relationships" xmlns:p="http://schemas.openxmlformats.org/presentationml/2006/main">
+  <p:cSld>
+    <p:spTree>
+      <p:nvGrpSpPr>
+        <p:cNvPr id="1" name=""/>
+        <p:cNvGrpSpPr/>
+        <p:nvPr/>
+      </p:nvGrpSpPr>
+      <p:grpSpPr>
+        <a:xfrm>
+          <a:off x="0" y="0"/>
+          <a:ext cx="0" cy="0"/>
+          <a:chOff x="0" y="0"/>
+          <a:chExt cx="0" cy="0"/>
+        </a:xfrm>
+      </p:grpSpPr>
+      <p:sp>
+        <p:nvSpPr>
+          <p:cNvPr id="2" name="Title 1">
+            <a:extLst>
+              <a:ext uri="{FF2B5EF4-FFF2-40B4-BE49-F238E27FC236}">
+                <a16:creationId xmlns:a16="http://schemas.microsoft.com/office/drawing/2014/main" id="{28565D19-DD92-4862-BB01-234A9DD5B379}"/>
+              </a:ext>
+            </a:extLst>
+          </p:cNvPr>
+          <p:cNvSpPr>
+            <a:spLocks noGrp="1"/>
+          </p:cNvSpPr>
+          <p:nvPr>
+            <p:ph type="title"/>
+          </p:nvPr>
+        </p:nvSpPr>
+        <p:spPr/>
+        <p:txBody>
+          <a:bodyPr/>
+          <a:lstStyle/>
+          <a:p>
+            <a:endParaRPr lang="en-US"/>
+          </a:p>
+        </p:txBody>
+      </p:sp>
+      <p:pic>
+        <p:nvPicPr>
+          <p:cNvPr id="5" name="Content Placeholder 4">
+            <a:extLst>
+              <a:ext uri="{FF2B5EF4-FFF2-40B4-BE49-F238E27FC236}">
+                <a16:creationId xmlns:a16="http://schemas.microsoft.com/office/drawing/2014/main" id="{61F32E52-AEC4-4556-A889-B2F774AB041C}"/>
+              </a:ext>
+            </a:extLst>
+          </p:cNvPr>
+          <p:cNvPicPr>
+            <a:picLocks noGrp="1" noChangeAspect="1"/>
+          </p:cNvPicPr>
+          <p:nvPr>
+            <p:ph idx="1"/>
+          </p:nvPr>
+        </p:nvPicPr>
+        <p:blipFill>
+          <a:blip r:embed="rId2">
+            <a:extLst>
+              <a:ext uri="{28A0092B-C50C-407E-A947-70E740481C1C}">
+                <a14:useLocalDpi xmlns:a14="http://schemas.microsoft.com/office/drawing/2010/main" val="0"/>
+              </a:ext>
+            </a:extLst>
+          </a:blip>
+          <a:stretch>
+            <a:fillRect/>
+          </a:stretch>
+        </p:blipFill>
+        <p:spPr>
+          <a:xfrm>
+            <a:off x="1180200" y="1364975"/>
+            <a:ext cx="8817846" cy="4959626"/>
+          </a:xfrm>
+        </p:spPr>
+      </p:pic>
+    </p:spTree>
+    <p:extLst>
+      <p:ext uri="{BB962C8B-B14F-4D97-AF65-F5344CB8AC3E}">
+        <p14:creationId xmlns:p14="http://schemas.microsoft.com/office/powerpoint/2010/main" val="3541781653"/>
+      </p:ext>
+    </p:extLst>
+  </p:cSld>
+  <p:clrMapOvr>
+    <a:masterClrMapping/>
+  </p:clrMapOvr>
+</p:sld>
+</file>
+
+<file path=ppt/slides/slide21.xml><?xml version="1.0" encoding="utf-8"?>
+<p:sld xmlns:a="http://schemas.openxmlformats.org/drawingml/2006/main" xmlns:r="http://schemas.openxmlformats.org/officeDocument/2006/relationships" xmlns:p="http://schemas.openxmlformats.org/presentationml/2006/main">
+  <p:cSld>
+    <p:spTree>
+      <p:nvGrpSpPr>
+        <p:cNvPr id="1" name=""/>
+        <p:cNvGrpSpPr/>
+        <p:nvPr/>
+      </p:nvGrpSpPr>
+      <p:grpSpPr>
+        <a:xfrm>
+          <a:off x="0" y="0"/>
+          <a:ext cx="0" cy="0"/>
+          <a:chOff x="0" y="0"/>
+          <a:chExt cx="0" cy="0"/>
+        </a:xfrm>
+      </p:grpSpPr>
+      <p:sp>
+        <p:nvSpPr>
+          <p:cNvPr id="2" name="Title 1">
+            <a:extLst>
+              <a:ext uri="{FF2B5EF4-FFF2-40B4-BE49-F238E27FC236}">
+                <a16:creationId xmlns:a16="http://schemas.microsoft.com/office/drawing/2014/main" id="{38E96141-EDF2-419B-B023-7C58508B64E8}"/>
+              </a:ext>
+            </a:extLst>
+          </p:cNvPr>
+          <p:cNvSpPr>
+            <a:spLocks noGrp="1"/>
+          </p:cNvSpPr>
+          <p:nvPr>
+            <p:ph type="title"/>
+          </p:nvPr>
+        </p:nvSpPr>
+        <p:spPr/>
+        <p:txBody>
+          <a:bodyPr/>
+          <a:lstStyle/>
+          <a:p>
+            <a:endParaRPr lang="en-US"/>
+          </a:p>
+        </p:txBody>
+      </p:sp>
+      <p:pic>
+        <p:nvPicPr>
+          <p:cNvPr id="5" name="Content Placeholder 4">
+            <a:extLst>
+              <a:ext uri="{FF2B5EF4-FFF2-40B4-BE49-F238E27FC236}">
+                <a16:creationId xmlns:a16="http://schemas.microsoft.com/office/drawing/2014/main" id="{6D4F102F-8254-4E20-9D79-C989FCEBC432}"/>
+              </a:ext>
+            </a:extLst>
+          </p:cNvPr>
+          <p:cNvPicPr>
+            <a:picLocks noGrp="1" noChangeAspect="1"/>
+          </p:cNvPicPr>
+          <p:nvPr>
+            <p:ph idx="1"/>
+          </p:nvPr>
+        </p:nvPicPr>
+        <p:blipFill>
+          <a:blip r:embed="rId2">
+            <a:extLst>
+              <a:ext uri="{28A0092B-C50C-407E-A947-70E740481C1C}">
+                <a14:useLocalDpi xmlns:a14="http://schemas.microsoft.com/office/drawing/2010/main" val="0"/>
+              </a:ext>
+            </a:extLst>
+          </a:blip>
+          <a:stretch>
+            <a:fillRect/>
+          </a:stretch>
+        </p:blipFill>
+        <p:spPr>
+          <a:xfrm>
+            <a:off x="775963" y="704088"/>
+            <a:ext cx="10640074" cy="5092148"/>
+          </a:xfrm>
+        </p:spPr>
+      </p:pic>
+    </p:spTree>
+    <p:extLst>
+      <p:ext uri="{BB962C8B-B14F-4D97-AF65-F5344CB8AC3E}">
+        <p14:creationId xmlns:p14="http://schemas.microsoft.com/office/powerpoint/2010/main" val="971495004"/>
+      </p:ext>
+    </p:extLst>
+  </p:cSld>
+  <p:clrMapOvr>
+    <a:masterClrMapping/>
+  </p:clrMapOvr>
+</p:sld>
+</file>
+
+<file path=ppt/slides/slide22.xml><?xml version="1.0" encoding="utf-8"?>
+<p:sld xmlns:a="http://schemas.openxmlformats.org/drawingml/2006/main" xmlns:r="http://schemas.openxmlformats.org/officeDocument/2006/relationships" xmlns:p="http://schemas.openxmlformats.org/presentationml/2006/main">
+  <p:cSld>
+    <p:spTree>
+      <p:nvGrpSpPr>
+        <p:cNvPr id="1" name=""/>
+        <p:cNvGrpSpPr/>
+        <p:nvPr/>
+      </p:nvGrpSpPr>
+      <p:grpSpPr>
+        <a:xfrm>
+          <a:off x="0" y="0"/>
+          <a:ext cx="0" cy="0"/>
+          <a:chOff x="0" y="0"/>
+          <a:chExt cx="0" cy="0"/>
+        </a:xfrm>
+      </p:grpSpPr>
+      <p:sp>
+        <p:nvSpPr>
+          <p:cNvPr id="2" name="Title 1">
+            <a:extLst>
+              <a:ext uri="{FF2B5EF4-FFF2-40B4-BE49-F238E27FC236}">
+                <a16:creationId xmlns:a16="http://schemas.microsoft.com/office/drawing/2014/main" id="{3D27B6BD-6029-4719-B606-0057CD8A37CB}"/>
+              </a:ext>
+            </a:extLst>
+          </p:cNvPr>
+          <p:cNvSpPr>
+            <a:spLocks noGrp="1"/>
+          </p:cNvSpPr>
+          <p:nvPr>
+            <p:ph type="title"/>
+          </p:nvPr>
+        </p:nvSpPr>
+        <p:spPr/>
+        <p:txBody>
+          <a:bodyPr/>
+          <a:lstStyle/>
+          <a:p>
+            <a:r>
+              <a:rPr lang="en-US" dirty="0"/>
+              <a:t>Thank You</a:t>
+            </a:r>
+          </a:p>
+        </p:txBody>
+      </p:sp>
+      <p:sp>
+        <p:nvSpPr>
+          <p:cNvPr id="3" name="Content Placeholder 2">
+            <a:extLst>
+              <a:ext uri="{FF2B5EF4-FFF2-40B4-BE49-F238E27FC236}">
+                <a16:creationId xmlns:a16="http://schemas.microsoft.com/office/drawing/2014/main" id="{B7A32F1A-EEE9-4FAF-8505-D230D3A96A68}"/>
+              </a:ext>
+            </a:extLst>
+          </p:cNvPr>
+          <p:cNvSpPr>
+            <a:spLocks noGrp="1"/>
+          </p:cNvSpPr>
+          <p:nvPr>
+            <p:ph idx="1"/>
+          </p:nvPr>
+        </p:nvSpPr>
+        <p:spPr/>
+        <p:txBody>
+          <a:bodyPr/>
+          <a:lstStyle/>
+          <a:p>
+            <a:endParaRPr lang="en-US" dirty="0"/>
+          </a:p>
+        </p:txBody>
+      </p:sp>
+    </p:spTree>
+    <p:extLst>
+      <p:ext uri="{BB962C8B-B14F-4D97-AF65-F5344CB8AC3E}">
+        <p14:creationId xmlns:p14="http://schemas.microsoft.com/office/powerpoint/2010/main" val="3224667788"/>
       </p:ext>
     </p:extLst>
   </p:cSld>
@@ -4576,7 +9817,7 @@
           <p:cNvPr id="2" name="Title 1">
             <a:extLst>
               <a:ext uri="{FF2B5EF4-FFF2-40B4-BE49-F238E27FC236}">
-                <a16:creationId xmlns:a16="http://schemas.microsoft.com/office/drawing/2014/main" xmlns="" id="{C928D01C-8D37-4F3A-B329-D9C66B48A509}"/>
+                <a16:creationId xmlns:a16="http://schemas.microsoft.com/office/drawing/2014/main" id="{C928D01C-8D37-4F3A-B329-D9C66B48A509}"/>
               </a:ext>
             </a:extLst>
           </p:cNvPr>
@@ -4609,7 +9850,7 @@
           <p:cNvPr id="3" name="Content Placeholder 2">
             <a:extLst>
               <a:ext uri="{FF2B5EF4-FFF2-40B4-BE49-F238E27FC236}">
-                <a16:creationId xmlns:a16="http://schemas.microsoft.com/office/drawing/2014/main" xmlns="" id="{D5EC0356-6C79-4D24-998C-29DE6C39D1B9}"/>
+                <a16:creationId xmlns:a16="http://schemas.microsoft.com/office/drawing/2014/main" id="{D5EC0356-6C79-4D24-998C-29DE6C39D1B9}"/>
               </a:ext>
             </a:extLst>
           </p:cNvPr>
@@ -4734,7 +9975,7 @@
     </p:spTree>
     <p:extLst>
       <p:ext uri="{BB962C8B-B14F-4D97-AF65-F5344CB8AC3E}">
-        <p14:creationId xmlns:p14="http://schemas.microsoft.com/office/powerpoint/2010/main" xmlns="" val="144813404"/>
+        <p14:creationId xmlns:p14="http://schemas.microsoft.com/office/powerpoint/2010/main" val="144813404"/>
       </p:ext>
     </p:extLst>
   </p:cSld>
@@ -4766,7 +10007,7 @@
           <p:cNvPr id="2" name="Title 1">
             <a:extLst>
               <a:ext uri="{FF2B5EF4-FFF2-40B4-BE49-F238E27FC236}">
-                <a16:creationId xmlns:a16="http://schemas.microsoft.com/office/drawing/2014/main" xmlns="" id="{4D9503AC-872F-4E85-AEE2-7A8E7C5BC087}"/>
+                <a16:creationId xmlns:a16="http://schemas.microsoft.com/office/drawing/2014/main" id="{4D9503AC-872F-4E85-AEE2-7A8E7C5BC087}"/>
               </a:ext>
             </a:extLst>
           </p:cNvPr>
@@ -4789,14 +10030,6 @@
               </a:rPr>
               <a:t> SOFTWARE SPECIFICATION</a:t>
             </a:r>
-            <a:r>
-              <a:rPr lang="en-US" sz="1800" dirty="0">
-                <a:effectLst/>
-                <a:latin typeface="Times New Roman" panose="02020603050405020304" pitchFamily="18" charset="0"/>
-                <a:ea typeface="Times New Roman" panose="02020603050405020304" pitchFamily="18" charset="0"/>
-              </a:rPr>
-              <a:t/>
-            </a:r>
             <a:br>
               <a:rPr lang="en-US" sz="1800" dirty="0">
                 <a:effectLst/>
@@ -4813,7 +10046,7 @@
           <p:cNvPr id="3" name="Content Placeholder 2">
             <a:extLst>
               <a:ext uri="{FF2B5EF4-FFF2-40B4-BE49-F238E27FC236}">
-                <a16:creationId xmlns:a16="http://schemas.microsoft.com/office/drawing/2014/main" xmlns="" id="{7F785B1C-3FC4-43FE-88A7-4F680B15B227}"/>
+                <a16:creationId xmlns:a16="http://schemas.microsoft.com/office/drawing/2014/main" id="{7F785B1C-3FC4-43FE-88A7-4F680B15B227}"/>
               </a:ext>
             </a:extLst>
           </p:cNvPr>
@@ -4928,14 +10161,6 @@
               </a:spcAft>
               <a:buNone/>
             </a:pPr>
-            <a:r>
-              <a:rPr lang="en-US" sz="1800" b="1" dirty="0">
-                <a:effectLst/>
-                <a:latin typeface="Times New Roman" panose="02020603050405020304" pitchFamily="18" charset="0"/>
-                <a:ea typeface="Calibri" panose="020F0502020204030204" pitchFamily="34" charset="0"/>
-              </a:rPr>
-              <a:t/>
-            </a:r>
             <a:br>
               <a:rPr lang="en-US" sz="1800" b="1" dirty="0">
                 <a:effectLst/>
@@ -4967,7 +10192,7 @@
     </p:spTree>
     <p:extLst>
       <p:ext uri="{BB962C8B-B14F-4D97-AF65-F5344CB8AC3E}">
-        <p14:creationId xmlns:p14="http://schemas.microsoft.com/office/powerpoint/2010/main" xmlns="" val="2447836325"/>
+        <p14:creationId xmlns:p14="http://schemas.microsoft.com/office/powerpoint/2010/main" val="2447836325"/>
       </p:ext>
     </p:extLst>
   </p:cSld>
@@ -4999,7 +10224,7 @@
           <p:cNvPr id="2" name="Title 1">
             <a:extLst>
               <a:ext uri="{FF2B5EF4-FFF2-40B4-BE49-F238E27FC236}">
-                <a16:creationId xmlns:a16="http://schemas.microsoft.com/office/drawing/2014/main" xmlns="" id="{DE96AEBB-53AB-4615-9F17-8505694A5C4F}"/>
+                <a16:creationId xmlns:a16="http://schemas.microsoft.com/office/drawing/2014/main" id="{DE96AEBB-53AB-4615-9F17-8505694A5C4F}"/>
               </a:ext>
             </a:extLst>
           </p:cNvPr>
@@ -5027,7 +10252,7 @@
           <p:cNvPr id="3" name="Content Placeholder 2">
             <a:extLst>
               <a:ext uri="{FF2B5EF4-FFF2-40B4-BE49-F238E27FC236}">
-                <a16:creationId xmlns:a16="http://schemas.microsoft.com/office/drawing/2014/main" xmlns="" id="{B678DDFF-0C1F-4E6A-A7AF-6FD81C2BA9CF}"/>
+                <a16:creationId xmlns:a16="http://schemas.microsoft.com/office/drawing/2014/main" id="{B678DDFF-0C1F-4E6A-A7AF-6FD81C2BA9CF}"/>
               </a:ext>
             </a:extLst>
           </p:cNvPr>
@@ -5046,36 +10271,25 @@
           <a:lstStyle/>
           <a:p>
             <a:r>
-              <a:rPr lang="en-US" sz="1800" dirty="0" smtClean="0">
+              <a:rPr lang="en-US" sz="1800" dirty="0">
                 <a:latin typeface="Calibri" panose="020F0502020204030204" pitchFamily="34" charset="0"/>
                 <a:ea typeface="Times New Roman" panose="02020603050405020304" pitchFamily="18" charset="0"/>
               </a:rPr>
-              <a:t>In this existing system very hard to managing the employees manually. Sometimes it has taken more to search one particular employees. </a:t>
-            </a:r>
-            <a:r>
-              <a:rPr lang="en-US" sz="1800" dirty="0" smtClean="0">
-                <a:latin typeface="Calibri" panose="020F0502020204030204" pitchFamily="34" charset="0"/>
-                <a:ea typeface="Times New Roman" panose="02020603050405020304" pitchFamily="18" charset="0"/>
-              </a:rPr>
-              <a:t>This will take too much time to find one employee. </a:t>
-            </a:r>
-            <a:endParaRPr lang="en-US" sz="1800" dirty="0" smtClean="0">
+              <a:t>In this existing system very hard to managing the employees manually. Sometimes it has taken more to search one particular employees. This will take too much time to find one employee. </a:t>
+            </a:r>
+          </a:p>
+          <a:p>
+            <a:endParaRPr lang="en-IN" sz="1800" dirty="0">
               <a:latin typeface="Calibri" panose="020F0502020204030204" pitchFamily="34" charset="0"/>
               <a:ea typeface="Times New Roman" panose="02020603050405020304" pitchFamily="18" charset="0"/>
             </a:endParaRPr>
           </a:p>
           <a:p>
-            <a:endParaRPr lang="en-IN" sz="1800" dirty="0" smtClean="0">
-              <a:latin typeface="Calibri" panose="020F0502020204030204" pitchFamily="34" charset="0"/>
-              <a:ea typeface="Times New Roman" panose="02020603050405020304" pitchFamily="18" charset="0"/>
-            </a:endParaRPr>
-          </a:p>
-          <a:p>
             <a:pPr marL="0" indent="0">
               <a:buNone/>
             </a:pPr>
             <a:r>
-              <a:rPr lang="en-US" sz="1800" b="1" kern="100" dirty="0" smtClean="0">
+              <a:rPr lang="en-US" sz="1800" b="1" kern="100" dirty="0">
                 <a:latin typeface="Times New Roman" panose="02020603050405020304" pitchFamily="18" charset="0"/>
               </a:rPr>
               <a:t>Disadvantages</a:t>
@@ -5092,13 +10306,13 @@
           <a:p>
             <a:pPr lvl="0"/>
             <a:r>
-              <a:rPr lang="en-US" sz="1800" dirty="0" smtClean="0">
+              <a:rPr lang="en-US" sz="1800" dirty="0">
                 <a:latin typeface="Calibri" panose="020F0502020204030204" pitchFamily="34" charset="0"/>
                 <a:ea typeface="Times New Roman" panose="02020603050405020304" pitchFamily="18" charset="0"/>
               </a:rPr>
               <a:t>It takes too much time to find employee</a:t>
             </a:r>
-            <a:endParaRPr lang="en-IN" sz="1800" dirty="0" smtClean="0">
+            <a:endParaRPr lang="en-IN" sz="1800" dirty="0">
               <a:latin typeface="Calibri" panose="020F0502020204030204" pitchFamily="34" charset="0"/>
               <a:ea typeface="Times New Roman" panose="02020603050405020304" pitchFamily="18" charset="0"/>
             </a:endParaRPr>
@@ -5106,13 +10320,13 @@
           <a:p>
             <a:pPr lvl="0"/>
             <a:r>
-              <a:rPr lang="en-US" sz="1800" dirty="0" smtClean="0">
+              <a:rPr lang="en-US" sz="1800" dirty="0">
                 <a:latin typeface="Calibri" panose="020F0502020204030204" pitchFamily="34" charset="0"/>
                 <a:ea typeface="Times New Roman" panose="02020603050405020304" pitchFamily="18" charset="0"/>
               </a:rPr>
               <a:t>Can’t handle employee working hours</a:t>
             </a:r>
-            <a:endParaRPr lang="en-IN" sz="1800" dirty="0" smtClean="0">
+            <a:endParaRPr lang="en-IN" sz="1800" dirty="0">
               <a:latin typeface="Calibri" panose="020F0502020204030204" pitchFamily="34" charset="0"/>
               <a:ea typeface="Times New Roman" panose="02020603050405020304" pitchFamily="18" charset="0"/>
             </a:endParaRPr>
@@ -5120,13 +10334,13 @@
           <a:p>
             <a:pPr lvl="0"/>
             <a:r>
-              <a:rPr lang="en-US" sz="1800" dirty="0" smtClean="0">
+              <a:rPr lang="en-US" sz="1800" dirty="0">
                 <a:latin typeface="Calibri" panose="020F0502020204030204" pitchFamily="34" charset="0"/>
                 <a:ea typeface="Times New Roman" panose="02020603050405020304" pitchFamily="18" charset="0"/>
               </a:rPr>
               <a:t>We can’t track the employee </a:t>
             </a:r>
-            <a:endParaRPr lang="en-IN" sz="1800" dirty="0" smtClean="0">
+            <a:endParaRPr lang="en-IN" sz="1800" dirty="0">
               <a:latin typeface="Calibri" panose="020F0502020204030204" pitchFamily="34" charset="0"/>
               <a:ea typeface="Times New Roman" panose="02020603050405020304" pitchFamily="18" charset="0"/>
             </a:endParaRPr>
@@ -5134,13 +10348,13 @@
           <a:p>
             <a:pPr lvl="0"/>
             <a:r>
-              <a:rPr lang="en-US" sz="1800" dirty="0" smtClean="0">
+              <a:rPr lang="en-US" sz="1800" dirty="0">
                 <a:latin typeface="Calibri" panose="020F0502020204030204" pitchFamily="34" charset="0"/>
                 <a:ea typeface="Times New Roman" panose="02020603050405020304" pitchFamily="18" charset="0"/>
               </a:rPr>
               <a:t>Wasting paper based period</a:t>
             </a:r>
-            <a:endParaRPr lang="en-IN" sz="1800" dirty="0" smtClean="0">
+            <a:endParaRPr lang="en-IN" sz="1800" dirty="0">
               <a:latin typeface="Calibri" panose="020F0502020204030204" pitchFamily="34" charset="0"/>
               <a:ea typeface="Times New Roman" panose="02020603050405020304" pitchFamily="18" charset="0"/>
             </a:endParaRPr>
@@ -5156,7 +10370,7 @@
     </p:spTree>
     <p:extLst>
       <p:ext uri="{BB962C8B-B14F-4D97-AF65-F5344CB8AC3E}">
-        <p14:creationId xmlns:p14="http://schemas.microsoft.com/office/powerpoint/2010/main" xmlns="" val="159029031"/>
+        <p14:creationId xmlns:p14="http://schemas.microsoft.com/office/powerpoint/2010/main" val="159029031"/>
       </p:ext>
     </p:extLst>
   </p:cSld>
@@ -5188,7 +10402,7 @@
           <p:cNvPr id="2" name="Title 1">
             <a:extLst>
               <a:ext uri="{FF2B5EF4-FFF2-40B4-BE49-F238E27FC236}">
-                <a16:creationId xmlns:a16="http://schemas.microsoft.com/office/drawing/2014/main" xmlns="" id="{D32D4710-71A8-410A-85F1-3F6B0BE3FAC7}"/>
+                <a16:creationId xmlns:a16="http://schemas.microsoft.com/office/drawing/2014/main" id="{D32D4710-71A8-410A-85F1-3F6B0BE3FAC7}"/>
               </a:ext>
             </a:extLst>
           </p:cNvPr>
@@ -5216,7 +10430,7 @@
           <p:cNvPr id="3" name="Content Placeholder 2">
             <a:extLst>
               <a:ext uri="{FF2B5EF4-FFF2-40B4-BE49-F238E27FC236}">
-                <a16:creationId xmlns:a16="http://schemas.microsoft.com/office/drawing/2014/main" xmlns="" id="{76E19CB4-FA1C-4ED5-AFF1-B82455ED53A4}"/>
+                <a16:creationId xmlns:a16="http://schemas.microsoft.com/office/drawing/2014/main" id="{76E19CB4-FA1C-4ED5-AFF1-B82455ED53A4}"/>
               </a:ext>
             </a:extLst>
           </p:cNvPr>
@@ -5246,13 +10460,13 @@
               <a:t>	</a:t>
             </a:r>
             <a:r>
-              <a:rPr lang="en-US" sz="1800" dirty="0" smtClean="0">
+              <a:rPr lang="en-US" sz="1800" dirty="0">
                 <a:latin typeface="Calibri" panose="020F0502020204030204" pitchFamily="34" charset="0"/>
                 <a:ea typeface="Times New Roman" panose="02020603050405020304" pitchFamily="18" charset="0"/>
               </a:rPr>
               <a:t>This system will be overcome these kind of issue, which makes to find and employees details at any time. We can track the employee immediately.  We can easily find the employee working hours also which may helps to find the employee who are taken leave on that day.</a:t>
             </a:r>
-            <a:endParaRPr lang="en-IN" sz="1800" dirty="0" smtClean="0">
+            <a:endParaRPr lang="en-IN" sz="1800" dirty="0">
               <a:latin typeface="Calibri" panose="020F0502020204030204" pitchFamily="34" charset="0"/>
               <a:ea typeface="Times New Roman" panose="02020603050405020304" pitchFamily="18" charset="0"/>
             </a:endParaRPr>
@@ -5272,7 +10486,7 @@
               <a:buNone/>
             </a:pPr>
             <a:r>
-              <a:rPr lang="en-US" sz="1800" b="1" kern="100" dirty="0" smtClean="0">
+              <a:rPr lang="en-US" sz="1800" b="1" kern="100" dirty="0">
                 <a:latin typeface="Times New Roman" panose="02020603050405020304" pitchFamily="18" charset="0"/>
               </a:rPr>
               <a:t>Advantages</a:t>
@@ -5289,13 +10503,13 @@
           <a:p>
             <a:pPr lvl="0"/>
             <a:r>
-              <a:rPr lang="en-US" sz="1800" dirty="0" smtClean="0">
+              <a:rPr lang="en-US" sz="1800" dirty="0">
                 <a:latin typeface="Calibri" panose="020F0502020204030204" pitchFamily="34" charset="0"/>
                 <a:ea typeface="Times New Roman" panose="02020603050405020304" pitchFamily="18" charset="0"/>
               </a:rPr>
               <a:t>Tracking employees details</a:t>
             </a:r>
-            <a:endParaRPr lang="en-IN" sz="1800" dirty="0" smtClean="0">
+            <a:endParaRPr lang="en-IN" sz="1800" dirty="0">
               <a:latin typeface="Calibri" panose="020F0502020204030204" pitchFamily="34" charset="0"/>
               <a:ea typeface="Times New Roman" panose="02020603050405020304" pitchFamily="18" charset="0"/>
             </a:endParaRPr>
@@ -5303,13 +10517,13 @@
           <a:p>
             <a:pPr lvl="0"/>
             <a:r>
-              <a:rPr lang="en-US" sz="1800" dirty="0" smtClean="0">
+              <a:rPr lang="en-US" sz="1800" dirty="0">
                 <a:latin typeface="Calibri" panose="020F0502020204030204" pitchFamily="34" charset="0"/>
                 <a:ea typeface="Times New Roman" panose="02020603050405020304" pitchFamily="18" charset="0"/>
               </a:rPr>
               <a:t>Attractive interface</a:t>
             </a:r>
-            <a:endParaRPr lang="en-IN" sz="1800" dirty="0" smtClean="0">
+            <a:endParaRPr lang="en-IN" sz="1800" dirty="0">
               <a:latin typeface="Calibri" panose="020F0502020204030204" pitchFamily="34" charset="0"/>
               <a:ea typeface="Times New Roman" panose="02020603050405020304" pitchFamily="18" charset="0"/>
             </a:endParaRPr>
@@ -5317,13 +10531,13 @@
           <a:p>
             <a:pPr lvl="0"/>
             <a:r>
-              <a:rPr lang="en-US" sz="1800" dirty="0" smtClean="0">
+              <a:rPr lang="en-US" sz="1800" dirty="0">
                 <a:latin typeface="Calibri" panose="020F0502020204030204" pitchFamily="34" charset="0"/>
                 <a:ea typeface="Times New Roman" panose="02020603050405020304" pitchFamily="18" charset="0"/>
               </a:rPr>
               <a:t>Every one can using this software.</a:t>
             </a:r>
-            <a:endParaRPr lang="en-IN" sz="1800" dirty="0" smtClean="0">
+            <a:endParaRPr lang="en-IN" sz="1800" dirty="0">
               <a:latin typeface="Calibri" panose="020F0502020204030204" pitchFamily="34" charset="0"/>
               <a:ea typeface="Times New Roman" panose="02020603050405020304" pitchFamily="18" charset="0"/>
             </a:endParaRPr>
@@ -5331,13 +10545,13 @@
           <a:p>
             <a:pPr lvl="0"/>
             <a:r>
-              <a:rPr lang="en-US" sz="1800" dirty="0" smtClean="0">
+              <a:rPr lang="en-US" sz="1800" dirty="0">
                 <a:latin typeface="Calibri" panose="020F0502020204030204" pitchFamily="34" charset="0"/>
                 <a:ea typeface="Times New Roman" panose="02020603050405020304" pitchFamily="18" charset="0"/>
               </a:rPr>
               <a:t>Low cost and high benefit</a:t>
             </a:r>
-            <a:endParaRPr lang="en-IN" sz="1800" dirty="0" smtClean="0">
+            <a:endParaRPr lang="en-IN" sz="1800" dirty="0">
               <a:latin typeface="Calibri" panose="020F0502020204030204" pitchFamily="34" charset="0"/>
               <a:ea typeface="Times New Roman" panose="02020603050405020304" pitchFamily="18" charset="0"/>
             </a:endParaRPr>
@@ -5353,7 +10567,7 @@
     </p:spTree>
     <p:extLst>
       <p:ext uri="{BB962C8B-B14F-4D97-AF65-F5344CB8AC3E}">
-        <p14:creationId xmlns:p14="http://schemas.microsoft.com/office/powerpoint/2010/main" xmlns="" val="1860635155"/>
+        <p14:creationId xmlns:p14="http://schemas.microsoft.com/office/powerpoint/2010/main" val="1860635155"/>
       </p:ext>
     </p:extLst>
   </p:cSld>
@@ -5385,7 +10599,7 @@
           <p:cNvPr id="2" name="Title 1">
             <a:extLst>
               <a:ext uri="{FF2B5EF4-FFF2-40B4-BE49-F238E27FC236}">
-                <a16:creationId xmlns:a16="http://schemas.microsoft.com/office/drawing/2014/main" xmlns="" id="{2D82E879-44E2-4AFC-91C1-A644CA698A8B}"/>
+                <a16:creationId xmlns:a16="http://schemas.microsoft.com/office/drawing/2014/main" id="{2D82E879-44E2-4AFC-91C1-A644CA698A8B}"/>
               </a:ext>
             </a:extLst>
           </p:cNvPr>
@@ -5413,7 +10627,7 @@
           <p:cNvPr id="3" name="Content Placeholder 2">
             <a:extLst>
               <a:ext uri="{FF2B5EF4-FFF2-40B4-BE49-F238E27FC236}">
-                <a16:creationId xmlns:a16="http://schemas.microsoft.com/office/drawing/2014/main" xmlns="" id="{C08555ED-5306-4AC3-82F6-94DC618DC81F}"/>
+                <a16:creationId xmlns:a16="http://schemas.microsoft.com/office/drawing/2014/main" id="{C08555ED-5306-4AC3-82F6-94DC618DC81F}"/>
               </a:ext>
             </a:extLst>
           </p:cNvPr>
@@ -5432,169 +10646,149 @@
           <a:lstStyle/>
           <a:p>
             <a:pPr lvl="0"/>
-            <a:endParaRPr lang="en-US" sz="1800" dirty="0" smtClean="0">
+            <a:endParaRPr lang="en-US" sz="1800" dirty="0">
               <a:latin typeface="Calibri" panose="020F0502020204030204" pitchFamily="34" charset="0"/>
               <a:ea typeface="Times New Roman" panose="02020603050405020304" pitchFamily="18" charset="0"/>
               <a:cs typeface="Calibri" panose="020F0502020204030204" pitchFamily="34" charset="0"/>
             </a:endParaRPr>
           </a:p>
           <a:p>
-            <a:pPr lvl="0"/>
-            <a:r>
-              <a:rPr lang="en-US" sz="1800" dirty="0" smtClean="0">
+            <a:pPr marL="342900" marR="0" lvl="0" indent="-342900">
+              <a:lnSpc>
+                <a:spcPct val="150000"/>
+              </a:lnSpc>
+              <a:spcBef>
+                <a:spcPts val="0"/>
+              </a:spcBef>
+              <a:spcAft>
+                <a:spcPts val="1000"/>
+              </a:spcAft>
+              <a:buFont typeface="+mj-lt"/>
+              <a:buAutoNum type="arabicPeriod"/>
+            </a:pPr>
+            <a:r>
+              <a:rPr lang="en-US" sz="1800" dirty="0">
+                <a:solidFill>
+                  <a:srgbClr val="333333"/>
+                </a:solidFill>
+                <a:effectLst/>
                 <a:latin typeface="Calibri" panose="020F0502020204030204" pitchFamily="34" charset="0"/>
                 <a:ea typeface="Times New Roman" panose="02020603050405020304" pitchFamily="18" charset="0"/>
                 <a:cs typeface="Calibri" panose="020F0502020204030204" pitchFamily="34" charset="0"/>
               </a:rPr>
-              <a:t>Employee </a:t>
-            </a:r>
-            <a:r>
-              <a:rPr lang="en-US" sz="1800" dirty="0" smtClean="0">
+              <a:t>Login Module</a:t>
+            </a:r>
+            <a:endParaRPr lang="en-US" sz="1800" dirty="0">
+              <a:effectLst/>
+              <a:latin typeface="Calibri" panose="020F0502020204030204" pitchFamily="34" charset="0"/>
+              <a:ea typeface="Calibri" panose="020F0502020204030204" pitchFamily="34" charset="0"/>
+              <a:cs typeface="Times New Roman" panose="02020603050405020304" pitchFamily="18" charset="0"/>
+            </a:endParaRPr>
+          </a:p>
+          <a:p>
+            <a:pPr marL="342900" marR="0" lvl="0" indent="-342900">
+              <a:lnSpc>
+                <a:spcPct val="150000"/>
+              </a:lnSpc>
+              <a:spcBef>
+                <a:spcPts val="0"/>
+              </a:spcBef>
+              <a:spcAft>
+                <a:spcPts val="1000"/>
+              </a:spcAft>
+              <a:buFont typeface="+mj-lt"/>
+              <a:buAutoNum type="arabicPeriod"/>
+            </a:pPr>
+            <a:r>
+              <a:rPr lang="en-US" sz="1800" dirty="0">
+                <a:solidFill>
+                  <a:srgbClr val="333333"/>
+                </a:solidFill>
+                <a:effectLst/>
                 <a:latin typeface="Calibri" panose="020F0502020204030204" pitchFamily="34" charset="0"/>
                 <a:ea typeface="Times New Roman" panose="02020603050405020304" pitchFamily="18" charset="0"/>
                 <a:cs typeface="Calibri" panose="020F0502020204030204" pitchFamily="34" charset="0"/>
               </a:rPr>
-              <a:t>Registration</a:t>
-            </a:r>
-            <a:endParaRPr lang="en-IN" sz="1800" dirty="0" smtClean="0">
+              <a:t>Employee Registration</a:t>
+            </a:r>
+            <a:endParaRPr lang="en-US" sz="1800" dirty="0">
+              <a:effectLst/>
               <a:latin typeface="Calibri" panose="020F0502020204030204" pitchFamily="34" charset="0"/>
-              <a:ea typeface="Times New Roman" panose="02020603050405020304" pitchFamily="18" charset="0"/>
-              <a:cs typeface="Calibri" panose="020F0502020204030204" pitchFamily="34" charset="0"/>
+              <a:ea typeface="Calibri" panose="020F0502020204030204" pitchFamily="34" charset="0"/>
+              <a:cs typeface="Times New Roman" panose="02020603050405020304" pitchFamily="18" charset="0"/>
             </a:endParaRPr>
           </a:p>
           <a:p>
-            <a:pPr lvl="0"/>
-            <a:r>
-              <a:rPr lang="en-US" sz="1800" dirty="0" smtClean="0">
+            <a:pPr marL="342900" marR="0" lvl="0" indent="-342900">
+              <a:lnSpc>
+                <a:spcPct val="150000"/>
+              </a:lnSpc>
+              <a:spcBef>
+                <a:spcPts val="0"/>
+              </a:spcBef>
+              <a:spcAft>
+                <a:spcPts val="1000"/>
+              </a:spcAft>
+              <a:buFont typeface="+mj-lt"/>
+              <a:buAutoNum type="arabicPeriod"/>
+            </a:pPr>
+            <a:r>
+              <a:rPr lang="en-US" sz="1800" dirty="0">
+                <a:solidFill>
+                  <a:srgbClr val="333333"/>
+                </a:solidFill>
+                <a:effectLst/>
                 <a:latin typeface="Calibri" panose="020F0502020204030204" pitchFamily="34" charset="0"/>
                 <a:ea typeface="Times New Roman" panose="02020603050405020304" pitchFamily="18" charset="0"/>
                 <a:cs typeface="Calibri" panose="020F0502020204030204" pitchFamily="34" charset="0"/>
               </a:rPr>
-              <a:t>Salary management module</a:t>
-            </a:r>
-            <a:endParaRPr lang="en-IN" sz="1800" dirty="0" smtClean="0">
+              <a:t>Leave type entry</a:t>
+            </a:r>
+            <a:endParaRPr lang="en-US" sz="1800" dirty="0">
+              <a:effectLst/>
               <a:latin typeface="Calibri" panose="020F0502020204030204" pitchFamily="34" charset="0"/>
-              <a:ea typeface="Times New Roman" panose="02020603050405020304" pitchFamily="18" charset="0"/>
-              <a:cs typeface="Calibri" panose="020F0502020204030204" pitchFamily="34" charset="0"/>
+              <a:ea typeface="Calibri" panose="020F0502020204030204" pitchFamily="34" charset="0"/>
+              <a:cs typeface="Times New Roman" panose="02020603050405020304" pitchFamily="18" charset="0"/>
             </a:endParaRPr>
           </a:p>
           <a:p>
-            <a:pPr lvl="0"/>
-            <a:r>
-              <a:rPr lang="en-US" sz="1800" dirty="0" smtClean="0">
+            <a:pPr marL="342900" marR="0" lvl="0" indent="-342900">
+              <a:lnSpc>
+                <a:spcPct val="150000"/>
+              </a:lnSpc>
+              <a:spcBef>
+                <a:spcPts val="0"/>
+              </a:spcBef>
+              <a:spcAft>
+                <a:spcPts val="1000"/>
+              </a:spcAft>
+              <a:buFont typeface="+mj-lt"/>
+              <a:buAutoNum type="arabicPeriod"/>
+            </a:pPr>
+            <a:r>
+              <a:rPr lang="en-US" sz="1800" dirty="0">
+                <a:solidFill>
+                  <a:srgbClr val="333333"/>
+                </a:solidFill>
+                <a:effectLst/>
                 <a:latin typeface="Calibri" panose="020F0502020204030204" pitchFamily="34" charset="0"/>
                 <a:ea typeface="Times New Roman" panose="02020603050405020304" pitchFamily="18" charset="0"/>
                 <a:cs typeface="Calibri" panose="020F0502020204030204" pitchFamily="34" charset="0"/>
               </a:rPr>
               <a:t>Leave Module</a:t>
             </a:r>
-            <a:endParaRPr lang="en-IN" sz="1800" dirty="0" smtClean="0">
+            <a:endParaRPr lang="en-US" sz="1800" dirty="0">
+              <a:effectLst/>
               <a:latin typeface="Calibri" panose="020F0502020204030204" pitchFamily="34" charset="0"/>
-              <a:ea typeface="Times New Roman" panose="02020603050405020304" pitchFamily="18" charset="0"/>
-              <a:cs typeface="Calibri" panose="020F0502020204030204" pitchFamily="34" charset="0"/>
-            </a:endParaRPr>
-          </a:p>
-          <a:p>
-            <a:pPr lvl="0"/>
-            <a:r>
-              <a:rPr lang="en-US" sz="1800" dirty="0" smtClean="0">
-                <a:latin typeface="Calibri" panose="020F0502020204030204" pitchFamily="34" charset="0"/>
-                <a:ea typeface="Times New Roman" panose="02020603050405020304" pitchFamily="18" charset="0"/>
-                <a:cs typeface="Calibri" panose="020F0502020204030204" pitchFamily="34" charset="0"/>
-              </a:rPr>
-              <a:t>Attendance Module</a:t>
-            </a:r>
-            <a:endParaRPr lang="en-IN" sz="1800" dirty="0" smtClean="0">
-              <a:latin typeface="Calibri" panose="020F0502020204030204" pitchFamily="34" charset="0"/>
-              <a:ea typeface="Times New Roman" panose="02020603050405020304" pitchFamily="18" charset="0"/>
-              <a:cs typeface="Calibri" panose="020F0502020204030204" pitchFamily="34" charset="0"/>
-            </a:endParaRPr>
-          </a:p>
-          <a:p>
-            <a:pPr lvl="0"/>
-            <a:r>
-              <a:rPr lang="en-US" sz="1800" dirty="0" smtClean="0">
-                <a:latin typeface="Calibri" panose="020F0502020204030204" pitchFamily="34" charset="0"/>
-                <a:ea typeface="Times New Roman" panose="02020603050405020304" pitchFamily="18" charset="0"/>
-                <a:cs typeface="Calibri" panose="020F0502020204030204" pitchFamily="34" charset="0"/>
-              </a:rPr>
-              <a:t>Login Module</a:t>
-            </a:r>
-            <a:endParaRPr lang="en-IN" sz="1800" dirty="0" smtClean="0">
-              <a:latin typeface="Calibri" panose="020F0502020204030204" pitchFamily="34" charset="0"/>
-              <a:ea typeface="Times New Roman" panose="02020603050405020304" pitchFamily="18" charset="0"/>
-              <a:cs typeface="Calibri" panose="020F0502020204030204" pitchFamily="34" charset="0"/>
+              <a:ea typeface="Calibri" panose="020F0502020204030204" pitchFamily="34" charset="0"/>
+              <a:cs typeface="Times New Roman" panose="02020603050405020304" pitchFamily="18" charset="0"/>
             </a:endParaRPr>
           </a:p>
           <a:p>
             <a:pPr>
               <a:buNone/>
             </a:pPr>
-            <a:endParaRPr lang="en-US" sz="1800" dirty="0" smtClean="0">
-              <a:latin typeface="Calibri" panose="020F0502020204030204" pitchFamily="34" charset="0"/>
-              <a:ea typeface="Times New Roman" panose="02020603050405020304" pitchFamily="18" charset="0"/>
-              <a:cs typeface="Calibri" panose="020F0502020204030204" pitchFamily="34" charset="0"/>
-            </a:endParaRPr>
-          </a:p>
-          <a:p>
-            <a:pPr>
-              <a:buNone/>
-            </a:pPr>
-            <a:endParaRPr lang="en-US" sz="1800" b="1" dirty="0" smtClean="0">
-              <a:latin typeface="Calibri" panose="020F0502020204030204" pitchFamily="34" charset="0"/>
-              <a:ea typeface="Times New Roman" panose="02020603050405020304" pitchFamily="18" charset="0"/>
-              <a:cs typeface="Calibri" panose="020F0502020204030204" pitchFamily="34" charset="0"/>
-            </a:endParaRPr>
-          </a:p>
-          <a:p>
-            <a:pPr>
-              <a:buNone/>
-            </a:pPr>
-            <a:r>
-              <a:rPr lang="en-US" sz="1800" b="1" dirty="0" smtClean="0">
-                <a:latin typeface="Calibri" panose="020F0502020204030204" pitchFamily="34" charset="0"/>
-                <a:ea typeface="Times New Roman" panose="02020603050405020304" pitchFamily="18" charset="0"/>
-                <a:cs typeface="Calibri" panose="020F0502020204030204" pitchFamily="34" charset="0"/>
-              </a:rPr>
-              <a:t>Employee Registration</a:t>
-            </a:r>
-          </a:p>
-          <a:p>
-            <a:pPr>
-              <a:buNone/>
-            </a:pPr>
-            <a:endParaRPr lang="en-IN" sz="1800" b="1" dirty="0" smtClean="0">
-              <a:latin typeface="Calibri" panose="020F0502020204030204" pitchFamily="34" charset="0"/>
-              <a:ea typeface="Times New Roman" panose="02020603050405020304" pitchFamily="18" charset="0"/>
-              <a:cs typeface="Calibri" panose="020F0502020204030204" pitchFamily="34" charset="0"/>
-            </a:endParaRPr>
-          </a:p>
-          <a:p>
-            <a:r>
-              <a:rPr lang="en-US" sz="1800" dirty="0" smtClean="0">
-                <a:latin typeface="Calibri" panose="020F0502020204030204" pitchFamily="34" charset="0"/>
-                <a:ea typeface="Times New Roman" panose="02020603050405020304" pitchFamily="18" charset="0"/>
-                <a:cs typeface="Calibri" panose="020F0502020204030204" pitchFamily="34" charset="0"/>
-              </a:rPr>
-              <a:t>This </a:t>
-            </a:r>
-            <a:r>
-              <a:rPr lang="en-US" sz="1800" dirty="0" smtClean="0">
-                <a:latin typeface="Calibri" panose="020F0502020204030204" pitchFamily="34" charset="0"/>
-                <a:ea typeface="Times New Roman" panose="02020603050405020304" pitchFamily="18" charset="0"/>
-                <a:cs typeface="Calibri" panose="020F0502020204030204" pitchFamily="34" charset="0"/>
-              </a:rPr>
-              <a:t>module has to used to collect the employee information and save into the database. </a:t>
-            </a:r>
-            <a:r>
-              <a:rPr lang="en-US" sz="1800" dirty="0" smtClean="0">
-                <a:latin typeface="Calibri" panose="020F0502020204030204" pitchFamily="34" charset="0"/>
-                <a:ea typeface="Times New Roman" panose="02020603050405020304" pitchFamily="18" charset="0"/>
-                <a:cs typeface="Calibri" panose="020F0502020204030204" pitchFamily="34" charset="0"/>
-              </a:rPr>
-              <a:t>Once the employee registration has been completed they will get username and password, when need to login just use this credential to move login page.</a:t>
-            </a:r>
-            <a:endParaRPr lang="en-IN" sz="1800" dirty="0" smtClean="0">
+            <a:endParaRPr lang="en-US" sz="1800" dirty="0">
               <a:latin typeface="Calibri" panose="020F0502020204030204" pitchFamily="34" charset="0"/>
               <a:ea typeface="Times New Roman" panose="02020603050405020304" pitchFamily="18" charset="0"/>
               <a:cs typeface="Calibri" panose="020F0502020204030204" pitchFamily="34" charset="0"/>
@@ -5608,7 +10802,7 @@
     </p:spTree>
     <p:extLst>
       <p:ext uri="{BB962C8B-B14F-4D97-AF65-F5344CB8AC3E}">
-        <p14:creationId xmlns:p14="http://schemas.microsoft.com/office/powerpoint/2010/main" xmlns="" val="4215025794"/>
+        <p14:creationId xmlns:p14="http://schemas.microsoft.com/office/powerpoint/2010/main" val="4215025794"/>
       </p:ext>
     </p:extLst>
   </p:cSld>
@@ -5640,7 +10834,7 @@
           <p:cNvPr id="2" name="Title 1">
             <a:extLst>
               <a:ext uri="{FF2B5EF4-FFF2-40B4-BE49-F238E27FC236}">
-                <a16:creationId xmlns:a16="http://schemas.microsoft.com/office/drawing/2014/main" xmlns="" id="{4170C2D7-81D8-4BA8-8D90-F0EA842C9507}"/>
+                <a16:creationId xmlns:a16="http://schemas.microsoft.com/office/drawing/2014/main" id="{4170C2D7-81D8-4BA8-8D90-F0EA842C9507}"/>
               </a:ext>
             </a:extLst>
           </p:cNvPr>
@@ -5665,7 +10859,7 @@
           <p:cNvPr id="3" name="Content Placeholder 2">
             <a:extLst>
               <a:ext uri="{FF2B5EF4-FFF2-40B4-BE49-F238E27FC236}">
-                <a16:creationId xmlns:a16="http://schemas.microsoft.com/office/drawing/2014/main" xmlns="" id="{0B8F9E25-F29C-4FEA-ACB4-6D6057146BE7}"/>
+                <a16:creationId xmlns:a16="http://schemas.microsoft.com/office/drawing/2014/main" id="{0B8F9E25-F29C-4FEA-ACB4-6D6057146BE7}"/>
               </a:ext>
             </a:extLst>
           </p:cNvPr>
@@ -5683,200 +10877,154 @@
           </a:bodyPr>
           <a:lstStyle/>
           <a:p>
-            <a:endParaRPr lang="en-US" sz="1800" b="1" dirty="0" smtClean="0">
-              <a:latin typeface="Calibri" panose="020F0502020204030204" pitchFamily="34" charset="0"/>
-              <a:ea typeface="Times New Roman" panose="02020603050405020304" pitchFamily="18" charset="0"/>
-              <a:cs typeface="Calibri" panose="020F0502020204030204" pitchFamily="34" charset="0"/>
-            </a:endParaRPr>
-          </a:p>
-          <a:p>
-            <a:pPr>
+            <a:pPr marL="0" marR="0" indent="0">
+              <a:lnSpc>
+                <a:spcPct val="150000"/>
+              </a:lnSpc>
+              <a:spcBef>
+                <a:spcPts val="0"/>
+              </a:spcBef>
+              <a:spcAft>
+                <a:spcPts val="800"/>
+              </a:spcAft>
               <a:buNone/>
             </a:pPr>
             <a:r>
-              <a:rPr lang="en-US" sz="1800" b="1" dirty="0" smtClean="0">
+              <a:rPr lang="en-US" sz="1800" b="1" dirty="0">
+                <a:effectLst/>
+                <a:latin typeface="Calibri" panose="020F0502020204030204" pitchFamily="34" charset="0"/>
+                <a:ea typeface="Calibri" panose="020F0502020204030204" pitchFamily="34" charset="0"/>
+                <a:cs typeface="Calibri" panose="020F0502020204030204" pitchFamily="34" charset="0"/>
+              </a:rPr>
+              <a:t>Login Module</a:t>
+            </a:r>
+            <a:endParaRPr lang="en-US" sz="1800" dirty="0">
+              <a:effectLst/>
+              <a:latin typeface="Calibri" panose="020F0502020204030204" pitchFamily="34" charset="0"/>
+              <a:ea typeface="Calibri" panose="020F0502020204030204" pitchFamily="34" charset="0"/>
+              <a:cs typeface="Times New Roman" panose="02020603050405020304" pitchFamily="18" charset="0"/>
+            </a:endParaRPr>
+          </a:p>
+          <a:p>
+            <a:pPr marL="0" marR="0">
+              <a:lnSpc>
+                <a:spcPct val="150000"/>
+              </a:lnSpc>
+              <a:spcBef>
+                <a:spcPts val="0"/>
+              </a:spcBef>
+              <a:spcAft>
+                <a:spcPts val="800"/>
+              </a:spcAft>
+            </a:pPr>
+            <a:r>
+              <a:rPr lang="en-US" sz="1800" dirty="0">
+                <a:effectLst/>
+                <a:latin typeface="Calibri" panose="020F0502020204030204" pitchFamily="34" charset="0"/>
+                <a:ea typeface="Calibri" panose="020F0502020204030204" pitchFamily="34" charset="0"/>
+                <a:cs typeface="Calibri" panose="020F0502020204030204" pitchFamily="34" charset="0"/>
+              </a:rPr>
+              <a:t>	Admin and employee both can login this portal. Every user has own credential. Which make secure to display the details. Users can’t see others users’ details.</a:t>
+            </a:r>
+            <a:endParaRPr lang="en-US" sz="1800" dirty="0">
+              <a:effectLst/>
+              <a:latin typeface="Calibri" panose="020F0502020204030204" pitchFamily="34" charset="0"/>
+              <a:ea typeface="Calibri" panose="020F0502020204030204" pitchFamily="34" charset="0"/>
+              <a:cs typeface="Times New Roman" panose="02020603050405020304" pitchFamily="18" charset="0"/>
+            </a:endParaRPr>
+          </a:p>
+          <a:p>
+            <a:pPr marL="0" marR="0">
+              <a:lnSpc>
+                <a:spcPct val="150000"/>
+              </a:lnSpc>
+              <a:spcBef>
+                <a:spcPts val="0"/>
+              </a:spcBef>
+              <a:spcAft>
+                <a:spcPts val="800"/>
+              </a:spcAft>
+            </a:pPr>
+            <a:endParaRPr lang="en-US" sz="1800" dirty="0">
+              <a:effectLst/>
+              <a:latin typeface="Calibri" panose="020F0502020204030204" pitchFamily="34" charset="0"/>
+              <a:ea typeface="Calibri" panose="020F0502020204030204" pitchFamily="34" charset="0"/>
+              <a:cs typeface="Times New Roman" panose="02020603050405020304" pitchFamily="18" charset="0"/>
+            </a:endParaRPr>
+          </a:p>
+          <a:p>
+            <a:pPr marL="0" marR="0" indent="0">
+              <a:lnSpc>
+                <a:spcPct val="150000"/>
+              </a:lnSpc>
+              <a:spcBef>
+                <a:spcPts val="0"/>
+              </a:spcBef>
+              <a:spcAft>
+                <a:spcPts val="800"/>
+              </a:spcAft>
+              <a:buNone/>
+            </a:pPr>
+            <a:r>
+              <a:rPr lang="en-US" sz="1800" b="1" dirty="0">
+                <a:solidFill>
+                  <a:srgbClr val="333333"/>
+                </a:solidFill>
+                <a:effectLst/>
                 <a:latin typeface="Calibri" panose="020F0502020204030204" pitchFamily="34" charset="0"/>
                 <a:ea typeface="Times New Roman" panose="02020603050405020304" pitchFamily="18" charset="0"/>
                 <a:cs typeface="Calibri" panose="020F0502020204030204" pitchFamily="34" charset="0"/>
               </a:rPr>
-              <a:t>Login Module</a:t>
-            </a:r>
-          </a:p>
-          <a:p>
-            <a:pPr>
-              <a:buNone/>
+              <a:t>Employee Registration</a:t>
+            </a:r>
+            <a:endParaRPr lang="en-US" sz="1800" dirty="0">
+              <a:effectLst/>
+              <a:latin typeface="Calibri" panose="020F0502020204030204" pitchFamily="34" charset="0"/>
+              <a:ea typeface="Calibri" panose="020F0502020204030204" pitchFamily="34" charset="0"/>
+              <a:cs typeface="Times New Roman" panose="02020603050405020304" pitchFamily="18" charset="0"/>
+            </a:endParaRPr>
+          </a:p>
+          <a:p>
+            <a:pPr marL="0" marR="0">
+              <a:lnSpc>
+                <a:spcPct val="150000"/>
+              </a:lnSpc>
+              <a:spcBef>
+                <a:spcPts val="0"/>
+              </a:spcBef>
+              <a:spcAft>
+                <a:spcPts val="800"/>
+              </a:spcAft>
             </a:pPr>
-            <a:endParaRPr lang="en-IN" sz="1800" b="1" dirty="0" smtClean="0">
-              <a:latin typeface="Calibri" panose="020F0502020204030204" pitchFamily="34" charset="0"/>
-              <a:ea typeface="Times New Roman" panose="02020603050405020304" pitchFamily="18" charset="0"/>
-              <a:cs typeface="Calibri" panose="020F0502020204030204" pitchFamily="34" charset="0"/>
-            </a:endParaRPr>
-          </a:p>
-          <a:p>
-            <a:r>
-              <a:rPr lang="en-US" sz="1800" dirty="0" smtClean="0">
+            <a:r>
+              <a:rPr lang="en-US" sz="1800" b="1" dirty="0">
+                <a:solidFill>
+                  <a:srgbClr val="333333"/>
+                </a:solidFill>
+                <a:effectLst/>
                 <a:latin typeface="Calibri" panose="020F0502020204030204" pitchFamily="34" charset="0"/>
                 <a:ea typeface="Times New Roman" panose="02020603050405020304" pitchFamily="18" charset="0"/>
                 <a:cs typeface="Calibri" panose="020F0502020204030204" pitchFamily="34" charset="0"/>
               </a:rPr>
-              <a:t>Admin </a:t>
-            </a:r>
-            <a:r>
-              <a:rPr lang="en-US" sz="1800" dirty="0" smtClean="0">
+              <a:t>	</a:t>
+            </a:r>
+            <a:r>
+              <a:rPr lang="en-US" sz="1800" dirty="0">
+                <a:solidFill>
+                  <a:srgbClr val="333333"/>
+                </a:solidFill>
+                <a:effectLst/>
                 <a:latin typeface="Calibri" panose="020F0502020204030204" pitchFamily="34" charset="0"/>
                 <a:ea typeface="Times New Roman" panose="02020603050405020304" pitchFamily="18" charset="0"/>
                 <a:cs typeface="Calibri" panose="020F0502020204030204" pitchFamily="34" charset="0"/>
               </a:rPr>
-              <a:t>and employee both can login this portal. </a:t>
-            </a:r>
-            <a:r>
-              <a:rPr lang="en-US" sz="1800" dirty="0" smtClean="0">
-                <a:latin typeface="Calibri" panose="020F0502020204030204" pitchFamily="34" charset="0"/>
-                <a:ea typeface="Times New Roman" panose="02020603050405020304" pitchFamily="18" charset="0"/>
-                <a:cs typeface="Calibri" panose="020F0502020204030204" pitchFamily="34" charset="0"/>
-              </a:rPr>
-              <a:t>Every users have own credential. </a:t>
-            </a:r>
-            <a:r>
-              <a:rPr lang="en-US" sz="1800" dirty="0" smtClean="0">
-                <a:latin typeface="Calibri" panose="020F0502020204030204" pitchFamily="34" charset="0"/>
-                <a:ea typeface="Times New Roman" panose="02020603050405020304" pitchFamily="18" charset="0"/>
-                <a:cs typeface="Calibri" panose="020F0502020204030204" pitchFamily="34" charset="0"/>
-              </a:rPr>
-              <a:t>Which make secure to display the details</a:t>
-            </a:r>
-            <a:r>
-              <a:rPr lang="en-US" sz="1800" dirty="0" smtClean="0">
-                <a:latin typeface="Calibri" panose="020F0502020204030204" pitchFamily="34" charset="0"/>
-                <a:ea typeface="Times New Roman" panose="02020603050405020304" pitchFamily="18" charset="0"/>
-                <a:cs typeface="Calibri" panose="020F0502020204030204" pitchFamily="34" charset="0"/>
-              </a:rPr>
-              <a:t>.</a:t>
-            </a:r>
-          </a:p>
-          <a:p>
-            <a:r>
-              <a:rPr lang="en-US" sz="1800" dirty="0" smtClean="0">
-                <a:latin typeface="Calibri" panose="020F0502020204030204" pitchFamily="34" charset="0"/>
-                <a:ea typeface="Times New Roman" panose="02020603050405020304" pitchFamily="18" charset="0"/>
-                <a:cs typeface="Calibri" panose="020F0502020204030204" pitchFamily="34" charset="0"/>
-              </a:rPr>
-              <a:t> </a:t>
-            </a:r>
-            <a:r>
-              <a:rPr lang="en-US" sz="1800" dirty="0" smtClean="0">
-                <a:latin typeface="Calibri" panose="020F0502020204030204" pitchFamily="34" charset="0"/>
-                <a:ea typeface="Times New Roman" panose="02020603050405020304" pitchFamily="18" charset="0"/>
-                <a:cs typeface="Calibri" panose="020F0502020204030204" pitchFamily="34" charset="0"/>
-              </a:rPr>
-              <a:t>Users can’t seen others users details.</a:t>
-            </a:r>
-            <a:endParaRPr lang="en-IN" sz="1800" dirty="0" smtClean="0">
+              <a:t>This module has to use to collect the employee information and save into the database. Once the employee registration has been completed, they will get username and password, when need to login just use this credential to move login page.</a:t>
+            </a:r>
+            <a:endParaRPr lang="en-US" sz="1800" dirty="0">
+              <a:effectLst/>
               <a:latin typeface="Calibri" panose="020F0502020204030204" pitchFamily="34" charset="0"/>
-              <a:ea typeface="Times New Roman" panose="02020603050405020304" pitchFamily="18" charset="0"/>
-              <a:cs typeface="Calibri" panose="020F0502020204030204" pitchFamily="34" charset="0"/>
-            </a:endParaRPr>
-          </a:p>
-          <a:p>
-            <a:endParaRPr lang="en-US" sz="1800" dirty="0" smtClean="0">
-              <a:latin typeface="Calibri" panose="020F0502020204030204" pitchFamily="34" charset="0"/>
-              <a:ea typeface="Times New Roman" panose="02020603050405020304" pitchFamily="18" charset="0"/>
-              <a:cs typeface="Calibri" panose="020F0502020204030204" pitchFamily="34" charset="0"/>
-            </a:endParaRPr>
-          </a:p>
-          <a:p>
-            <a:endParaRPr lang="en-IN" sz="1800" dirty="0" smtClean="0">
-              <a:latin typeface="Calibri" panose="020F0502020204030204" pitchFamily="34" charset="0"/>
-              <a:ea typeface="Times New Roman" panose="02020603050405020304" pitchFamily="18" charset="0"/>
-              <a:cs typeface="Calibri" panose="020F0502020204030204" pitchFamily="34" charset="0"/>
-            </a:endParaRPr>
-          </a:p>
-          <a:p>
-            <a:pPr>
-              <a:buNone/>
-            </a:pPr>
-            <a:r>
-              <a:rPr lang="en-US" sz="1800" b="1" dirty="0" smtClean="0">
-                <a:latin typeface="Calibri" panose="020F0502020204030204" pitchFamily="34" charset="0"/>
-                <a:ea typeface="Times New Roman" panose="02020603050405020304" pitchFamily="18" charset="0"/>
-                <a:cs typeface="Calibri" panose="020F0502020204030204" pitchFamily="34" charset="0"/>
-              </a:rPr>
-              <a:t>Salary Management </a:t>
-            </a:r>
-            <a:r>
-              <a:rPr lang="en-US" sz="1800" b="1" dirty="0" smtClean="0">
-                <a:latin typeface="Calibri" panose="020F0502020204030204" pitchFamily="34" charset="0"/>
-                <a:ea typeface="Times New Roman" panose="02020603050405020304" pitchFamily="18" charset="0"/>
-                <a:cs typeface="Calibri" panose="020F0502020204030204" pitchFamily="34" charset="0"/>
-              </a:rPr>
-              <a:t>Module</a:t>
-            </a:r>
-          </a:p>
-          <a:p>
-            <a:pPr>
-              <a:buNone/>
-            </a:pPr>
-            <a:endParaRPr lang="en-IN" sz="1800" b="1" dirty="0" smtClean="0">
-              <a:latin typeface="Calibri" panose="020F0502020204030204" pitchFamily="34" charset="0"/>
-              <a:ea typeface="Times New Roman" panose="02020603050405020304" pitchFamily="18" charset="0"/>
-              <a:cs typeface="Calibri" panose="020F0502020204030204" pitchFamily="34" charset="0"/>
-            </a:endParaRPr>
-          </a:p>
-          <a:p>
-            <a:r>
-              <a:rPr lang="en-US" sz="1800" dirty="0" smtClean="0">
-                <a:latin typeface="Calibri" panose="020F0502020204030204" pitchFamily="34" charset="0"/>
-                <a:ea typeface="Times New Roman" panose="02020603050405020304" pitchFamily="18" charset="0"/>
-                <a:cs typeface="Calibri" panose="020F0502020204030204" pitchFamily="34" charset="0"/>
-              </a:rPr>
-              <a:t>Salary management module is used managing the salary details for employees</a:t>
-            </a:r>
-            <a:r>
-              <a:rPr lang="en-US" sz="1800" dirty="0" smtClean="0">
-                <a:latin typeface="Calibri" panose="020F0502020204030204" pitchFamily="34" charset="0"/>
-                <a:ea typeface="Times New Roman" panose="02020603050405020304" pitchFamily="18" charset="0"/>
-                <a:cs typeface="Calibri" panose="020F0502020204030204" pitchFamily="34" charset="0"/>
-              </a:rPr>
-              <a:t>.</a:t>
-            </a:r>
-          </a:p>
-          <a:p>
-            <a:r>
-              <a:rPr lang="en-US" sz="1800" dirty="0" smtClean="0">
-                <a:latin typeface="Calibri" panose="020F0502020204030204" pitchFamily="34" charset="0"/>
-                <a:ea typeface="Times New Roman" panose="02020603050405020304" pitchFamily="18" charset="0"/>
-                <a:cs typeface="Calibri" panose="020F0502020204030204" pitchFamily="34" charset="0"/>
-              </a:rPr>
-              <a:t> </a:t>
-            </a:r>
-            <a:r>
-              <a:rPr lang="en-US" sz="1800" dirty="0" smtClean="0">
-                <a:latin typeface="Calibri" panose="020F0502020204030204" pitchFamily="34" charset="0"/>
-                <a:ea typeface="Times New Roman" panose="02020603050405020304" pitchFamily="18" charset="0"/>
-                <a:cs typeface="Calibri" panose="020F0502020204030204" pitchFamily="34" charset="0"/>
-              </a:rPr>
-              <a:t>Admin can manage all the employees salary details. Every month we can generate the </a:t>
-            </a:r>
-            <a:r>
-              <a:rPr lang="en-US" sz="1800" dirty="0" smtClean="0">
-                <a:latin typeface="Calibri" panose="020F0502020204030204" pitchFamily="34" charset="0"/>
-                <a:ea typeface="Times New Roman" panose="02020603050405020304" pitchFamily="18" charset="0"/>
-                <a:cs typeface="Calibri" panose="020F0502020204030204" pitchFamily="34" charset="0"/>
-              </a:rPr>
-              <a:t>pay slip </a:t>
-            </a:r>
-            <a:r>
-              <a:rPr lang="en-US" sz="1800" dirty="0" smtClean="0">
-                <a:latin typeface="Calibri" panose="020F0502020204030204" pitchFamily="34" charset="0"/>
-                <a:ea typeface="Times New Roman" panose="02020603050405020304" pitchFamily="18" charset="0"/>
-                <a:cs typeface="Calibri" panose="020F0502020204030204" pitchFamily="34" charset="0"/>
-              </a:rPr>
-              <a:t>by admin.</a:t>
-            </a:r>
-            <a:endParaRPr lang="en-IN" sz="1800" dirty="0" smtClean="0">
-              <a:latin typeface="Calibri" panose="020F0502020204030204" pitchFamily="34" charset="0"/>
-              <a:ea typeface="Times New Roman" panose="02020603050405020304" pitchFamily="18" charset="0"/>
-              <a:cs typeface="Calibri" panose="020F0502020204030204" pitchFamily="34" charset="0"/>
+              <a:ea typeface="Calibri" panose="020F0502020204030204" pitchFamily="34" charset="0"/>
+              <a:cs typeface="Times New Roman" panose="02020603050405020304" pitchFamily="18" charset="0"/>
             </a:endParaRPr>
           </a:p>
         </p:txBody>
@@ -5884,7 +11032,7 @@
     </p:spTree>
     <p:extLst>
       <p:ext uri="{BB962C8B-B14F-4D97-AF65-F5344CB8AC3E}">
-        <p14:creationId xmlns:p14="http://schemas.microsoft.com/office/powerpoint/2010/main" xmlns="" val="2024169710"/>
+        <p14:creationId xmlns:p14="http://schemas.microsoft.com/office/powerpoint/2010/main" val="2024169710"/>
       </p:ext>
     </p:extLst>
   </p:cSld>
@@ -5916,7 +11064,7 @@
           <p:cNvPr id="2" name="Title 1">
             <a:extLst>
               <a:ext uri="{FF2B5EF4-FFF2-40B4-BE49-F238E27FC236}">
-                <a16:creationId xmlns:a16="http://schemas.microsoft.com/office/drawing/2014/main" xmlns="" id="{62342F69-923A-4F80-8469-FB9067E30D83}"/>
+                <a16:creationId xmlns:a16="http://schemas.microsoft.com/office/drawing/2014/main" id="{62342F69-923A-4F80-8469-FB9067E30D83}"/>
               </a:ext>
             </a:extLst>
           </p:cNvPr>
@@ -5941,7 +11089,7 @@
           <p:cNvPr id="3" name="Content Placeholder 2">
             <a:extLst>
               <a:ext uri="{FF2B5EF4-FFF2-40B4-BE49-F238E27FC236}">
-                <a16:creationId xmlns:a16="http://schemas.microsoft.com/office/drawing/2014/main" xmlns="" id="{68DDDC8A-04BB-42C9-B0EC-BF82D0492888}"/>
+                <a16:creationId xmlns:a16="http://schemas.microsoft.com/office/drawing/2014/main" id="{68DDDC8A-04BB-42C9-B0EC-BF82D0492888}"/>
               </a:ext>
             </a:extLst>
           </p:cNvPr>
@@ -5959,171 +11107,131 @@
           </a:bodyPr>
           <a:lstStyle/>
           <a:p>
-            <a:pPr>
+            <a:pPr marL="0" marR="0" indent="0">
+              <a:lnSpc>
+                <a:spcPct val="150000"/>
+              </a:lnSpc>
+              <a:spcBef>
+                <a:spcPts val="0"/>
+              </a:spcBef>
+              <a:spcAft>
+                <a:spcPts val="800"/>
+              </a:spcAft>
               <a:buNone/>
             </a:pPr>
-            <a:endParaRPr lang="en-US" sz="1800" b="1" dirty="0" smtClean="0">
-              <a:latin typeface="Calibri" panose="020F0502020204030204" pitchFamily="34" charset="0"/>
-              <a:ea typeface="Times New Roman" panose="02020603050405020304" pitchFamily="18" charset="0"/>
-              <a:cs typeface="Calibri" panose="020F0502020204030204" pitchFamily="34" charset="0"/>
-            </a:endParaRPr>
-          </a:p>
-          <a:p>
-            <a:pPr>
-              <a:buNone/>
-            </a:pPr>
-            <a:r>
-              <a:rPr lang="en-US" sz="1800" b="1" dirty="0" smtClean="0">
+            <a:r>
+              <a:rPr lang="en-US" sz="1800" b="1" dirty="0">
+                <a:solidFill>
+                  <a:srgbClr val="333333"/>
+                </a:solidFill>
+                <a:effectLst/>
                 <a:latin typeface="Calibri" panose="020F0502020204030204" pitchFamily="34" charset="0"/>
                 <a:ea typeface="Times New Roman" panose="02020603050405020304" pitchFamily="18" charset="0"/>
                 <a:cs typeface="Calibri" panose="020F0502020204030204" pitchFamily="34" charset="0"/>
               </a:rPr>
-              <a:t>Leave </a:t>
-            </a:r>
-            <a:r>
-              <a:rPr lang="en-US" sz="1800" b="1" dirty="0" smtClean="0">
+              <a:t>Leave Type Entry:</a:t>
+            </a:r>
+            <a:endParaRPr lang="en-US" sz="1800" dirty="0">
+              <a:effectLst/>
+              <a:latin typeface="Calibri" panose="020F0502020204030204" pitchFamily="34" charset="0"/>
+              <a:ea typeface="Calibri" panose="020F0502020204030204" pitchFamily="34" charset="0"/>
+              <a:cs typeface="Times New Roman" panose="02020603050405020304" pitchFamily="18" charset="0"/>
+            </a:endParaRPr>
+          </a:p>
+          <a:p>
+            <a:pPr marL="0" marR="0">
+              <a:lnSpc>
+                <a:spcPct val="150000"/>
+              </a:lnSpc>
+              <a:spcBef>
+                <a:spcPts val="0"/>
+              </a:spcBef>
+              <a:spcAft>
+                <a:spcPts val="800"/>
+              </a:spcAft>
+            </a:pPr>
+            <a:r>
+              <a:rPr lang="en-US" sz="1800" dirty="0">
+                <a:effectLst/>
+                <a:latin typeface="Calibri" panose="020F0502020204030204" pitchFamily="34" charset="0"/>
+                <a:ea typeface="Calibri" panose="020F0502020204030204" pitchFamily="34" charset="0"/>
+                <a:cs typeface="Calibri" panose="020F0502020204030204" pitchFamily="34" charset="0"/>
+              </a:rPr>
+              <a:t>	This module has been created by manager, this will in casual leave, marriage leave, sick leave or anything. The employee can choose the leave type and sending leave request to the manager.</a:t>
+            </a:r>
+            <a:endParaRPr lang="en-US" sz="1800" dirty="0">
+              <a:effectLst/>
+              <a:latin typeface="Calibri" panose="020F0502020204030204" pitchFamily="34" charset="0"/>
+              <a:ea typeface="Calibri" panose="020F0502020204030204" pitchFamily="34" charset="0"/>
+              <a:cs typeface="Times New Roman" panose="02020603050405020304" pitchFamily="18" charset="0"/>
+            </a:endParaRPr>
+          </a:p>
+          <a:p>
+            <a:pPr marL="0" marR="0" indent="0">
+              <a:lnSpc>
+                <a:spcPct val="150000"/>
+              </a:lnSpc>
+              <a:spcBef>
+                <a:spcPts val="0"/>
+              </a:spcBef>
+              <a:spcAft>
+                <a:spcPts val="800"/>
+              </a:spcAft>
+              <a:buNone/>
+            </a:pPr>
+            <a:r>
+              <a:rPr lang="en-US" sz="1800" b="1" dirty="0">
+                <a:solidFill>
+                  <a:srgbClr val="333333"/>
+                </a:solidFill>
+                <a:effectLst/>
                 <a:latin typeface="Calibri" panose="020F0502020204030204" pitchFamily="34" charset="0"/>
                 <a:ea typeface="Times New Roman" panose="02020603050405020304" pitchFamily="18" charset="0"/>
                 <a:cs typeface="Calibri" panose="020F0502020204030204" pitchFamily="34" charset="0"/>
               </a:rPr>
-              <a:t>Module</a:t>
-            </a:r>
-            <a:r>
-              <a:rPr lang="en-US" sz="1800" b="1" dirty="0" smtClean="0">
+              <a:t>Leave Module:</a:t>
+            </a:r>
+            <a:endParaRPr lang="en-US" sz="1800" dirty="0">
+              <a:effectLst/>
+              <a:latin typeface="Calibri" panose="020F0502020204030204" pitchFamily="34" charset="0"/>
+              <a:ea typeface="Calibri" panose="020F0502020204030204" pitchFamily="34" charset="0"/>
+              <a:cs typeface="Times New Roman" panose="02020603050405020304" pitchFamily="18" charset="0"/>
+            </a:endParaRPr>
+          </a:p>
+          <a:p>
+            <a:pPr marL="0" marR="0">
+              <a:lnSpc>
+                <a:spcPct val="150000"/>
+              </a:lnSpc>
+              <a:spcBef>
+                <a:spcPts val="0"/>
+              </a:spcBef>
+              <a:spcAft>
+                <a:spcPts val="800"/>
+              </a:spcAft>
+            </a:pPr>
+            <a:r>
+              <a:rPr lang="en-US" sz="1800" dirty="0">
+                <a:effectLst/>
                 <a:latin typeface="Calibri" panose="020F0502020204030204" pitchFamily="34" charset="0"/>
-                <a:ea typeface="Times New Roman" panose="02020603050405020304" pitchFamily="18" charset="0"/>
+                <a:ea typeface="Calibri" panose="020F0502020204030204" pitchFamily="34" charset="0"/>
                 <a:cs typeface="Calibri" panose="020F0502020204030204" pitchFamily="34" charset="0"/>
               </a:rPr>
-              <a:t>:</a:t>
-            </a:r>
-          </a:p>
-          <a:p>
-            <a:endParaRPr lang="en-IN" sz="1800" b="1" dirty="0" smtClean="0">
+              <a:t>	Employee should send the leave request before taking a leave. The request was accepting by administrator. If the administrator does not accept the leave request employee can’t to take a leave. So, manager can find who are all taking a leave on today.</a:t>
+            </a:r>
+            <a:endParaRPr lang="en-US" sz="1800" dirty="0">
+              <a:effectLst/>
               <a:latin typeface="Calibri" panose="020F0502020204030204" pitchFamily="34" charset="0"/>
-              <a:ea typeface="Times New Roman" panose="02020603050405020304" pitchFamily="18" charset="0"/>
-              <a:cs typeface="Calibri" panose="020F0502020204030204" pitchFamily="34" charset="0"/>
+              <a:ea typeface="Calibri" panose="020F0502020204030204" pitchFamily="34" charset="0"/>
+              <a:cs typeface="Times New Roman" panose="02020603050405020304" pitchFamily="18" charset="0"/>
             </a:endParaRPr>
-          </a:p>
-          <a:p>
-            <a:r>
-              <a:rPr lang="en-US" sz="1800" dirty="0" smtClean="0">
-                <a:latin typeface="Calibri" panose="020F0502020204030204" pitchFamily="34" charset="0"/>
-                <a:ea typeface="Times New Roman" panose="02020603050405020304" pitchFamily="18" charset="0"/>
-                <a:cs typeface="Calibri" panose="020F0502020204030204" pitchFamily="34" charset="0"/>
-              </a:rPr>
-              <a:t>Employee </a:t>
-            </a:r>
-            <a:r>
-              <a:rPr lang="en-US" sz="1800" dirty="0" smtClean="0">
-                <a:latin typeface="Calibri" panose="020F0502020204030204" pitchFamily="34" charset="0"/>
-                <a:ea typeface="Times New Roman" panose="02020603050405020304" pitchFamily="18" charset="0"/>
-                <a:cs typeface="Calibri" panose="020F0502020204030204" pitchFamily="34" charset="0"/>
-              </a:rPr>
-              <a:t>should sending the leave request before  taking a leave. </a:t>
-            </a:r>
-            <a:r>
-              <a:rPr lang="en-US" sz="1800" dirty="0" smtClean="0">
-                <a:latin typeface="Calibri" panose="020F0502020204030204" pitchFamily="34" charset="0"/>
-                <a:ea typeface="Times New Roman" panose="02020603050405020304" pitchFamily="18" charset="0"/>
-                <a:cs typeface="Calibri" panose="020F0502020204030204" pitchFamily="34" charset="0"/>
-              </a:rPr>
-              <a:t>The request was accept by administrator. If the administrator does not accepting the leave request employee can’t to take a leave. </a:t>
-            </a:r>
-            <a:r>
-              <a:rPr lang="en-US" sz="1800" dirty="0" smtClean="0">
-                <a:latin typeface="Calibri" panose="020F0502020204030204" pitchFamily="34" charset="0"/>
-                <a:ea typeface="Times New Roman" panose="02020603050405020304" pitchFamily="18" charset="0"/>
-                <a:cs typeface="Calibri" panose="020F0502020204030204" pitchFamily="34" charset="0"/>
-              </a:rPr>
-              <a:t>So manager can find who are all taking a leave on today</a:t>
-            </a:r>
-            <a:r>
-              <a:rPr lang="en-US" sz="1800" dirty="0" smtClean="0">
-                <a:latin typeface="Calibri" panose="020F0502020204030204" pitchFamily="34" charset="0"/>
-                <a:ea typeface="Times New Roman" panose="02020603050405020304" pitchFamily="18" charset="0"/>
-                <a:cs typeface="Calibri" panose="020F0502020204030204" pitchFamily="34" charset="0"/>
-              </a:rPr>
-              <a:t>.</a:t>
-            </a:r>
-          </a:p>
-          <a:p>
-            <a:endParaRPr lang="en-IN" sz="1800" dirty="0" smtClean="0">
-              <a:latin typeface="Calibri" panose="020F0502020204030204" pitchFamily="34" charset="0"/>
-              <a:ea typeface="Times New Roman" panose="02020603050405020304" pitchFamily="18" charset="0"/>
-              <a:cs typeface="Calibri" panose="020F0502020204030204" pitchFamily="34" charset="0"/>
-            </a:endParaRPr>
-          </a:p>
-          <a:p>
-            <a:pPr>
-              <a:buNone/>
-            </a:pPr>
-            <a:r>
-              <a:rPr lang="en-US" sz="1800" b="1" dirty="0" smtClean="0">
-                <a:latin typeface="Calibri" panose="020F0502020204030204" pitchFamily="34" charset="0"/>
-                <a:ea typeface="Times New Roman" panose="02020603050405020304" pitchFamily="18" charset="0"/>
-                <a:cs typeface="Calibri" panose="020F0502020204030204" pitchFamily="34" charset="0"/>
-              </a:rPr>
-              <a:t>Attendance Module</a:t>
-            </a:r>
-            <a:r>
-              <a:rPr lang="en-US" sz="1800" b="1" dirty="0" smtClean="0">
-                <a:latin typeface="Calibri" panose="020F0502020204030204" pitchFamily="34" charset="0"/>
-                <a:ea typeface="Times New Roman" panose="02020603050405020304" pitchFamily="18" charset="0"/>
-                <a:cs typeface="Calibri" panose="020F0502020204030204" pitchFamily="34" charset="0"/>
-              </a:rPr>
-              <a:t>.</a:t>
-            </a:r>
-          </a:p>
-          <a:p>
-            <a:pPr>
-              <a:buNone/>
-            </a:pPr>
-            <a:endParaRPr lang="en-IN" sz="1800" b="1" dirty="0" smtClean="0">
-              <a:latin typeface="Calibri" panose="020F0502020204030204" pitchFamily="34" charset="0"/>
-              <a:ea typeface="Times New Roman" panose="02020603050405020304" pitchFamily="18" charset="0"/>
-              <a:cs typeface="Calibri" panose="020F0502020204030204" pitchFamily="34" charset="0"/>
-            </a:endParaRPr>
-          </a:p>
-          <a:p>
-            <a:r>
-              <a:rPr lang="en-US" sz="1800" dirty="0" smtClean="0">
-                <a:latin typeface="Calibri" panose="020F0502020204030204" pitchFamily="34" charset="0"/>
-                <a:ea typeface="Times New Roman" panose="02020603050405020304" pitchFamily="18" charset="0"/>
-                <a:cs typeface="Calibri" panose="020F0502020204030204" pitchFamily="34" charset="0"/>
-              </a:rPr>
-              <a:t>An </a:t>
-            </a:r>
-            <a:r>
-              <a:rPr lang="en-US" sz="1800" dirty="0" smtClean="0">
-                <a:latin typeface="Calibri" panose="020F0502020204030204" pitchFamily="34" charset="0"/>
-                <a:ea typeface="Times New Roman" panose="02020603050405020304" pitchFamily="18" charset="0"/>
-                <a:cs typeface="Calibri" panose="020F0502020204030204" pitchFamily="34" charset="0"/>
-              </a:rPr>
-              <a:t>Attendance module is main part of our project. </a:t>
-            </a:r>
-            <a:r>
-              <a:rPr lang="en-US" sz="1800" dirty="0" smtClean="0">
-                <a:latin typeface="Calibri" panose="020F0502020204030204" pitchFamily="34" charset="0"/>
-                <a:ea typeface="Times New Roman" panose="02020603050405020304" pitchFamily="18" charset="0"/>
-                <a:cs typeface="Calibri" panose="020F0502020204030204" pitchFamily="34" charset="0"/>
-              </a:rPr>
-              <a:t>Which could helps to find employees daily punch report, the we can manage our attendance report.</a:t>
-            </a:r>
-            <a:endParaRPr lang="en-IN" sz="1800" dirty="0" smtClean="0">
-              <a:latin typeface="Calibri" panose="020F0502020204030204" pitchFamily="34" charset="0"/>
-              <a:ea typeface="Times New Roman" panose="02020603050405020304" pitchFamily="18" charset="0"/>
-              <a:cs typeface="Calibri" panose="020F0502020204030204" pitchFamily="34" charset="0"/>
-            </a:endParaRPr>
-          </a:p>
-          <a:p>
-            <a:endParaRPr lang="en-US" dirty="0"/>
           </a:p>
         </p:txBody>
       </p:sp>
     </p:spTree>
     <p:extLst>
       <p:ext uri="{BB962C8B-B14F-4D97-AF65-F5344CB8AC3E}">
-        <p14:creationId xmlns:p14="http://schemas.microsoft.com/office/powerpoint/2010/main" xmlns="" val="3121811427"/>
+        <p14:creationId xmlns:p14="http://schemas.microsoft.com/office/powerpoint/2010/main" val="3121811427"/>
       </p:ext>
     </p:extLst>
   </p:cSld>
